--- a/papers/journalSwarmControl/pictures/IJSS Picturesv0.1.pptx
+++ b/papers/journalSwarmControl/pictures/IJSS Picturesv0.1.pptx
@@ -3810,8 +3810,8 @@
         </p:nvSpPr>
         <p:spPr>
           <a:xfrm>
-            <a:off x="1536570" y="4534293"/>
-            <a:ext cx="5241303" cy="1809946"/>
+            <a:off x="1536570" y="4534292"/>
+            <a:ext cx="5222553" cy="1763603"/>
           </a:xfrm>
           <a:prstGeom prst="rect">
             <a:avLst/>
@@ -3954,8 +3954,8 @@
         </p:nvCxnSpPr>
         <p:spPr>
           <a:xfrm>
-            <a:off x="3129698" y="2754198"/>
-            <a:ext cx="3657600" cy="0"/>
+            <a:off x="2969443" y="2754198"/>
+            <a:ext cx="3817855" cy="0"/>
           </a:xfrm>
           <a:prstGeom prst="line">
             <a:avLst/>
@@ -4016,60 +4016,10 @@
           </a:fontRef>
         </p:style>
       </p:cxnSp>
-      <p:sp>
-        <p:nvSpPr>
-          <p:cNvPr id="23" name="Oval 22"/>
-          <p:cNvSpPr/>
-          <p:nvPr/>
-        </p:nvSpPr>
-        <p:spPr>
-          <a:xfrm>
-            <a:off x="2969442" y="2678782"/>
-            <a:ext cx="169682" cy="158684"/>
-          </a:xfrm>
-          <a:prstGeom prst="ellipse">
-            <a:avLst/>
-          </a:prstGeom>
-          <a:solidFill>
-            <a:schemeClr val="tx1"/>
-          </a:solidFill>
-          <a:ln>
-            <a:solidFill>
-              <a:schemeClr val="tx1"/>
-            </a:solidFill>
-          </a:ln>
-        </p:spPr>
-        <p:style>
-          <a:lnRef idx="2">
-            <a:schemeClr val="accent1">
-              <a:shade val="50000"/>
-            </a:schemeClr>
-          </a:lnRef>
-          <a:fillRef idx="1">
-            <a:schemeClr val="accent1"/>
-          </a:fillRef>
-          <a:effectRef idx="0">
-            <a:schemeClr val="accent1"/>
-          </a:effectRef>
-          <a:fontRef idx="minor">
-            <a:schemeClr val="lt1"/>
-          </a:fontRef>
-        </p:style>
-        <p:txBody>
-          <a:bodyPr rtlCol="0" anchor="ctr"/>
-          <a:lstStyle/>
-          <a:p>
-            <a:pPr algn="ctr"/>
-            <a:endParaRPr lang="en-US"/>
-          </a:p>
-        </p:txBody>
-      </p:sp>
       <p:cxnSp>
         <p:nvCxnSpPr>
           <p:cNvPr id="24" name="Straight Connector 23"/>
-          <p:cNvCxnSpPr>
-            <a:endCxn id="23" idx="2"/>
-          </p:cNvCxnSpPr>
+          <p:cNvCxnSpPr/>
           <p:nvPr/>
         </p:nvCxnSpPr>
         <p:spPr>
@@ -4102,54 +4052,6 @@
           </a:fontRef>
         </p:style>
       </p:cxnSp>
-      <p:sp>
-        <p:nvSpPr>
-          <p:cNvPr id="25" name="Oval 24"/>
-          <p:cNvSpPr/>
-          <p:nvPr/>
-        </p:nvSpPr>
-        <p:spPr>
-          <a:xfrm>
-            <a:off x="5123362" y="4456782"/>
-            <a:ext cx="169682" cy="158684"/>
-          </a:xfrm>
-          <a:prstGeom prst="ellipse">
-            <a:avLst/>
-          </a:prstGeom>
-          <a:solidFill>
-            <a:schemeClr val="tx1"/>
-          </a:solidFill>
-          <a:ln>
-            <a:solidFill>
-              <a:schemeClr val="tx1"/>
-            </a:solidFill>
-          </a:ln>
-        </p:spPr>
-        <p:style>
-          <a:lnRef idx="2">
-            <a:schemeClr val="accent1">
-              <a:shade val="50000"/>
-            </a:schemeClr>
-          </a:lnRef>
-          <a:fillRef idx="1">
-            <a:schemeClr val="accent1"/>
-          </a:fillRef>
-          <a:effectRef idx="0">
-            <a:schemeClr val="accent1"/>
-          </a:effectRef>
-          <a:fontRef idx="minor">
-            <a:schemeClr val="lt1"/>
-          </a:fontRef>
-        </p:style>
-        <p:txBody>
-          <a:bodyPr rtlCol="0" anchor="ctr"/>
-          <a:lstStyle/>
-          <a:p>
-            <a:pPr algn="ctr"/>
-            <a:endParaRPr lang="en-US"/>
-          </a:p>
-        </p:txBody>
-      </p:sp>
       <p:cxnSp>
         <p:nvCxnSpPr>
           <p:cNvPr id="26" name="Straight Connector 25"/>
@@ -4594,104 +4496,8 @@
         </p:nvSpPr>
         <p:spPr>
           <a:xfrm>
-            <a:off x="1548552" y="4362334"/>
-            <a:ext cx="83286" cy="83286"/>
-          </a:xfrm>
-          <a:prstGeom prst="ellipse">
-            <a:avLst/>
-          </a:prstGeom>
-          <a:solidFill>
-            <a:srgbClr val="38F838"/>
-          </a:solidFill>
-          <a:ln w="19050">
-            <a:solidFill>
-              <a:srgbClr val="0000FF"/>
-            </a:solidFill>
-          </a:ln>
-        </p:spPr>
-        <p:style>
-          <a:lnRef idx="2">
-            <a:schemeClr val="accent1">
-              <a:shade val="50000"/>
-            </a:schemeClr>
-          </a:lnRef>
-          <a:fillRef idx="1">
-            <a:schemeClr val="accent1"/>
-          </a:fillRef>
-          <a:effectRef idx="0">
-            <a:schemeClr val="accent1"/>
-          </a:effectRef>
-          <a:fontRef idx="minor">
-            <a:schemeClr val="lt1"/>
-          </a:fontRef>
-        </p:style>
-        <p:txBody>
-          <a:bodyPr rtlCol="0" anchor="ctr"/>
-          <a:lstStyle/>
-          <a:p>
-            <a:pPr algn="ctr"/>
-            <a:endParaRPr lang="en-US"/>
-          </a:p>
-        </p:txBody>
-      </p:sp>
-      <p:sp>
-        <p:nvSpPr>
-          <p:cNvPr id="43" name="Oval 42"/>
-          <p:cNvSpPr/>
-          <p:nvPr/>
-        </p:nvSpPr>
-        <p:spPr>
-          <a:xfrm>
-            <a:off x="1562732" y="4153232"/>
-            <a:ext cx="76931" cy="76931"/>
-          </a:xfrm>
-          <a:prstGeom prst="ellipse">
-            <a:avLst/>
-          </a:prstGeom>
-          <a:solidFill>
-            <a:srgbClr val="38F838"/>
-          </a:solidFill>
-          <a:ln w="19050">
-            <a:solidFill>
-              <a:srgbClr val="0000FF"/>
-            </a:solidFill>
-          </a:ln>
-        </p:spPr>
-        <p:style>
-          <a:lnRef idx="2">
-            <a:schemeClr val="accent1">
-              <a:shade val="50000"/>
-            </a:schemeClr>
-          </a:lnRef>
-          <a:fillRef idx="1">
-            <a:schemeClr val="accent1"/>
-          </a:fillRef>
-          <a:effectRef idx="0">
-            <a:schemeClr val="accent1"/>
-          </a:effectRef>
-          <a:fontRef idx="minor">
-            <a:schemeClr val="lt1"/>
-          </a:fontRef>
-        </p:style>
-        <p:txBody>
-          <a:bodyPr rtlCol="0" anchor="ctr"/>
-          <a:lstStyle/>
-          <a:p>
-            <a:pPr algn="ctr"/>
-            <a:endParaRPr lang="en-US"/>
-          </a:p>
-        </p:txBody>
-      </p:sp>
-      <p:sp>
-        <p:nvSpPr>
-          <p:cNvPr id="44" name="Oval 43"/>
-          <p:cNvSpPr/>
-          <p:nvPr/>
-        </p:nvSpPr>
-        <p:spPr>
-          <a:xfrm>
-            <a:off x="1661972" y="4241837"/>
-            <a:ext cx="83286" cy="83286"/>
+            <a:off x="1548551" y="4354931"/>
+            <a:ext cx="90689" cy="90689"/>
           </a:xfrm>
           <a:prstGeom prst="ellipse">
             <a:avLst/>
@@ -4738,8 +4544,8 @@
         </p:nvSpPr>
         <p:spPr>
           <a:xfrm>
-            <a:off x="1661972" y="4371157"/>
-            <a:ext cx="83286" cy="83286"/>
+            <a:off x="1661972" y="4367155"/>
+            <a:ext cx="87288" cy="87288"/>
           </a:xfrm>
           <a:prstGeom prst="ellipse">
             <a:avLst/>
@@ -4930,8 +4736,8 @@
         </p:nvSpPr>
         <p:spPr>
           <a:xfrm>
-            <a:off x="2013470" y="4343027"/>
-            <a:ext cx="76931" cy="76931"/>
+            <a:off x="2013471" y="4344252"/>
+            <a:ext cx="75706" cy="75706"/>
           </a:xfrm>
           <a:prstGeom prst="ellipse">
             <a:avLst/>
@@ -5068,54 +4874,6 @@
       </p:sp>
       <p:sp>
         <p:nvSpPr>
-          <p:cNvPr id="52" name="Oval 51"/>
-          <p:cNvSpPr/>
-          <p:nvPr/>
-        </p:nvSpPr>
-        <p:spPr>
-          <a:xfrm>
-            <a:off x="2359878" y="4192937"/>
-            <a:ext cx="77501" cy="77501"/>
-          </a:xfrm>
-          <a:prstGeom prst="ellipse">
-            <a:avLst/>
-          </a:prstGeom>
-          <a:solidFill>
-            <a:srgbClr val="38F838"/>
-          </a:solidFill>
-          <a:ln w="19050">
-            <a:solidFill>
-              <a:srgbClr val="0000FF"/>
-            </a:solidFill>
-          </a:ln>
-        </p:spPr>
-        <p:style>
-          <a:lnRef idx="2">
-            <a:schemeClr val="accent1">
-              <a:shade val="50000"/>
-            </a:schemeClr>
-          </a:lnRef>
-          <a:fillRef idx="1">
-            <a:schemeClr val="accent1"/>
-          </a:fillRef>
-          <a:effectRef idx="0">
-            <a:schemeClr val="accent1"/>
-          </a:effectRef>
-          <a:fontRef idx="minor">
-            <a:schemeClr val="lt1"/>
-          </a:fontRef>
-        </p:style>
-        <p:txBody>
-          <a:bodyPr rtlCol="0" anchor="ctr"/>
-          <a:lstStyle/>
-          <a:p>
-            <a:pPr algn="ctr"/>
-            <a:endParaRPr lang="en-US"/>
-          </a:p>
-        </p:txBody>
-      </p:sp>
-      <p:sp>
-        <p:nvSpPr>
           <p:cNvPr id="53" name="Oval 52"/>
           <p:cNvSpPr/>
           <p:nvPr/>
@@ -5315,7 +5073,7 @@
         <p:spPr>
           <a:xfrm>
             <a:off x="1545219" y="6174847"/>
-            <a:ext cx="69037" cy="69037"/>
+            <a:ext cx="73423" cy="73423"/>
           </a:xfrm>
           <a:prstGeom prst="ellipse">
             <a:avLst/>
@@ -5363,7 +5121,7 @@
         <p:spPr>
           <a:xfrm>
             <a:off x="1562732" y="6046181"/>
-            <a:ext cx="69037" cy="69037"/>
+            <a:ext cx="73423" cy="73423"/>
           </a:xfrm>
           <a:prstGeom prst="ellipse">
             <a:avLst/>
@@ -5411,7 +5169,7 @@
         <p:spPr>
           <a:xfrm>
             <a:off x="1554820" y="5912811"/>
-            <a:ext cx="69037" cy="69037"/>
+            <a:ext cx="73398" cy="73398"/>
           </a:xfrm>
           <a:prstGeom prst="ellipse">
             <a:avLst/>
@@ -5459,7 +5217,7 @@
         <p:spPr>
           <a:xfrm>
             <a:off x="1651221" y="6105810"/>
-            <a:ext cx="69037" cy="69037"/>
+            <a:ext cx="73423" cy="73423"/>
           </a:xfrm>
           <a:prstGeom prst="ellipse">
             <a:avLst/>
@@ -5507,7 +5265,7 @@
         <p:spPr>
           <a:xfrm>
             <a:off x="1662109" y="5993501"/>
-            <a:ext cx="69037" cy="69037"/>
+            <a:ext cx="73423" cy="73423"/>
           </a:xfrm>
           <a:prstGeom prst="ellipse">
             <a:avLst/>
@@ -5555,7 +5313,7 @@
         <p:spPr>
           <a:xfrm>
             <a:off x="1661519" y="5856384"/>
-            <a:ext cx="69037" cy="69037"/>
+            <a:ext cx="73398" cy="73398"/>
           </a:xfrm>
           <a:prstGeom prst="ellipse">
             <a:avLst/>
@@ -5602,8 +5360,8 @@
         </p:nvSpPr>
         <p:spPr>
           <a:xfrm>
-            <a:off x="1703615" y="5753307"/>
-            <a:ext cx="69037" cy="69037"/>
+            <a:off x="1736471" y="5763610"/>
+            <a:ext cx="73398" cy="73398"/>
           </a:xfrm>
           <a:prstGeom prst="ellipse">
             <a:avLst/>
@@ -5651,7 +5409,7 @@
         <p:spPr>
           <a:xfrm>
             <a:off x="1805508" y="6170506"/>
-            <a:ext cx="69037" cy="69037"/>
+            <a:ext cx="73423" cy="73423"/>
           </a:xfrm>
           <a:prstGeom prst="ellipse">
             <a:avLst/>
@@ -5699,7 +5457,7 @@
         <p:spPr>
           <a:xfrm>
             <a:off x="1776536" y="6046180"/>
-            <a:ext cx="69037" cy="69037"/>
+            <a:ext cx="73423" cy="73423"/>
           </a:xfrm>
           <a:prstGeom prst="ellipse">
             <a:avLst/>
@@ -5795,7 +5553,7 @@
         <p:spPr>
           <a:xfrm>
             <a:off x="1883543" y="5890308"/>
-            <a:ext cx="69037" cy="69037"/>
+            <a:ext cx="73423" cy="73423"/>
           </a:xfrm>
           <a:prstGeom prst="ellipse">
             <a:avLst/>
@@ -5843,7 +5601,7 @@
         <p:spPr>
           <a:xfrm>
             <a:off x="1873737" y="6083852"/>
-            <a:ext cx="69037" cy="69037"/>
+            <a:ext cx="73423" cy="73423"/>
           </a:xfrm>
           <a:prstGeom prst="ellipse">
             <a:avLst/>
@@ -5939,7 +5697,7 @@
         <p:spPr>
           <a:xfrm>
             <a:off x="1981802" y="6062538"/>
-            <a:ext cx="69037" cy="69037"/>
+            <a:ext cx="73423" cy="73423"/>
           </a:xfrm>
           <a:prstGeom prst="ellipse">
             <a:avLst/>
@@ -5987,7 +5745,7 @@
         <p:spPr>
           <a:xfrm>
             <a:off x="1973202" y="5951790"/>
-            <a:ext cx="69037" cy="69037"/>
+            <a:ext cx="73423" cy="73423"/>
           </a:xfrm>
           <a:prstGeom prst="ellipse">
             <a:avLst/>
@@ -6035,7 +5793,7 @@
         <p:spPr>
           <a:xfrm>
             <a:off x="2040708" y="5861897"/>
-            <a:ext cx="69037" cy="69037"/>
+            <a:ext cx="75711" cy="75711"/>
           </a:xfrm>
           <a:prstGeom prst="ellipse">
             <a:avLst/>
@@ -6083,7 +5841,7 @@
         <p:spPr>
           <a:xfrm>
             <a:off x="2061992" y="6181194"/>
-            <a:ext cx="69037" cy="69037"/>
+            <a:ext cx="78813" cy="78813"/>
           </a:xfrm>
           <a:prstGeom prst="ellipse">
             <a:avLst/>
@@ -6131,7 +5889,7 @@
         <p:spPr>
           <a:xfrm>
             <a:off x="2116419" y="6062538"/>
-            <a:ext cx="69037" cy="69037"/>
+            <a:ext cx="78813" cy="78813"/>
           </a:xfrm>
           <a:prstGeom prst="ellipse">
             <a:avLst/>
@@ -6179,7 +5937,7 @@
         <p:spPr>
           <a:xfrm>
             <a:off x="2150937" y="5943944"/>
-            <a:ext cx="69037" cy="69037"/>
+            <a:ext cx="73423" cy="73423"/>
           </a:xfrm>
           <a:prstGeom prst="ellipse">
             <a:avLst/>
@@ -6323,7 +6081,7 @@
         <p:spPr>
           <a:xfrm>
             <a:off x="2269874" y="5925360"/>
-            <a:ext cx="69037" cy="69037"/>
+            <a:ext cx="73423" cy="73423"/>
           </a:xfrm>
           <a:prstGeom prst="ellipse">
             <a:avLst/>
@@ -6371,7 +6129,7 @@
         <p:spPr>
           <a:xfrm>
             <a:off x="2299630" y="6178407"/>
-            <a:ext cx="69037" cy="69037"/>
+            <a:ext cx="78813" cy="78813"/>
           </a:xfrm>
           <a:prstGeom prst="ellipse">
             <a:avLst/>
@@ -6419,7 +6177,7 @@
         <p:spPr>
           <a:xfrm>
             <a:off x="2419360" y="6144251"/>
-            <a:ext cx="69037" cy="69037"/>
+            <a:ext cx="78813" cy="78813"/>
           </a:xfrm>
           <a:prstGeom prst="ellipse">
             <a:avLst/>
@@ -6467,7 +6225,7 @@
         <p:spPr>
           <a:xfrm>
             <a:off x="2357332" y="6012288"/>
-            <a:ext cx="69037" cy="69037"/>
+            <a:ext cx="78813" cy="78813"/>
           </a:xfrm>
           <a:prstGeom prst="ellipse">
             <a:avLst/>
@@ -6515,7 +6273,7 @@
         <p:spPr>
           <a:xfrm>
             <a:off x="2531309" y="6118370"/>
-            <a:ext cx="69037" cy="69037"/>
+            <a:ext cx="78813" cy="78813"/>
           </a:xfrm>
           <a:prstGeom prst="ellipse">
             <a:avLst/>
@@ -6563,7 +6321,7 @@
         <p:spPr>
           <a:xfrm>
             <a:off x="2628178" y="6055978"/>
-            <a:ext cx="69037" cy="69037"/>
+            <a:ext cx="78813" cy="78813"/>
           </a:xfrm>
           <a:prstGeom prst="ellipse">
             <a:avLst/>
@@ -6611,7 +6369,7 @@
         <p:spPr>
           <a:xfrm>
             <a:off x="2648134" y="6184022"/>
-            <a:ext cx="69037" cy="69037"/>
+            <a:ext cx="80371" cy="80371"/>
           </a:xfrm>
           <a:prstGeom prst="ellipse">
             <a:avLst/>
@@ -6659,7 +6417,7 @@
         <p:spPr>
           <a:xfrm>
             <a:off x="2754124" y="6080505"/>
-            <a:ext cx="69037" cy="69037"/>
+            <a:ext cx="80371" cy="80371"/>
           </a:xfrm>
           <a:prstGeom prst="ellipse">
             <a:avLst/>
@@ -6707,7 +6465,7 @@
         <p:spPr>
           <a:xfrm>
             <a:off x="2842389" y="6182688"/>
-            <a:ext cx="69037" cy="69037"/>
+            <a:ext cx="80371" cy="80371"/>
           </a:xfrm>
           <a:prstGeom prst="ellipse">
             <a:avLst/>
@@ -6755,7 +6513,7 @@
         <p:spPr>
           <a:xfrm>
             <a:off x="2993599" y="6178406"/>
-            <a:ext cx="69037" cy="69037"/>
+            <a:ext cx="80371" cy="80371"/>
           </a:xfrm>
           <a:prstGeom prst="ellipse">
             <a:avLst/>
@@ -6803,7 +6561,7 @@
         <p:spPr>
           <a:xfrm>
             <a:off x="3119844" y="6066687"/>
-            <a:ext cx="69037" cy="69037"/>
+            <a:ext cx="80371" cy="80371"/>
           </a:xfrm>
           <a:prstGeom prst="ellipse">
             <a:avLst/>
@@ -6851,7 +6609,7 @@
         <p:spPr>
           <a:xfrm>
             <a:off x="3270027" y="6175060"/>
-            <a:ext cx="69037" cy="69037"/>
+            <a:ext cx="80371" cy="80371"/>
           </a:xfrm>
           <a:prstGeom prst="ellipse">
             <a:avLst/>
@@ -6899,7 +6657,7 @@
         <p:spPr>
           <a:xfrm>
             <a:off x="3843277" y="6187407"/>
-            <a:ext cx="69037" cy="69037"/>
+            <a:ext cx="80371" cy="80371"/>
           </a:xfrm>
           <a:prstGeom prst="ellipse">
             <a:avLst/>
@@ -6947,7 +6705,7 @@
         <p:spPr>
           <a:xfrm>
             <a:off x="4784024" y="5840389"/>
-            <a:ext cx="69037" cy="69037"/>
+            <a:ext cx="80371" cy="80371"/>
           </a:xfrm>
           <a:prstGeom prst="ellipse">
             <a:avLst/>
@@ -6994,8 +6752,8 @@
         </p:nvSpPr>
         <p:spPr>
           <a:xfrm>
-            <a:off x="2204628" y="5984138"/>
-            <a:ext cx="222637" cy="211044"/>
+            <a:off x="2204628" y="5984137"/>
+            <a:ext cx="236409" cy="224099"/>
           </a:xfrm>
           <a:prstGeom prst="star5">
             <a:avLst/>
@@ -7139,9 +6897,9 @@
         <p:grpSpPr>
           <a:xfrm>
             <a:off x="1713987" y="1053012"/>
-            <a:ext cx="2680592" cy="1154162"/>
+            <a:ext cx="2680592" cy="1426031"/>
             <a:chOff x="7035902" y="814489"/>
-            <a:chExt cx="2680592" cy="1154162"/>
+            <a:chExt cx="2680592" cy="1426031"/>
           </a:xfrm>
         </p:grpSpPr>
         <p:sp>
@@ -7153,7 +6911,7 @@
           <p:spPr>
             <a:xfrm>
               <a:off x="7035902" y="814489"/>
-              <a:ext cx="2680592" cy="1154162"/>
+              <a:ext cx="2680592" cy="1426031"/>
             </a:xfrm>
             <a:prstGeom prst="rect">
               <a:avLst/>
@@ -7223,14 +6981,21 @@
                   <a:latin typeface="Times New Roman" panose="02020603050405020304" pitchFamily="18" charset="0"/>
                   <a:cs typeface="Times New Roman" panose="02020603050405020304" pitchFamily="18" charset="0"/>
                 </a:rPr>
-                <a:t>Robot</a:t>
+                <a:t>Robots in Region</a:t>
               </a:r>
+            </a:p>
+            <a:p>
+              <a:pPr>
+                <a:spcAft>
+                  <a:spcPts val="200"/>
+                </a:spcAft>
+              </a:pPr>
               <a:r>
-                <a:rPr lang="en-US" sz="1400" b="1" dirty="0">
+                <a:rPr lang="en-US" sz="1600" b="1" dirty="0">
                   <a:latin typeface="Times New Roman" panose="02020603050405020304" pitchFamily="18" charset="0"/>
                   <a:cs typeface="Times New Roman" panose="02020603050405020304" pitchFamily="18" charset="0"/>
                 </a:rPr>
-                <a:t>s</a:t>
+                <a:t>Robots out of Region </a:t>
               </a:r>
             </a:p>
           </p:txBody>
@@ -7495,6 +7260,630 @@
           </p:txBody>
         </p:sp>
       </p:grpSp>
+      <p:sp>
+        <p:nvSpPr>
+          <p:cNvPr id="101" name="Oval 100"/>
+          <p:cNvSpPr/>
+          <p:nvPr/>
+        </p:nvSpPr>
+        <p:spPr>
+          <a:xfrm>
+            <a:off x="1569494" y="4144863"/>
+            <a:ext cx="90689" cy="90689"/>
+          </a:xfrm>
+          <a:prstGeom prst="ellipse">
+            <a:avLst/>
+          </a:prstGeom>
+          <a:solidFill>
+            <a:srgbClr val="38F838"/>
+          </a:solidFill>
+          <a:ln w="19050">
+            <a:solidFill>
+              <a:srgbClr val="0000FF"/>
+            </a:solidFill>
+          </a:ln>
+        </p:spPr>
+        <p:style>
+          <a:lnRef idx="2">
+            <a:schemeClr val="accent1">
+              <a:shade val="50000"/>
+            </a:schemeClr>
+          </a:lnRef>
+          <a:fillRef idx="1">
+            <a:schemeClr val="accent1"/>
+          </a:fillRef>
+          <a:effectRef idx="0">
+            <a:schemeClr val="accent1"/>
+          </a:effectRef>
+          <a:fontRef idx="minor">
+            <a:schemeClr val="lt1"/>
+          </a:fontRef>
+        </p:style>
+        <p:txBody>
+          <a:bodyPr rtlCol="0" anchor="ctr"/>
+          <a:lstStyle/>
+          <a:p>
+            <a:pPr algn="ctr"/>
+            <a:endParaRPr lang="en-US"/>
+          </a:p>
+        </p:txBody>
+      </p:sp>
+      <p:sp>
+        <p:nvSpPr>
+          <p:cNvPr id="103" name="Oval 102"/>
+          <p:cNvSpPr/>
+          <p:nvPr/>
+        </p:nvSpPr>
+        <p:spPr>
+          <a:xfrm>
+            <a:off x="2297328" y="4131857"/>
+            <a:ext cx="90689" cy="90689"/>
+          </a:xfrm>
+          <a:prstGeom prst="ellipse">
+            <a:avLst/>
+          </a:prstGeom>
+          <a:solidFill>
+            <a:srgbClr val="38F838"/>
+          </a:solidFill>
+          <a:ln w="19050">
+            <a:solidFill>
+              <a:srgbClr val="0000FF"/>
+            </a:solidFill>
+          </a:ln>
+        </p:spPr>
+        <p:style>
+          <a:lnRef idx="2">
+            <a:schemeClr val="accent1">
+              <a:shade val="50000"/>
+            </a:schemeClr>
+          </a:lnRef>
+          <a:fillRef idx="1">
+            <a:schemeClr val="accent1"/>
+          </a:fillRef>
+          <a:effectRef idx="0">
+            <a:schemeClr val="accent1"/>
+          </a:effectRef>
+          <a:fontRef idx="minor">
+            <a:schemeClr val="lt1"/>
+          </a:fontRef>
+        </p:style>
+        <p:txBody>
+          <a:bodyPr rtlCol="0" anchor="ctr"/>
+          <a:lstStyle/>
+          <a:p>
+            <a:pPr algn="ctr"/>
+            <a:endParaRPr lang="en-US"/>
+          </a:p>
+        </p:txBody>
+      </p:sp>
+      <p:sp>
+        <p:nvSpPr>
+          <p:cNvPr id="104" name="Oval 103"/>
+          <p:cNvSpPr/>
+          <p:nvPr/>
+        </p:nvSpPr>
+        <p:spPr>
+          <a:xfrm>
+            <a:off x="2483266" y="4256115"/>
+            <a:ext cx="90689" cy="90689"/>
+          </a:xfrm>
+          <a:prstGeom prst="ellipse">
+            <a:avLst/>
+          </a:prstGeom>
+          <a:solidFill>
+            <a:srgbClr val="38F838"/>
+          </a:solidFill>
+          <a:ln w="19050">
+            <a:solidFill>
+              <a:srgbClr val="0000FF"/>
+            </a:solidFill>
+          </a:ln>
+        </p:spPr>
+        <p:style>
+          <a:lnRef idx="2">
+            <a:schemeClr val="accent1">
+              <a:shade val="50000"/>
+            </a:schemeClr>
+          </a:lnRef>
+          <a:fillRef idx="1">
+            <a:schemeClr val="accent1"/>
+          </a:fillRef>
+          <a:effectRef idx="0">
+            <a:schemeClr val="accent1"/>
+          </a:effectRef>
+          <a:fontRef idx="minor">
+            <a:schemeClr val="lt1"/>
+          </a:fontRef>
+        </p:style>
+        <p:txBody>
+          <a:bodyPr rtlCol="0" anchor="ctr"/>
+          <a:lstStyle/>
+          <a:p>
+            <a:pPr algn="ctr"/>
+            <a:endParaRPr lang="en-US"/>
+          </a:p>
+        </p:txBody>
+      </p:sp>
+      <p:sp>
+        <p:nvSpPr>
+          <p:cNvPr id="105" name="Oval 104"/>
+          <p:cNvSpPr/>
+          <p:nvPr/>
+        </p:nvSpPr>
+        <p:spPr>
+          <a:xfrm>
+            <a:off x="3016022" y="4325123"/>
+            <a:ext cx="90689" cy="90689"/>
+          </a:xfrm>
+          <a:prstGeom prst="ellipse">
+            <a:avLst/>
+          </a:prstGeom>
+          <a:solidFill>
+            <a:srgbClr val="38F838"/>
+          </a:solidFill>
+          <a:ln w="19050">
+            <a:solidFill>
+              <a:srgbClr val="0000FF"/>
+            </a:solidFill>
+          </a:ln>
+        </p:spPr>
+        <p:style>
+          <a:lnRef idx="2">
+            <a:schemeClr val="accent1">
+              <a:shade val="50000"/>
+            </a:schemeClr>
+          </a:lnRef>
+          <a:fillRef idx="1">
+            <a:schemeClr val="accent1"/>
+          </a:fillRef>
+          <a:effectRef idx="0">
+            <a:schemeClr val="accent1"/>
+          </a:effectRef>
+          <a:fontRef idx="minor">
+            <a:schemeClr val="lt1"/>
+          </a:fontRef>
+        </p:style>
+        <p:txBody>
+          <a:bodyPr rtlCol="0" anchor="ctr"/>
+          <a:lstStyle/>
+          <a:p>
+            <a:pPr algn="ctr"/>
+            <a:endParaRPr lang="en-US"/>
+          </a:p>
+        </p:txBody>
+      </p:sp>
+      <p:sp>
+        <p:nvSpPr>
+          <p:cNvPr id="106" name="Oval 105"/>
+          <p:cNvSpPr/>
+          <p:nvPr/>
+        </p:nvSpPr>
+        <p:spPr>
+          <a:xfrm>
+            <a:off x="2141017" y="4330055"/>
+            <a:ext cx="90689" cy="90689"/>
+          </a:xfrm>
+          <a:prstGeom prst="ellipse">
+            <a:avLst/>
+          </a:prstGeom>
+          <a:solidFill>
+            <a:srgbClr val="38F838"/>
+          </a:solidFill>
+          <a:ln w="19050">
+            <a:solidFill>
+              <a:srgbClr val="0000FF"/>
+            </a:solidFill>
+          </a:ln>
+        </p:spPr>
+        <p:style>
+          <a:lnRef idx="2">
+            <a:schemeClr val="accent1">
+              <a:shade val="50000"/>
+            </a:schemeClr>
+          </a:lnRef>
+          <a:fillRef idx="1">
+            <a:schemeClr val="accent1"/>
+          </a:fillRef>
+          <a:effectRef idx="0">
+            <a:schemeClr val="accent1"/>
+          </a:effectRef>
+          <a:fontRef idx="minor">
+            <a:schemeClr val="lt1"/>
+          </a:fontRef>
+        </p:style>
+        <p:txBody>
+          <a:bodyPr rtlCol="0" anchor="ctr"/>
+          <a:lstStyle/>
+          <a:p>
+            <a:pPr algn="ctr"/>
+            <a:endParaRPr lang="en-US"/>
+          </a:p>
+        </p:txBody>
+      </p:sp>
+      <p:sp>
+        <p:nvSpPr>
+          <p:cNvPr id="107" name="Oval 106"/>
+          <p:cNvSpPr/>
+          <p:nvPr/>
+        </p:nvSpPr>
+        <p:spPr>
+          <a:xfrm>
+            <a:off x="2008042" y="4336436"/>
+            <a:ext cx="90689" cy="90689"/>
+          </a:xfrm>
+          <a:prstGeom prst="ellipse">
+            <a:avLst/>
+          </a:prstGeom>
+          <a:solidFill>
+            <a:srgbClr val="38F838"/>
+          </a:solidFill>
+          <a:ln w="19050">
+            <a:solidFill>
+              <a:srgbClr val="0000FF"/>
+            </a:solidFill>
+          </a:ln>
+        </p:spPr>
+        <p:style>
+          <a:lnRef idx="2">
+            <a:schemeClr val="accent1">
+              <a:shade val="50000"/>
+            </a:schemeClr>
+          </a:lnRef>
+          <a:fillRef idx="1">
+            <a:schemeClr val="accent1"/>
+          </a:fillRef>
+          <a:effectRef idx="0">
+            <a:schemeClr val="accent1"/>
+          </a:effectRef>
+          <a:fontRef idx="minor">
+            <a:schemeClr val="lt1"/>
+          </a:fontRef>
+        </p:style>
+        <p:txBody>
+          <a:bodyPr rtlCol="0" anchor="ctr"/>
+          <a:lstStyle/>
+          <a:p>
+            <a:pPr algn="ctr"/>
+            <a:endParaRPr lang="en-US"/>
+          </a:p>
+        </p:txBody>
+      </p:sp>
+      <p:sp>
+        <p:nvSpPr>
+          <p:cNvPr id="108" name="Oval 107"/>
+          <p:cNvSpPr/>
+          <p:nvPr/>
+        </p:nvSpPr>
+        <p:spPr>
+          <a:xfrm>
+            <a:off x="1886108" y="4346359"/>
+            <a:ext cx="90689" cy="90689"/>
+          </a:xfrm>
+          <a:prstGeom prst="ellipse">
+            <a:avLst/>
+          </a:prstGeom>
+          <a:solidFill>
+            <a:srgbClr val="38F838"/>
+          </a:solidFill>
+          <a:ln w="19050">
+            <a:solidFill>
+              <a:srgbClr val="0000FF"/>
+            </a:solidFill>
+          </a:ln>
+        </p:spPr>
+        <p:style>
+          <a:lnRef idx="2">
+            <a:schemeClr val="accent1">
+              <a:shade val="50000"/>
+            </a:schemeClr>
+          </a:lnRef>
+          <a:fillRef idx="1">
+            <a:schemeClr val="accent1"/>
+          </a:fillRef>
+          <a:effectRef idx="0">
+            <a:schemeClr val="accent1"/>
+          </a:effectRef>
+          <a:fontRef idx="minor">
+            <a:schemeClr val="lt1"/>
+          </a:fontRef>
+        </p:style>
+        <p:txBody>
+          <a:bodyPr rtlCol="0" anchor="ctr"/>
+          <a:lstStyle/>
+          <a:p>
+            <a:pPr algn="ctr"/>
+            <a:endParaRPr lang="en-US"/>
+          </a:p>
+        </p:txBody>
+      </p:sp>
+      <p:sp>
+        <p:nvSpPr>
+          <p:cNvPr id="109" name="Oval 108"/>
+          <p:cNvSpPr/>
+          <p:nvPr/>
+        </p:nvSpPr>
+        <p:spPr>
+          <a:xfrm>
+            <a:off x="2263222" y="4357021"/>
+            <a:ext cx="90689" cy="90689"/>
+          </a:xfrm>
+          <a:prstGeom prst="ellipse">
+            <a:avLst/>
+          </a:prstGeom>
+          <a:solidFill>
+            <a:srgbClr val="38F838"/>
+          </a:solidFill>
+          <a:ln w="19050">
+            <a:solidFill>
+              <a:srgbClr val="0000FF"/>
+            </a:solidFill>
+          </a:ln>
+        </p:spPr>
+        <p:style>
+          <a:lnRef idx="2">
+            <a:schemeClr val="accent1">
+              <a:shade val="50000"/>
+            </a:schemeClr>
+          </a:lnRef>
+          <a:fillRef idx="1">
+            <a:schemeClr val="accent1"/>
+          </a:fillRef>
+          <a:effectRef idx="0">
+            <a:schemeClr val="accent1"/>
+          </a:effectRef>
+          <a:fontRef idx="minor">
+            <a:schemeClr val="lt1"/>
+          </a:fontRef>
+        </p:style>
+        <p:txBody>
+          <a:bodyPr rtlCol="0" anchor="ctr"/>
+          <a:lstStyle/>
+          <a:p>
+            <a:pPr algn="ctr"/>
+            <a:endParaRPr lang="en-US"/>
+          </a:p>
+        </p:txBody>
+      </p:sp>
+      <p:sp>
+        <p:nvSpPr>
+          <p:cNvPr id="110" name="Oval 109"/>
+          <p:cNvSpPr/>
+          <p:nvPr/>
+        </p:nvSpPr>
+        <p:spPr>
+          <a:xfrm>
+            <a:off x="2386624" y="4336414"/>
+            <a:ext cx="90689" cy="90689"/>
+          </a:xfrm>
+          <a:prstGeom prst="ellipse">
+            <a:avLst/>
+          </a:prstGeom>
+          <a:solidFill>
+            <a:srgbClr val="38F838"/>
+          </a:solidFill>
+          <a:ln w="19050">
+            <a:solidFill>
+              <a:srgbClr val="0000FF"/>
+            </a:solidFill>
+          </a:ln>
+        </p:spPr>
+        <p:style>
+          <a:lnRef idx="2">
+            <a:schemeClr val="accent1">
+              <a:shade val="50000"/>
+            </a:schemeClr>
+          </a:lnRef>
+          <a:fillRef idx="1">
+            <a:schemeClr val="accent1"/>
+          </a:fillRef>
+          <a:effectRef idx="0">
+            <a:schemeClr val="accent1"/>
+          </a:effectRef>
+          <a:fontRef idx="minor">
+            <a:schemeClr val="lt1"/>
+          </a:fontRef>
+        </p:style>
+        <p:txBody>
+          <a:bodyPr rtlCol="0" anchor="ctr"/>
+          <a:lstStyle/>
+          <a:p>
+            <a:pPr algn="ctr"/>
+            <a:endParaRPr lang="en-US"/>
+          </a:p>
+        </p:txBody>
+      </p:sp>
+      <p:sp>
+        <p:nvSpPr>
+          <p:cNvPr id="111" name="Oval 110"/>
+          <p:cNvSpPr/>
+          <p:nvPr/>
+        </p:nvSpPr>
+        <p:spPr>
+          <a:xfrm>
+            <a:off x="2571284" y="4336414"/>
+            <a:ext cx="90689" cy="90689"/>
+          </a:xfrm>
+          <a:prstGeom prst="ellipse">
+            <a:avLst/>
+          </a:prstGeom>
+          <a:solidFill>
+            <a:srgbClr val="38F838"/>
+          </a:solidFill>
+          <a:ln w="19050">
+            <a:solidFill>
+              <a:srgbClr val="0000FF"/>
+            </a:solidFill>
+          </a:ln>
+        </p:spPr>
+        <p:style>
+          <a:lnRef idx="2">
+            <a:schemeClr val="accent1">
+              <a:shade val="50000"/>
+            </a:schemeClr>
+          </a:lnRef>
+          <a:fillRef idx="1">
+            <a:schemeClr val="accent1"/>
+          </a:fillRef>
+          <a:effectRef idx="0">
+            <a:schemeClr val="accent1"/>
+          </a:effectRef>
+          <a:fontRef idx="minor">
+            <a:schemeClr val="lt1"/>
+          </a:fontRef>
+        </p:style>
+        <p:txBody>
+          <a:bodyPr rtlCol="0" anchor="ctr"/>
+          <a:lstStyle/>
+          <a:p>
+            <a:pPr algn="ctr"/>
+            <a:endParaRPr lang="en-US"/>
+          </a:p>
+        </p:txBody>
+      </p:sp>
+      <p:sp>
+        <p:nvSpPr>
+          <p:cNvPr id="112" name="Oval 111"/>
+          <p:cNvSpPr/>
+          <p:nvPr/>
+        </p:nvSpPr>
+        <p:spPr>
+          <a:xfrm>
+            <a:off x="1804614" y="4234434"/>
+            <a:ext cx="90689" cy="90689"/>
+          </a:xfrm>
+          <a:prstGeom prst="ellipse">
+            <a:avLst/>
+          </a:prstGeom>
+          <a:solidFill>
+            <a:srgbClr val="38F838"/>
+          </a:solidFill>
+          <a:ln w="19050">
+            <a:solidFill>
+              <a:srgbClr val="0000FF"/>
+            </a:solidFill>
+          </a:ln>
+        </p:spPr>
+        <p:style>
+          <a:lnRef idx="2">
+            <a:schemeClr val="accent1">
+              <a:shade val="50000"/>
+            </a:schemeClr>
+          </a:lnRef>
+          <a:fillRef idx="1">
+            <a:schemeClr val="accent1"/>
+          </a:fillRef>
+          <a:effectRef idx="0">
+            <a:schemeClr val="accent1"/>
+          </a:effectRef>
+          <a:fontRef idx="minor">
+            <a:schemeClr val="lt1"/>
+          </a:fontRef>
+        </p:style>
+        <p:txBody>
+          <a:bodyPr rtlCol="0" anchor="ctr"/>
+          <a:lstStyle/>
+          <a:p>
+            <a:pPr algn="ctr"/>
+            <a:endParaRPr lang="en-US"/>
+          </a:p>
+        </p:txBody>
+      </p:sp>
+      <p:sp>
+        <p:nvSpPr>
+          <p:cNvPr id="113" name="Oval 112"/>
+          <p:cNvSpPr/>
+          <p:nvPr/>
+        </p:nvSpPr>
+        <p:spPr>
+          <a:xfrm>
+            <a:off x="1763791" y="4354931"/>
+            <a:ext cx="90689" cy="90689"/>
+          </a:xfrm>
+          <a:prstGeom prst="ellipse">
+            <a:avLst/>
+          </a:prstGeom>
+          <a:solidFill>
+            <a:srgbClr val="38F838"/>
+          </a:solidFill>
+          <a:ln w="19050">
+            <a:solidFill>
+              <a:srgbClr val="0000FF"/>
+            </a:solidFill>
+          </a:ln>
+        </p:spPr>
+        <p:style>
+          <a:lnRef idx="2">
+            <a:schemeClr val="accent1">
+              <a:shade val="50000"/>
+            </a:schemeClr>
+          </a:lnRef>
+          <a:fillRef idx="1">
+            <a:schemeClr val="accent1"/>
+          </a:fillRef>
+          <a:effectRef idx="0">
+            <a:schemeClr val="accent1"/>
+          </a:effectRef>
+          <a:fontRef idx="minor">
+            <a:schemeClr val="lt1"/>
+          </a:fontRef>
+        </p:style>
+        <p:txBody>
+          <a:bodyPr rtlCol="0" anchor="ctr"/>
+          <a:lstStyle/>
+          <a:p>
+            <a:pPr algn="ctr"/>
+            <a:endParaRPr lang="en-US"/>
+          </a:p>
+        </p:txBody>
+      </p:sp>
+      <p:sp>
+        <p:nvSpPr>
+          <p:cNvPr id="114" name="Oval 113"/>
+          <p:cNvSpPr/>
+          <p:nvPr/>
+        </p:nvSpPr>
+        <p:spPr>
+          <a:xfrm>
+            <a:off x="1672145" y="4231546"/>
+            <a:ext cx="90689" cy="90689"/>
+          </a:xfrm>
+          <a:prstGeom prst="ellipse">
+            <a:avLst/>
+          </a:prstGeom>
+          <a:solidFill>
+            <a:srgbClr val="38F838"/>
+          </a:solidFill>
+          <a:ln w="19050">
+            <a:solidFill>
+              <a:srgbClr val="0000FF"/>
+            </a:solidFill>
+          </a:ln>
+        </p:spPr>
+        <p:style>
+          <a:lnRef idx="2">
+            <a:schemeClr val="accent1">
+              <a:shade val="50000"/>
+            </a:schemeClr>
+          </a:lnRef>
+          <a:fillRef idx="1">
+            <a:schemeClr val="accent1"/>
+          </a:fillRef>
+          <a:effectRef idx="0">
+            <a:schemeClr val="accent1"/>
+          </a:effectRef>
+          <a:fontRef idx="minor">
+            <a:schemeClr val="lt1"/>
+          </a:fontRef>
+        </p:style>
+        <p:txBody>
+          <a:bodyPr rtlCol="0" anchor="ctr"/>
+          <a:lstStyle/>
+          <a:p>
+            <a:pPr algn="ctr"/>
+            <a:endParaRPr lang="en-US"/>
+          </a:p>
+        </p:txBody>
+      </p:sp>
     </p:spTree>
     <p:extLst>
       <p:ext uri="{BB962C8B-B14F-4D97-AF65-F5344CB8AC3E}">
@@ -7921,7 +8310,7 @@
         </p:nvSpPr>
         <p:spPr>
           <a:xfrm>
-            <a:off x="2013470" y="4343027"/>
+            <a:off x="2013470" y="4322880"/>
             <a:ext cx="76931" cy="76931"/>
           </a:xfrm>
           <a:prstGeom prst="ellipse">
@@ -9985,7 +10374,7 @@
         </p:nvSpPr>
         <p:spPr>
           <a:xfrm>
-            <a:off x="2204628" y="5984138"/>
+            <a:off x="2204628" y="5963991"/>
             <a:ext cx="222637" cy="211044"/>
           </a:xfrm>
           <a:prstGeom prst="star5">
@@ -10159,8 +10548,8 @@
         </p:nvSpPr>
         <p:spPr>
           <a:xfrm>
-            <a:off x="1498863" y="848415"/>
-            <a:ext cx="5326145" cy="5524106"/>
+            <a:off x="1498863" y="777240"/>
+            <a:ext cx="5386569" cy="5595284"/>
           </a:xfrm>
           <a:prstGeom prst="rect">
             <a:avLst/>
@@ -10168,9 +10557,9 @@
           <a:solidFill>
             <a:srgbClr val="FFF7DD"/>
           </a:solidFill>
-          <a:ln w="76200">
-            <a:solidFill>
-              <a:srgbClr val="FF3399"/>
+          <a:ln w="152400">
+            <a:solidFill>
+              <a:srgbClr val="A52A2A"/>
             </a:solidFill>
           </a:ln>
         </p:spPr>
@@ -10208,7 +10597,7 @@
         <p:spPr>
           <a:xfrm>
             <a:off x="5307294" y="2754201"/>
-            <a:ext cx="1470582" cy="3590041"/>
+            <a:ext cx="1504092" cy="3518583"/>
           </a:xfrm>
           <a:prstGeom prst="rect">
             <a:avLst/>
@@ -10304,16 +10693,16 @@
           <p:nvPr/>
         </p:nvCxnSpPr>
         <p:spPr>
-          <a:xfrm>
-            <a:off x="3129698" y="2754198"/>
-            <a:ext cx="3657600" cy="0"/>
+          <a:xfrm flipV="1">
+            <a:off x="3089780" y="2746911"/>
+            <a:ext cx="3730472" cy="7290"/>
           </a:xfrm>
           <a:prstGeom prst="line">
             <a:avLst/>
           </a:prstGeom>
-          <a:ln w="76200">
-            <a:solidFill>
-              <a:srgbClr val="FF3399"/>
+          <a:ln w="152400">
+            <a:solidFill>
+              <a:srgbClr val="A52A2A"/>
             </a:solidFill>
           </a:ln>
         </p:spPr>
@@ -10335,20 +10724,22 @@
       <p:cxnSp>
         <p:nvCxnSpPr>
           <p:cNvPr id="18" name="Straight Connector 17"/>
-          <p:cNvCxnSpPr/>
+          <p:cNvCxnSpPr>
+            <a:endCxn id="13" idx="1"/>
+          </p:cNvCxnSpPr>
           <p:nvPr/>
         </p:nvCxnSpPr>
         <p:spPr>
-          <a:xfrm>
-            <a:off x="1498862" y="4528009"/>
-            <a:ext cx="3808432" cy="0"/>
+          <a:xfrm flipV="1">
+            <a:off x="1498862" y="4513493"/>
+            <a:ext cx="3808432" cy="14516"/>
           </a:xfrm>
           <a:prstGeom prst="line">
             <a:avLst/>
           </a:prstGeom>
-          <a:ln w="76200">
-            <a:solidFill>
-              <a:srgbClr val="FF3399"/>
+          <a:ln w="152400">
+            <a:solidFill>
+              <a:srgbClr val="A52A2A"/>
             </a:solidFill>
           </a:ln>
         </p:spPr>
@@ -10375,7 +10766,7 @@
         </p:nvCxnSpPr>
         <p:spPr>
           <a:xfrm>
-            <a:off x="3153788" y="848415"/>
+            <a:off x="3089780" y="848415"/>
             <a:ext cx="0" cy="3679594"/>
           </a:xfrm>
           <a:prstGeom prst="line">
@@ -10383,9 +10774,11 @@
           </a:prstGeom>
           <a:ln w="57150">
             <a:solidFill>
-              <a:srgbClr val="00B050"/>
-            </a:solidFill>
-            <a:prstDash val="dash"/>
+              <a:schemeClr val="accent1">
+                <a:lumMod val="75000"/>
+              </a:schemeClr>
+            </a:solidFill>
+            <a:prstDash val="sysDot"/>
           </a:ln>
         </p:spPr>
         <p:style>
@@ -10403,54 +10796,6 @@
           </a:fontRef>
         </p:style>
       </p:cxnSp>
-      <p:sp>
-        <p:nvSpPr>
-          <p:cNvPr id="9" name="Oval 8"/>
-          <p:cNvSpPr/>
-          <p:nvPr/>
-        </p:nvSpPr>
-        <p:spPr>
-          <a:xfrm>
-            <a:off x="3144364" y="2678783"/>
-            <a:ext cx="169682" cy="158684"/>
-          </a:xfrm>
-          <a:prstGeom prst="ellipse">
-            <a:avLst/>
-          </a:prstGeom>
-          <a:solidFill>
-            <a:schemeClr val="tx1"/>
-          </a:solidFill>
-          <a:ln>
-            <a:solidFill>
-              <a:schemeClr val="tx1"/>
-            </a:solidFill>
-          </a:ln>
-        </p:spPr>
-        <p:style>
-          <a:lnRef idx="2">
-            <a:schemeClr val="accent1">
-              <a:shade val="50000"/>
-            </a:schemeClr>
-          </a:lnRef>
-          <a:fillRef idx="1">
-            <a:schemeClr val="accent1"/>
-          </a:fillRef>
-          <a:effectRef idx="0">
-            <a:schemeClr val="accent1"/>
-          </a:effectRef>
-          <a:fontRef idx="minor">
-            <a:schemeClr val="lt1"/>
-          </a:fontRef>
-        </p:style>
-        <p:txBody>
-          <a:bodyPr lIns="91434" tIns="45717" rIns="91434" bIns="45717" rtlCol="0" anchor="ctr"/>
-          <a:lstStyle/>
-          <a:p>
-            <a:pPr algn="ctr"/>
-            <a:endParaRPr lang="en-US"/>
-          </a:p>
-        </p:txBody>
-      </p:sp>
       <p:cxnSp>
         <p:nvCxnSpPr>
           <p:cNvPr id="10" name="Straight Connector 9"/>
@@ -10458,18 +10803,20 @@
           <p:nvPr/>
         </p:nvCxnSpPr>
         <p:spPr>
-          <a:xfrm>
-            <a:off x="5289381" y="2792221"/>
-            <a:ext cx="9112" cy="3580303"/>
+          <a:xfrm flipH="1">
+            <a:off x="5344213" y="2831092"/>
+            <a:ext cx="14702" cy="3477424"/>
           </a:xfrm>
           <a:prstGeom prst="line">
             <a:avLst/>
           </a:prstGeom>
           <a:ln w="57150">
             <a:solidFill>
-              <a:srgbClr val="00B050"/>
-            </a:solidFill>
-            <a:prstDash val="dash"/>
+              <a:schemeClr val="accent1">
+                <a:lumMod val="75000"/>
+              </a:schemeClr>
+            </a:solidFill>
+            <a:prstDash val="sysDot"/>
           </a:ln>
         </p:spPr>
         <p:style>
@@ -10487,970 +10834,6 @@
           </a:fontRef>
         </p:style>
       </p:cxnSp>
-      <p:sp>
-        <p:nvSpPr>
-          <p:cNvPr id="11" name="Oval 10"/>
-          <p:cNvSpPr/>
-          <p:nvPr/>
-        </p:nvSpPr>
-        <p:spPr>
-          <a:xfrm>
-            <a:off x="5092884" y="4456782"/>
-            <a:ext cx="169682" cy="158684"/>
-          </a:xfrm>
-          <a:prstGeom prst="ellipse">
-            <a:avLst/>
-          </a:prstGeom>
-          <a:solidFill>
-            <a:schemeClr val="tx1"/>
-          </a:solidFill>
-          <a:ln>
-            <a:solidFill>
-              <a:schemeClr val="tx1"/>
-            </a:solidFill>
-          </a:ln>
-        </p:spPr>
-        <p:style>
-          <a:lnRef idx="2">
-            <a:schemeClr val="accent1">
-              <a:shade val="50000"/>
-            </a:schemeClr>
-          </a:lnRef>
-          <a:fillRef idx="1">
-            <a:schemeClr val="accent1"/>
-          </a:fillRef>
-          <a:effectRef idx="0">
-            <a:schemeClr val="accent1"/>
-          </a:effectRef>
-          <a:fontRef idx="minor">
-            <a:schemeClr val="lt1"/>
-          </a:fontRef>
-        </p:style>
-        <p:txBody>
-          <a:bodyPr lIns="91434" tIns="45717" rIns="91434" bIns="45717" rtlCol="0" anchor="ctr"/>
-          <a:lstStyle/>
-          <a:p>
-            <a:pPr algn="ctr"/>
-            <a:endParaRPr lang="en-US"/>
-          </a:p>
-        </p:txBody>
-      </p:sp>
-      <p:graphicFrame>
-        <p:nvGraphicFramePr>
-          <p:cNvPr id="16" name="Table 15"/>
-          <p:cNvGraphicFramePr>
-            <a:graphicFrameLocks noGrp="1"/>
-          </p:cNvGraphicFramePr>
-          <p:nvPr>
-            <p:extLst>
-              <p:ext uri="{D42A27DB-BD31-4B8C-83A1-F6EECF244321}">
-                <p14:modId xmlns:p14="http://schemas.microsoft.com/office/powerpoint/2010/main" val="2281808358"/>
-              </p:ext>
-            </p:extLst>
-          </p:nvPr>
-        </p:nvGraphicFramePr>
-        <p:xfrm>
-          <a:off x="1527540" y="147027"/>
-          <a:ext cx="5326145" cy="944880"/>
-        </p:xfrm>
-        <a:graphic>
-          <a:graphicData uri="http://schemas.openxmlformats.org/drawingml/2006/table">
-            <a:tbl>
-              <a:tblPr firstRow="1" bandRow="1">
-                <a:tableStyleId>{5C22544A-7EE6-4342-B048-85BDC9FD1C3A}</a:tableStyleId>
-              </a:tblPr>
-              <a:tblGrid>
-                <a:gridCol w="5326145">
-                  <a:extLst>
-                    <a:ext uri="{9D8B030D-6E8A-4147-A177-3AD203B41FA5}">
-                      <a16:colId xmlns:a16="http://schemas.microsoft.com/office/drawing/2014/main" val="1119900571"/>
-                    </a:ext>
-                  </a:extLst>
-                </a:gridCol>
-              </a:tblGrid>
-              <a:tr h="944880">
-                <a:tc>
-                  <a:txBody>
-                    <a:bodyPr/>
-                    <a:lstStyle/>
-                    <a:p>
-                      <a:pPr algn="ctr"/>
-                      <a:endParaRPr lang="en-US" sz="2800" b="0" cap="none" spc="0" baseline="0" dirty="0">
-                        <a:ln w="0"/>
-                        <a:solidFill>
-                          <a:schemeClr val="tx1"/>
-                        </a:solidFill>
-                        <a:effectLst>
-                          <a:outerShdw blurRad="38100" dist="19050" dir="2700000" algn="tl" rotWithShape="0">
-                            <a:schemeClr val="dk1">
-                              <a:alpha val="40000"/>
-                            </a:schemeClr>
-                          </a:outerShdw>
-                        </a:effectLst>
-                      </a:endParaRPr>
-                    </a:p>
-                  </a:txBody>
-                  <a:tcPr anchor="ctr">
-                    <a:lnL w="12700" cap="flat" cmpd="sng" algn="ctr">
-                      <a:noFill/>
-                      <a:prstDash val="solid"/>
-                      <a:round/>
-                      <a:headEnd type="none" w="med" len="med"/>
-                      <a:tailEnd type="none" w="med" len="med"/>
-                    </a:lnL>
-                    <a:lnR w="12700" cap="flat" cmpd="sng" algn="ctr">
-                      <a:noFill/>
-                      <a:prstDash val="solid"/>
-                      <a:round/>
-                      <a:headEnd type="none" w="med" len="med"/>
-                      <a:tailEnd type="none" w="med" len="med"/>
-                    </a:lnR>
-                    <a:lnT w="12700" cap="flat" cmpd="sng" algn="ctr">
-                      <a:noFill/>
-                      <a:prstDash val="solid"/>
-                      <a:round/>
-                      <a:headEnd type="none" w="med" len="med"/>
-                      <a:tailEnd type="none" w="med" len="med"/>
-                    </a:lnT>
-                    <a:lnB w="12700" cap="flat" cmpd="sng" algn="ctr">
-                      <a:noFill/>
-                      <a:prstDash val="solid"/>
-                      <a:round/>
-                      <a:headEnd type="none" w="med" len="med"/>
-                      <a:tailEnd type="none" w="med" len="med"/>
-                    </a:lnB>
-                    <a:lnTlToBr w="12700" cmpd="sng">
-                      <a:noFill/>
-                      <a:prstDash val="solid"/>
-                    </a:lnTlToBr>
-                    <a:lnBlToTr w="12700" cmpd="sng">
-                      <a:noFill/>
-                      <a:prstDash val="solid"/>
-                    </a:lnBlToTr>
-                    <a:noFill/>
-                  </a:tcPr>
-                </a:tc>
-                <a:extLst>
-                  <a:ext uri="{0D108BD9-81ED-4DB2-BD59-A6C34878D82A}">
-                    <a16:rowId xmlns:a16="http://schemas.microsoft.com/office/drawing/2014/main" val="4204406665"/>
-                  </a:ext>
-                </a:extLst>
-              </a:tr>
-            </a:tbl>
-          </a:graphicData>
-        </a:graphic>
-      </p:graphicFrame>
-      <p:sp>
-        <p:nvSpPr>
-          <p:cNvPr id="19" name="Hexagon 18"/>
-          <p:cNvSpPr/>
-          <p:nvPr/>
-        </p:nvSpPr>
-        <p:spPr>
-          <a:xfrm>
-            <a:off x="5368059" y="3292692"/>
-            <a:ext cx="1127052" cy="1031358"/>
-          </a:xfrm>
-          <a:prstGeom prst="hexagon">
-            <a:avLst/>
-          </a:prstGeom>
-          <a:solidFill>
-            <a:srgbClr val="38F838"/>
-          </a:solidFill>
-          <a:ln w="38100">
-            <a:solidFill>
-              <a:schemeClr val="tx1"/>
-            </a:solidFill>
-          </a:ln>
-        </p:spPr>
-        <p:style>
-          <a:lnRef idx="2">
-            <a:schemeClr val="accent1">
-              <a:shade val="50000"/>
-            </a:schemeClr>
-          </a:lnRef>
-          <a:fillRef idx="1">
-            <a:schemeClr val="accent1"/>
-          </a:fillRef>
-          <a:effectRef idx="0">
-            <a:schemeClr val="accent1"/>
-          </a:effectRef>
-          <a:fontRef idx="minor">
-            <a:schemeClr val="lt1"/>
-          </a:fontRef>
-        </p:style>
-        <p:txBody>
-          <a:bodyPr lIns="91434" tIns="45717" rIns="91434" bIns="45717" rtlCol="0" anchor="ctr"/>
-          <a:lstStyle/>
-          <a:p>
-            <a:pPr algn="ctr"/>
-            <a:r>
-              <a:rPr lang="en-US" sz="1500" dirty="0">
-                <a:solidFill>
-                  <a:sysClr val="windowText" lastClr="000000"/>
-                </a:solidFill>
-              </a:rPr>
-              <a:t>Object</a:t>
-            </a:r>
-          </a:p>
-        </p:txBody>
-      </p:sp>
-      <p:sp>
-        <p:nvSpPr>
-          <p:cNvPr id="20" name="Oval 19"/>
-          <p:cNvSpPr/>
-          <p:nvPr/>
-        </p:nvSpPr>
-        <p:spPr>
-          <a:xfrm>
-            <a:off x="6448489" y="4267970"/>
-            <a:ext cx="141522" cy="140350"/>
-          </a:xfrm>
-          <a:prstGeom prst="ellipse">
-            <a:avLst/>
-          </a:prstGeom>
-          <a:solidFill>
-            <a:srgbClr val="38F838"/>
-          </a:solidFill>
-        </p:spPr>
-        <p:style>
-          <a:lnRef idx="2">
-            <a:schemeClr val="accent1">
-              <a:shade val="50000"/>
-            </a:schemeClr>
-          </a:lnRef>
-          <a:fillRef idx="1">
-            <a:schemeClr val="accent1"/>
-          </a:fillRef>
-          <a:effectRef idx="0">
-            <a:schemeClr val="accent1"/>
-          </a:effectRef>
-          <a:fontRef idx="minor">
-            <a:schemeClr val="lt1"/>
-          </a:fontRef>
-        </p:style>
-        <p:txBody>
-          <a:bodyPr lIns="91434" tIns="45717" rIns="91434" bIns="45717" rtlCol="0" anchor="ctr"/>
-          <a:lstStyle/>
-          <a:p>
-            <a:pPr algn="ctr"/>
-            <a:endParaRPr lang="en-US" dirty="0"/>
-          </a:p>
-        </p:txBody>
-      </p:sp>
-      <p:sp>
-        <p:nvSpPr>
-          <p:cNvPr id="21" name="Oval 20"/>
-          <p:cNvSpPr/>
-          <p:nvPr/>
-        </p:nvSpPr>
-        <p:spPr>
-          <a:xfrm>
-            <a:off x="6203281" y="4396705"/>
-            <a:ext cx="128655" cy="140350"/>
-          </a:xfrm>
-          <a:prstGeom prst="ellipse">
-            <a:avLst/>
-          </a:prstGeom>
-          <a:solidFill>
-            <a:srgbClr val="38F838"/>
-          </a:solidFill>
-        </p:spPr>
-        <p:style>
-          <a:lnRef idx="2">
-            <a:schemeClr val="accent1">
-              <a:shade val="50000"/>
-            </a:schemeClr>
-          </a:lnRef>
-          <a:fillRef idx="1">
-            <a:schemeClr val="accent1"/>
-          </a:fillRef>
-          <a:effectRef idx="0">
-            <a:schemeClr val="accent1"/>
-          </a:effectRef>
-          <a:fontRef idx="minor">
-            <a:schemeClr val="lt1"/>
-          </a:fontRef>
-        </p:style>
-        <p:txBody>
-          <a:bodyPr lIns="91434" tIns="45717" rIns="91434" bIns="45717" rtlCol="0" anchor="ctr"/>
-          <a:lstStyle/>
-          <a:p>
-            <a:pPr algn="ctr"/>
-            <a:endParaRPr lang="en-US" dirty="0"/>
-          </a:p>
-        </p:txBody>
-      </p:sp>
-      <p:sp>
-        <p:nvSpPr>
-          <p:cNvPr id="22" name="Oval 21"/>
-          <p:cNvSpPr/>
-          <p:nvPr/>
-        </p:nvSpPr>
-        <p:spPr>
-          <a:xfrm>
-            <a:off x="6554466" y="4475141"/>
-            <a:ext cx="128655" cy="140350"/>
-          </a:xfrm>
-          <a:prstGeom prst="ellipse">
-            <a:avLst/>
-          </a:prstGeom>
-          <a:solidFill>
-            <a:srgbClr val="38F838"/>
-          </a:solidFill>
-        </p:spPr>
-        <p:style>
-          <a:lnRef idx="2">
-            <a:schemeClr val="accent1">
-              <a:shade val="50000"/>
-            </a:schemeClr>
-          </a:lnRef>
-          <a:fillRef idx="1">
-            <a:schemeClr val="accent1"/>
-          </a:fillRef>
-          <a:effectRef idx="0">
-            <a:schemeClr val="accent1"/>
-          </a:effectRef>
-          <a:fontRef idx="minor">
-            <a:schemeClr val="lt1"/>
-          </a:fontRef>
-        </p:style>
-        <p:txBody>
-          <a:bodyPr lIns="91434" tIns="45717" rIns="91434" bIns="45717" rtlCol="0" anchor="ctr"/>
-          <a:lstStyle/>
-          <a:p>
-            <a:pPr algn="ctr"/>
-            <a:endParaRPr lang="en-US" dirty="0"/>
-          </a:p>
-        </p:txBody>
-      </p:sp>
-      <p:sp>
-        <p:nvSpPr>
-          <p:cNvPr id="23" name="Oval 22"/>
-          <p:cNvSpPr/>
-          <p:nvPr/>
-        </p:nvSpPr>
-        <p:spPr>
-          <a:xfrm>
-            <a:off x="5975479" y="4429529"/>
-            <a:ext cx="128655" cy="140350"/>
-          </a:xfrm>
-          <a:prstGeom prst="ellipse">
-            <a:avLst/>
-          </a:prstGeom>
-          <a:solidFill>
-            <a:srgbClr val="38F838"/>
-          </a:solidFill>
-        </p:spPr>
-        <p:style>
-          <a:lnRef idx="2">
-            <a:schemeClr val="accent1">
-              <a:shade val="50000"/>
-            </a:schemeClr>
-          </a:lnRef>
-          <a:fillRef idx="1">
-            <a:schemeClr val="accent1"/>
-          </a:fillRef>
-          <a:effectRef idx="0">
-            <a:schemeClr val="accent1"/>
-          </a:effectRef>
-          <a:fontRef idx="minor">
-            <a:schemeClr val="lt1"/>
-          </a:fontRef>
-        </p:style>
-        <p:txBody>
-          <a:bodyPr lIns="91434" tIns="45717" rIns="91434" bIns="45717" rtlCol="0" anchor="ctr"/>
-          <a:lstStyle/>
-          <a:p>
-            <a:pPr algn="ctr"/>
-            <a:endParaRPr lang="en-US" dirty="0"/>
-          </a:p>
-        </p:txBody>
-      </p:sp>
-      <p:sp>
-        <p:nvSpPr>
-          <p:cNvPr id="24" name="Oval 23"/>
-          <p:cNvSpPr/>
-          <p:nvPr/>
-        </p:nvSpPr>
-        <p:spPr>
-          <a:xfrm>
-            <a:off x="4655437" y="4569880"/>
-            <a:ext cx="141522" cy="140350"/>
-          </a:xfrm>
-          <a:prstGeom prst="ellipse">
-            <a:avLst/>
-          </a:prstGeom>
-          <a:solidFill>
-            <a:schemeClr val="bg1">
-              <a:lumMod val="75000"/>
-            </a:schemeClr>
-          </a:solidFill>
-          <a:ln w="12700"/>
-        </p:spPr>
-        <p:style>
-          <a:lnRef idx="2">
-            <a:schemeClr val="accent1">
-              <a:shade val="50000"/>
-            </a:schemeClr>
-          </a:lnRef>
-          <a:fillRef idx="1">
-            <a:schemeClr val="accent1"/>
-          </a:fillRef>
-          <a:effectRef idx="0">
-            <a:schemeClr val="accent1"/>
-          </a:effectRef>
-          <a:fontRef idx="minor">
-            <a:schemeClr val="lt1"/>
-          </a:fontRef>
-        </p:style>
-        <p:txBody>
-          <a:bodyPr lIns="91434" tIns="45717" rIns="91434" bIns="45717" rtlCol="0" anchor="ctr"/>
-          <a:lstStyle/>
-          <a:p>
-            <a:pPr algn="ctr"/>
-            <a:endParaRPr lang="en-US" dirty="0"/>
-          </a:p>
-        </p:txBody>
-      </p:sp>
-      <p:sp>
-        <p:nvSpPr>
-          <p:cNvPr id="25" name="Oval 24"/>
-          <p:cNvSpPr/>
-          <p:nvPr/>
-        </p:nvSpPr>
-        <p:spPr>
-          <a:xfrm>
-            <a:off x="4862121" y="2831092"/>
-            <a:ext cx="128655" cy="140350"/>
-          </a:xfrm>
-          <a:prstGeom prst="ellipse">
-            <a:avLst/>
-          </a:prstGeom>
-          <a:solidFill>
-            <a:schemeClr val="bg1">
-              <a:lumMod val="75000"/>
-            </a:schemeClr>
-          </a:solidFill>
-          <a:ln w="12700"/>
-        </p:spPr>
-        <p:style>
-          <a:lnRef idx="2">
-            <a:schemeClr val="accent1">
-              <a:shade val="50000"/>
-            </a:schemeClr>
-          </a:lnRef>
-          <a:fillRef idx="1">
-            <a:schemeClr val="accent1"/>
-          </a:fillRef>
-          <a:effectRef idx="0">
-            <a:schemeClr val="accent1"/>
-          </a:effectRef>
-          <a:fontRef idx="minor">
-            <a:schemeClr val="lt1"/>
-          </a:fontRef>
-        </p:style>
-        <p:txBody>
-          <a:bodyPr lIns="91434" tIns="45717" rIns="91434" bIns="45717" rtlCol="0" anchor="ctr"/>
-          <a:lstStyle/>
-          <a:p>
-            <a:pPr algn="ctr"/>
-            <a:endParaRPr lang="en-US" dirty="0"/>
-          </a:p>
-        </p:txBody>
-      </p:sp>
-      <p:sp>
-        <p:nvSpPr>
-          <p:cNvPr id="26" name="Oval 25"/>
-          <p:cNvSpPr/>
-          <p:nvPr/>
-        </p:nvSpPr>
-        <p:spPr>
-          <a:xfrm>
-            <a:off x="4759944" y="4737070"/>
-            <a:ext cx="141522" cy="140350"/>
-          </a:xfrm>
-          <a:prstGeom prst="ellipse">
-            <a:avLst/>
-          </a:prstGeom>
-          <a:solidFill>
-            <a:schemeClr val="bg1">
-              <a:lumMod val="75000"/>
-            </a:schemeClr>
-          </a:solidFill>
-          <a:ln w="12700"/>
-        </p:spPr>
-        <p:style>
-          <a:lnRef idx="2">
-            <a:schemeClr val="accent1">
-              <a:shade val="50000"/>
-            </a:schemeClr>
-          </a:lnRef>
-          <a:fillRef idx="1">
-            <a:schemeClr val="accent1"/>
-          </a:fillRef>
-          <a:effectRef idx="0">
-            <a:schemeClr val="accent1"/>
-          </a:effectRef>
-          <a:fontRef idx="minor">
-            <a:schemeClr val="lt1"/>
-          </a:fontRef>
-        </p:style>
-        <p:txBody>
-          <a:bodyPr lIns="91434" tIns="45717" rIns="91434" bIns="45717" rtlCol="0" anchor="ctr"/>
-          <a:lstStyle/>
-          <a:p>
-            <a:pPr algn="ctr"/>
-            <a:endParaRPr lang="en-US" dirty="0"/>
-          </a:p>
-        </p:txBody>
-      </p:sp>
-      <p:sp>
-        <p:nvSpPr>
-          <p:cNvPr id="27" name="Oval 26"/>
-          <p:cNvSpPr/>
-          <p:nvPr/>
-        </p:nvSpPr>
-        <p:spPr>
-          <a:xfrm>
-            <a:off x="5022124" y="4660032"/>
-            <a:ext cx="141522" cy="140350"/>
-          </a:xfrm>
-          <a:prstGeom prst="ellipse">
-            <a:avLst/>
-          </a:prstGeom>
-          <a:solidFill>
-            <a:schemeClr val="bg1">
-              <a:lumMod val="75000"/>
-            </a:schemeClr>
-          </a:solidFill>
-          <a:ln w="12700"/>
-        </p:spPr>
-        <p:style>
-          <a:lnRef idx="2">
-            <a:schemeClr val="accent1">
-              <a:shade val="50000"/>
-            </a:schemeClr>
-          </a:lnRef>
-          <a:fillRef idx="1">
-            <a:schemeClr val="accent1"/>
-          </a:fillRef>
-          <a:effectRef idx="0">
-            <a:schemeClr val="accent1"/>
-          </a:effectRef>
-          <a:fontRef idx="minor">
-            <a:schemeClr val="lt1"/>
-          </a:fontRef>
-        </p:style>
-        <p:txBody>
-          <a:bodyPr lIns="91434" tIns="45717" rIns="91434" bIns="45717" rtlCol="0" anchor="ctr"/>
-          <a:lstStyle/>
-          <a:p>
-            <a:pPr algn="ctr"/>
-            <a:endParaRPr lang="en-US" dirty="0"/>
-          </a:p>
-        </p:txBody>
-      </p:sp>
-      <p:sp>
-        <p:nvSpPr>
-          <p:cNvPr id="28" name="Oval 27"/>
-          <p:cNvSpPr/>
-          <p:nvPr/>
-        </p:nvSpPr>
-        <p:spPr>
-          <a:xfrm>
-            <a:off x="5032949" y="2883096"/>
-            <a:ext cx="141522" cy="140350"/>
-          </a:xfrm>
-          <a:prstGeom prst="ellipse">
-            <a:avLst/>
-          </a:prstGeom>
-          <a:solidFill>
-            <a:schemeClr val="bg1">
-              <a:lumMod val="75000"/>
-            </a:schemeClr>
-          </a:solidFill>
-          <a:ln w="12700"/>
-        </p:spPr>
-        <p:style>
-          <a:lnRef idx="2">
-            <a:schemeClr val="accent1">
-              <a:shade val="50000"/>
-            </a:schemeClr>
-          </a:lnRef>
-          <a:fillRef idx="1">
-            <a:schemeClr val="accent1"/>
-          </a:fillRef>
-          <a:effectRef idx="0">
-            <a:schemeClr val="accent1"/>
-          </a:effectRef>
-          <a:fontRef idx="minor">
-            <a:schemeClr val="lt1"/>
-          </a:fontRef>
-        </p:style>
-        <p:txBody>
-          <a:bodyPr lIns="91434" tIns="45717" rIns="91434" bIns="45717" rtlCol="0" anchor="ctr"/>
-          <a:lstStyle/>
-          <a:p>
-            <a:pPr algn="ctr"/>
-            <a:endParaRPr lang="en-US" dirty="0"/>
-          </a:p>
-        </p:txBody>
-      </p:sp>
-      <p:sp>
-        <p:nvSpPr>
-          <p:cNvPr id="29" name="Oval 28"/>
-          <p:cNvSpPr/>
-          <p:nvPr/>
-        </p:nvSpPr>
-        <p:spPr>
-          <a:xfrm>
-            <a:off x="5470774" y="4381376"/>
-            <a:ext cx="141522" cy="140350"/>
-          </a:xfrm>
-          <a:prstGeom prst="ellipse">
-            <a:avLst/>
-          </a:prstGeom>
-          <a:solidFill>
-            <a:srgbClr val="38F838"/>
-          </a:solidFill>
-        </p:spPr>
-        <p:style>
-          <a:lnRef idx="2">
-            <a:schemeClr val="accent1">
-              <a:shade val="50000"/>
-            </a:schemeClr>
-          </a:lnRef>
-          <a:fillRef idx="1">
-            <a:schemeClr val="accent1"/>
-          </a:fillRef>
-          <a:effectRef idx="0">
-            <a:schemeClr val="accent1"/>
-          </a:effectRef>
-          <a:fontRef idx="minor">
-            <a:schemeClr val="lt1"/>
-          </a:fontRef>
-        </p:style>
-        <p:txBody>
-          <a:bodyPr lIns="91434" tIns="45717" rIns="91434" bIns="45717" rtlCol="0" anchor="ctr"/>
-          <a:lstStyle/>
-          <a:p>
-            <a:pPr algn="ctr"/>
-            <a:endParaRPr lang="en-US" dirty="0"/>
-          </a:p>
-        </p:txBody>
-      </p:sp>
-      <p:sp>
-        <p:nvSpPr>
-          <p:cNvPr id="30" name="Oval 29"/>
-          <p:cNvSpPr/>
-          <p:nvPr/>
-        </p:nvSpPr>
-        <p:spPr>
-          <a:xfrm>
-            <a:off x="5805921" y="4574206"/>
-            <a:ext cx="128655" cy="140350"/>
-          </a:xfrm>
-          <a:prstGeom prst="ellipse">
-            <a:avLst/>
-          </a:prstGeom>
-          <a:solidFill>
-            <a:srgbClr val="38F838"/>
-          </a:solidFill>
-        </p:spPr>
-        <p:style>
-          <a:lnRef idx="2">
-            <a:schemeClr val="accent1">
-              <a:shade val="50000"/>
-            </a:schemeClr>
-          </a:lnRef>
-          <a:fillRef idx="1">
-            <a:schemeClr val="accent1"/>
-          </a:fillRef>
-          <a:effectRef idx="0">
-            <a:schemeClr val="accent1"/>
-          </a:effectRef>
-          <a:fontRef idx="minor">
-            <a:schemeClr val="lt1"/>
-          </a:fontRef>
-        </p:style>
-        <p:txBody>
-          <a:bodyPr lIns="91434" tIns="45717" rIns="91434" bIns="45717" rtlCol="0" anchor="ctr"/>
-          <a:lstStyle/>
-          <a:p>
-            <a:pPr algn="ctr"/>
-            <a:endParaRPr lang="en-US" dirty="0"/>
-          </a:p>
-        </p:txBody>
-      </p:sp>
-      <p:sp>
-        <p:nvSpPr>
-          <p:cNvPr id="31" name="Oval 30"/>
-          <p:cNvSpPr/>
-          <p:nvPr/>
-        </p:nvSpPr>
-        <p:spPr>
-          <a:xfrm>
-            <a:off x="6118781" y="4707929"/>
-            <a:ext cx="128655" cy="140350"/>
-          </a:xfrm>
-          <a:prstGeom prst="ellipse">
-            <a:avLst/>
-          </a:prstGeom>
-          <a:solidFill>
-            <a:srgbClr val="38F838"/>
-          </a:solidFill>
-        </p:spPr>
-        <p:style>
-          <a:lnRef idx="2">
-            <a:schemeClr val="accent1">
-              <a:shade val="50000"/>
-            </a:schemeClr>
-          </a:lnRef>
-          <a:fillRef idx="1">
-            <a:schemeClr val="accent1"/>
-          </a:fillRef>
-          <a:effectRef idx="0">
-            <a:schemeClr val="accent1"/>
-          </a:effectRef>
-          <a:fontRef idx="minor">
-            <a:schemeClr val="lt1"/>
-          </a:fontRef>
-        </p:style>
-        <p:txBody>
-          <a:bodyPr lIns="91434" tIns="45717" rIns="91434" bIns="45717" rtlCol="0" anchor="ctr"/>
-          <a:lstStyle/>
-          <a:p>
-            <a:pPr algn="ctr"/>
-            <a:endParaRPr lang="en-US" dirty="0"/>
-          </a:p>
-        </p:txBody>
-      </p:sp>
-      <p:sp>
-        <p:nvSpPr>
-          <p:cNvPr id="32" name="Oval 31"/>
-          <p:cNvSpPr/>
-          <p:nvPr/>
-        </p:nvSpPr>
-        <p:spPr>
-          <a:xfrm>
-            <a:off x="5524443" y="4610368"/>
-            <a:ext cx="128655" cy="140350"/>
-          </a:xfrm>
-          <a:prstGeom prst="ellipse">
-            <a:avLst/>
-          </a:prstGeom>
-          <a:solidFill>
-            <a:srgbClr val="38F838"/>
-          </a:solidFill>
-        </p:spPr>
-        <p:style>
-          <a:lnRef idx="2">
-            <a:schemeClr val="accent1">
-              <a:shade val="50000"/>
-            </a:schemeClr>
-          </a:lnRef>
-          <a:fillRef idx="1">
-            <a:schemeClr val="accent1"/>
-          </a:fillRef>
-          <a:effectRef idx="0">
-            <a:schemeClr val="accent1"/>
-          </a:effectRef>
-          <a:fontRef idx="minor">
-            <a:schemeClr val="lt1"/>
-          </a:fontRef>
-        </p:style>
-        <p:txBody>
-          <a:bodyPr lIns="91434" tIns="45717" rIns="91434" bIns="45717" rtlCol="0" anchor="ctr"/>
-          <a:lstStyle/>
-          <a:p>
-            <a:pPr algn="ctr"/>
-            <a:endParaRPr lang="en-US" dirty="0"/>
-          </a:p>
-        </p:txBody>
-      </p:sp>
-      <p:sp>
-        <p:nvSpPr>
-          <p:cNvPr id="33" name="Oval 32"/>
-          <p:cNvSpPr/>
-          <p:nvPr/>
-        </p:nvSpPr>
-        <p:spPr>
-          <a:xfrm>
-            <a:off x="6549608" y="3605293"/>
-            <a:ext cx="128655" cy="140350"/>
-          </a:xfrm>
-          <a:prstGeom prst="ellipse">
-            <a:avLst/>
-          </a:prstGeom>
-          <a:solidFill>
-            <a:srgbClr val="38F838"/>
-          </a:solidFill>
-        </p:spPr>
-        <p:style>
-          <a:lnRef idx="2">
-            <a:schemeClr val="accent1">
-              <a:shade val="50000"/>
-            </a:schemeClr>
-          </a:lnRef>
-          <a:fillRef idx="1">
-            <a:schemeClr val="accent1"/>
-          </a:fillRef>
-          <a:effectRef idx="0">
-            <a:schemeClr val="accent1"/>
-          </a:effectRef>
-          <a:fontRef idx="minor">
-            <a:schemeClr val="lt1"/>
-          </a:fontRef>
-        </p:style>
-        <p:txBody>
-          <a:bodyPr lIns="91434" tIns="45717" rIns="91434" bIns="45717" rtlCol="0" anchor="ctr"/>
-          <a:lstStyle/>
-          <a:p>
-            <a:pPr algn="ctr"/>
-            <a:endParaRPr lang="en-US" dirty="0"/>
-          </a:p>
-        </p:txBody>
-      </p:sp>
-      <p:sp>
-        <p:nvSpPr>
-          <p:cNvPr id="34" name="Oval 33"/>
-          <p:cNvSpPr/>
-          <p:nvPr/>
-        </p:nvSpPr>
-        <p:spPr>
-          <a:xfrm>
-            <a:off x="6494881" y="3899868"/>
-            <a:ext cx="128655" cy="140350"/>
-          </a:xfrm>
-          <a:prstGeom prst="ellipse">
-            <a:avLst/>
-          </a:prstGeom>
-          <a:solidFill>
-            <a:srgbClr val="38F838"/>
-          </a:solidFill>
-        </p:spPr>
-        <p:style>
-          <a:lnRef idx="2">
-            <a:schemeClr val="accent1">
-              <a:shade val="50000"/>
-            </a:schemeClr>
-          </a:lnRef>
-          <a:fillRef idx="1">
-            <a:schemeClr val="accent1"/>
-          </a:fillRef>
-          <a:effectRef idx="0">
-            <a:schemeClr val="accent1"/>
-          </a:effectRef>
-          <a:fontRef idx="minor">
-            <a:schemeClr val="lt1"/>
-          </a:fontRef>
-        </p:style>
-        <p:txBody>
-          <a:bodyPr lIns="91434" tIns="45717" rIns="91434" bIns="45717" rtlCol="0" anchor="ctr"/>
-          <a:lstStyle/>
-          <a:p>
-            <a:pPr algn="ctr"/>
-            <a:endParaRPr lang="en-US" dirty="0"/>
-          </a:p>
-        </p:txBody>
-      </p:sp>
-      <p:sp>
-        <p:nvSpPr>
-          <p:cNvPr id="35" name="5-Point Star 34"/>
-          <p:cNvSpPr/>
-          <p:nvPr/>
-        </p:nvSpPr>
-        <p:spPr>
-          <a:xfrm>
-            <a:off x="6071787" y="4014785"/>
-            <a:ext cx="222637" cy="211044"/>
-          </a:xfrm>
-          <a:prstGeom prst="star5">
-            <a:avLst/>
-          </a:prstGeom>
-          <a:solidFill>
-            <a:srgbClr val="FFFF00"/>
-          </a:solidFill>
-          <a:ln w="9525">
-            <a:solidFill>
-              <a:schemeClr val="tx1"/>
-            </a:solidFill>
-          </a:ln>
-        </p:spPr>
-        <p:style>
-          <a:lnRef idx="2">
-            <a:schemeClr val="accent1">
-              <a:shade val="50000"/>
-            </a:schemeClr>
-          </a:lnRef>
-          <a:fillRef idx="1">
-            <a:schemeClr val="accent1"/>
-          </a:fillRef>
-          <a:effectRef idx="0">
-            <a:schemeClr val="accent1"/>
-          </a:effectRef>
-          <a:fontRef idx="minor">
-            <a:schemeClr val="lt1"/>
-          </a:fontRef>
-        </p:style>
-        <p:txBody>
-          <a:bodyPr lIns="91434" tIns="45717" rIns="91434" bIns="45717" rtlCol="0" anchor="ctr"/>
-          <a:lstStyle/>
-          <a:p>
-            <a:pPr algn="ctr"/>
-            <a:endParaRPr lang="en-US"/>
-          </a:p>
-        </p:txBody>
-      </p:sp>
-      <p:sp>
-        <p:nvSpPr>
-          <p:cNvPr id="36" name="5-Point Star 35"/>
-          <p:cNvSpPr/>
-          <p:nvPr/>
-        </p:nvSpPr>
-        <p:spPr>
-          <a:xfrm>
-            <a:off x="5374457" y="3693290"/>
-            <a:ext cx="222637" cy="211044"/>
-          </a:xfrm>
-          <a:prstGeom prst="star5">
-            <a:avLst/>
-          </a:prstGeom>
-          <a:solidFill>
-            <a:srgbClr val="FF9900"/>
-          </a:solidFill>
-          <a:ln w="9525">
-            <a:solidFill>
-              <a:schemeClr val="tx1"/>
-            </a:solidFill>
-          </a:ln>
-        </p:spPr>
-        <p:style>
-          <a:lnRef idx="2">
-            <a:schemeClr val="accent1">
-              <a:shade val="50000"/>
-            </a:schemeClr>
-          </a:lnRef>
-          <a:fillRef idx="1">
-            <a:schemeClr val="accent1"/>
-          </a:fillRef>
-          <a:effectRef idx="0">
-            <a:schemeClr val="accent1"/>
-          </a:effectRef>
-          <a:fontRef idx="minor">
-            <a:schemeClr val="lt1"/>
-          </a:fontRef>
-        </p:style>
-        <p:txBody>
-          <a:bodyPr lIns="91434" tIns="45717" rIns="91434" bIns="45717" rtlCol="0" anchor="ctr"/>
-          <a:lstStyle/>
-          <a:p>
-            <a:pPr algn="ctr"/>
-            <a:endParaRPr lang="en-US"/>
-          </a:p>
-        </p:txBody>
-      </p:sp>
       <p:graphicFrame>
         <p:nvGraphicFramePr>
           <p:cNvPr id="37" name="Table 36"/>
@@ -11562,30 +10945,2650 @@
           </a:graphicData>
         </a:graphic>
       </p:graphicFrame>
-      <p:pic>
-        <p:nvPicPr>
-          <p:cNvPr id="3" name="Picture 2"/>
-          <p:cNvPicPr>
-            <a:picLocks noChangeAspect="1"/>
-          </p:cNvPicPr>
-          <p:nvPr/>
-        </p:nvPicPr>
-        <p:blipFill>
-          <a:blip r:embed="rId3"/>
-          <a:stretch>
-            <a:fillRect/>
-          </a:stretch>
-        </p:blipFill>
-        <p:spPr>
-          <a:xfrm>
-            <a:off x="8321848" y="3458079"/>
-            <a:ext cx="3319467" cy="3281982"/>
-          </a:xfrm>
-          <a:prstGeom prst="rect">
-            <a:avLst/>
-          </a:prstGeom>
-        </p:spPr>
-      </p:pic>
+      <p:sp>
+        <p:nvSpPr>
+          <p:cNvPr id="38" name="Hexagon 37"/>
+          <p:cNvSpPr/>
+          <p:nvPr/>
+        </p:nvSpPr>
+        <p:spPr>
+          <a:xfrm rot="20837366">
+            <a:off x="5659199" y="3873547"/>
+            <a:ext cx="940194" cy="865516"/>
+          </a:xfrm>
+          <a:prstGeom prst="hexagon">
+            <a:avLst/>
+          </a:prstGeom>
+          <a:solidFill>
+            <a:srgbClr val="38F838"/>
+          </a:solidFill>
+          <a:ln w="57150">
+            <a:solidFill>
+              <a:schemeClr val="tx1"/>
+            </a:solidFill>
+          </a:ln>
+        </p:spPr>
+        <p:style>
+          <a:lnRef idx="2">
+            <a:schemeClr val="accent1">
+              <a:shade val="50000"/>
+            </a:schemeClr>
+          </a:lnRef>
+          <a:fillRef idx="1">
+            <a:schemeClr val="accent1"/>
+          </a:fillRef>
+          <a:effectRef idx="0">
+            <a:schemeClr val="accent1"/>
+          </a:effectRef>
+          <a:fontRef idx="minor">
+            <a:schemeClr val="lt1"/>
+          </a:fontRef>
+        </p:style>
+        <p:txBody>
+          <a:bodyPr rtlCol="0" anchor="ctr"/>
+          <a:lstStyle/>
+          <a:p>
+            <a:pPr algn="ctr"/>
+            <a:endParaRPr lang="en-US" sz="1200" dirty="0">
+              <a:solidFill>
+                <a:sysClr val="windowText" lastClr="000000"/>
+              </a:solidFill>
+            </a:endParaRPr>
+          </a:p>
+        </p:txBody>
+      </p:sp>
+      <p:sp>
+        <p:nvSpPr>
+          <p:cNvPr id="39" name="Oval 38"/>
+          <p:cNvSpPr/>
+          <p:nvPr/>
+        </p:nvSpPr>
+        <p:spPr>
+          <a:xfrm>
+            <a:off x="6195355" y="2855186"/>
+            <a:ext cx="115815" cy="115815"/>
+          </a:xfrm>
+          <a:prstGeom prst="ellipse">
+            <a:avLst/>
+          </a:prstGeom>
+          <a:solidFill>
+            <a:srgbClr val="38F838"/>
+          </a:solidFill>
+          <a:ln w="19050">
+            <a:solidFill>
+              <a:srgbClr val="0000FF"/>
+            </a:solidFill>
+          </a:ln>
+        </p:spPr>
+        <p:style>
+          <a:lnRef idx="2">
+            <a:schemeClr val="accent1">
+              <a:shade val="50000"/>
+            </a:schemeClr>
+          </a:lnRef>
+          <a:fillRef idx="1">
+            <a:schemeClr val="accent1"/>
+          </a:fillRef>
+          <a:effectRef idx="0">
+            <a:schemeClr val="accent1"/>
+          </a:effectRef>
+          <a:fontRef idx="minor">
+            <a:schemeClr val="lt1"/>
+          </a:fontRef>
+        </p:style>
+        <p:txBody>
+          <a:bodyPr rtlCol="0" anchor="ctr"/>
+          <a:lstStyle/>
+          <a:p>
+            <a:pPr algn="ctr"/>
+            <a:endParaRPr lang="en-US"/>
+          </a:p>
+        </p:txBody>
+      </p:sp>
+      <p:sp>
+        <p:nvSpPr>
+          <p:cNvPr id="40" name="5-Point Star 39"/>
+          <p:cNvSpPr/>
+          <p:nvPr/>
+        </p:nvSpPr>
+        <p:spPr>
+          <a:xfrm>
+            <a:off x="5955428" y="4456362"/>
+            <a:ext cx="222637" cy="211044"/>
+          </a:xfrm>
+          <a:prstGeom prst="star5">
+            <a:avLst/>
+          </a:prstGeom>
+          <a:solidFill>
+            <a:srgbClr val="FF9900"/>
+          </a:solidFill>
+          <a:ln w="19050">
+            <a:solidFill>
+              <a:schemeClr val="tx1"/>
+            </a:solidFill>
+          </a:ln>
+        </p:spPr>
+        <p:style>
+          <a:lnRef idx="2">
+            <a:schemeClr val="accent1">
+              <a:shade val="50000"/>
+            </a:schemeClr>
+          </a:lnRef>
+          <a:fillRef idx="1">
+            <a:schemeClr val="accent1"/>
+          </a:fillRef>
+          <a:effectRef idx="0">
+            <a:schemeClr val="accent1"/>
+          </a:effectRef>
+          <a:fontRef idx="minor">
+            <a:schemeClr val="lt1"/>
+          </a:fontRef>
+        </p:style>
+        <p:txBody>
+          <a:bodyPr rtlCol="0" anchor="ctr"/>
+          <a:lstStyle/>
+          <a:p>
+            <a:pPr algn="ctr"/>
+            <a:endParaRPr lang="en-US"/>
+          </a:p>
+        </p:txBody>
+      </p:sp>
+      <p:sp>
+        <p:nvSpPr>
+          <p:cNvPr id="41" name="Oval 40"/>
+          <p:cNvSpPr/>
+          <p:nvPr/>
+        </p:nvSpPr>
+        <p:spPr>
+          <a:xfrm rot="20257552">
+            <a:off x="6058465" y="4257748"/>
+            <a:ext cx="125299" cy="125299"/>
+          </a:xfrm>
+          <a:prstGeom prst="ellipse">
+            <a:avLst/>
+          </a:prstGeom>
+          <a:solidFill>
+            <a:srgbClr val="38F838"/>
+          </a:solidFill>
+          <a:ln w="38100">
+            <a:solidFill>
+              <a:srgbClr val="FFC000"/>
+            </a:solidFill>
+          </a:ln>
+        </p:spPr>
+        <p:style>
+          <a:lnRef idx="2">
+            <a:schemeClr val="accent1">
+              <a:shade val="50000"/>
+            </a:schemeClr>
+          </a:lnRef>
+          <a:fillRef idx="1">
+            <a:schemeClr val="accent1"/>
+          </a:fillRef>
+          <a:effectRef idx="0">
+            <a:schemeClr val="accent1"/>
+          </a:effectRef>
+          <a:fontRef idx="minor">
+            <a:schemeClr val="lt1"/>
+          </a:fontRef>
+        </p:style>
+        <p:txBody>
+          <a:bodyPr rtlCol="0" anchor="ctr"/>
+          <a:lstStyle/>
+          <a:p>
+            <a:pPr algn="ctr"/>
+            <a:endParaRPr lang="en-US"/>
+          </a:p>
+        </p:txBody>
+      </p:sp>
+      <p:sp>
+        <p:nvSpPr>
+          <p:cNvPr id="42" name="Oval 41"/>
+          <p:cNvSpPr/>
+          <p:nvPr/>
+        </p:nvSpPr>
+        <p:spPr>
+          <a:xfrm>
+            <a:off x="6341883" y="2865029"/>
+            <a:ext cx="115815" cy="115815"/>
+          </a:xfrm>
+          <a:prstGeom prst="ellipse">
+            <a:avLst/>
+          </a:prstGeom>
+          <a:solidFill>
+            <a:srgbClr val="38F838"/>
+          </a:solidFill>
+          <a:ln w="19050">
+            <a:solidFill>
+              <a:srgbClr val="0000FF"/>
+            </a:solidFill>
+          </a:ln>
+        </p:spPr>
+        <p:style>
+          <a:lnRef idx="2">
+            <a:schemeClr val="accent1">
+              <a:shade val="50000"/>
+            </a:schemeClr>
+          </a:lnRef>
+          <a:fillRef idx="1">
+            <a:schemeClr val="accent1"/>
+          </a:fillRef>
+          <a:effectRef idx="0">
+            <a:schemeClr val="accent1"/>
+          </a:effectRef>
+          <a:fontRef idx="minor">
+            <a:schemeClr val="lt1"/>
+          </a:fontRef>
+        </p:style>
+        <p:txBody>
+          <a:bodyPr rtlCol="0" anchor="ctr"/>
+          <a:lstStyle/>
+          <a:p>
+            <a:pPr algn="ctr"/>
+            <a:endParaRPr lang="en-US"/>
+          </a:p>
+        </p:txBody>
+      </p:sp>
+      <p:sp>
+        <p:nvSpPr>
+          <p:cNvPr id="43" name="Oval 42"/>
+          <p:cNvSpPr/>
+          <p:nvPr/>
+        </p:nvSpPr>
+        <p:spPr>
+          <a:xfrm>
+            <a:off x="6519905" y="2865029"/>
+            <a:ext cx="115815" cy="115815"/>
+          </a:xfrm>
+          <a:prstGeom prst="ellipse">
+            <a:avLst/>
+          </a:prstGeom>
+          <a:solidFill>
+            <a:srgbClr val="38F838"/>
+          </a:solidFill>
+          <a:ln w="19050">
+            <a:solidFill>
+              <a:srgbClr val="0000FF"/>
+            </a:solidFill>
+          </a:ln>
+        </p:spPr>
+        <p:style>
+          <a:lnRef idx="2">
+            <a:schemeClr val="accent1">
+              <a:shade val="50000"/>
+            </a:schemeClr>
+          </a:lnRef>
+          <a:fillRef idx="1">
+            <a:schemeClr val="accent1"/>
+          </a:fillRef>
+          <a:effectRef idx="0">
+            <a:schemeClr val="accent1"/>
+          </a:effectRef>
+          <a:fontRef idx="minor">
+            <a:schemeClr val="lt1"/>
+          </a:fontRef>
+        </p:style>
+        <p:txBody>
+          <a:bodyPr rtlCol="0" anchor="ctr"/>
+          <a:lstStyle/>
+          <a:p>
+            <a:pPr algn="ctr"/>
+            <a:endParaRPr lang="en-US" dirty="0"/>
+          </a:p>
+        </p:txBody>
+      </p:sp>
+      <p:sp>
+        <p:nvSpPr>
+          <p:cNvPr id="44" name="Oval 43"/>
+          <p:cNvSpPr/>
+          <p:nvPr/>
+        </p:nvSpPr>
+        <p:spPr>
+          <a:xfrm>
+            <a:off x="6658284" y="2855186"/>
+            <a:ext cx="115815" cy="115815"/>
+          </a:xfrm>
+          <a:prstGeom prst="ellipse">
+            <a:avLst/>
+          </a:prstGeom>
+          <a:solidFill>
+            <a:srgbClr val="38F838"/>
+          </a:solidFill>
+          <a:ln w="19050">
+            <a:solidFill>
+              <a:srgbClr val="0000FF"/>
+            </a:solidFill>
+          </a:ln>
+        </p:spPr>
+        <p:style>
+          <a:lnRef idx="2">
+            <a:schemeClr val="accent1">
+              <a:shade val="50000"/>
+            </a:schemeClr>
+          </a:lnRef>
+          <a:fillRef idx="1">
+            <a:schemeClr val="accent1"/>
+          </a:fillRef>
+          <a:effectRef idx="0">
+            <a:schemeClr val="accent1"/>
+          </a:effectRef>
+          <a:fontRef idx="minor">
+            <a:schemeClr val="lt1"/>
+          </a:fontRef>
+        </p:style>
+        <p:txBody>
+          <a:bodyPr rtlCol="0" anchor="ctr"/>
+          <a:lstStyle/>
+          <a:p>
+            <a:pPr algn="ctr"/>
+            <a:endParaRPr lang="en-US"/>
+          </a:p>
+        </p:txBody>
+      </p:sp>
+      <p:sp>
+        <p:nvSpPr>
+          <p:cNvPr id="45" name="Oval 44"/>
+          <p:cNvSpPr/>
+          <p:nvPr/>
+        </p:nvSpPr>
+        <p:spPr>
+          <a:xfrm>
+            <a:off x="6517468" y="3105305"/>
+            <a:ext cx="115815" cy="115815"/>
+          </a:xfrm>
+          <a:prstGeom prst="ellipse">
+            <a:avLst/>
+          </a:prstGeom>
+          <a:solidFill>
+            <a:srgbClr val="38F838"/>
+          </a:solidFill>
+          <a:ln w="19050">
+            <a:solidFill>
+              <a:srgbClr val="0000FF"/>
+            </a:solidFill>
+          </a:ln>
+        </p:spPr>
+        <p:style>
+          <a:lnRef idx="2">
+            <a:schemeClr val="accent1">
+              <a:shade val="50000"/>
+            </a:schemeClr>
+          </a:lnRef>
+          <a:fillRef idx="1">
+            <a:schemeClr val="accent1"/>
+          </a:fillRef>
+          <a:effectRef idx="0">
+            <a:schemeClr val="accent1"/>
+          </a:effectRef>
+          <a:fontRef idx="minor">
+            <a:schemeClr val="lt1"/>
+          </a:fontRef>
+        </p:style>
+        <p:txBody>
+          <a:bodyPr rtlCol="0" anchor="ctr"/>
+          <a:lstStyle/>
+          <a:p>
+            <a:pPr algn="ctr"/>
+            <a:endParaRPr lang="en-US"/>
+          </a:p>
+        </p:txBody>
+      </p:sp>
+      <p:sp>
+        <p:nvSpPr>
+          <p:cNvPr id="46" name="Oval 45"/>
+          <p:cNvSpPr/>
+          <p:nvPr/>
+        </p:nvSpPr>
+        <p:spPr>
+          <a:xfrm>
+            <a:off x="5508584" y="4180710"/>
+            <a:ext cx="115815" cy="115815"/>
+          </a:xfrm>
+          <a:prstGeom prst="ellipse">
+            <a:avLst/>
+          </a:prstGeom>
+          <a:solidFill>
+            <a:srgbClr val="38F838"/>
+          </a:solidFill>
+          <a:ln w="19050">
+            <a:solidFill>
+              <a:srgbClr val="0000FF"/>
+            </a:solidFill>
+          </a:ln>
+        </p:spPr>
+        <p:style>
+          <a:lnRef idx="2">
+            <a:schemeClr val="accent1">
+              <a:shade val="50000"/>
+            </a:schemeClr>
+          </a:lnRef>
+          <a:fillRef idx="1">
+            <a:schemeClr val="accent1"/>
+          </a:fillRef>
+          <a:effectRef idx="0">
+            <a:schemeClr val="accent1"/>
+          </a:effectRef>
+          <a:fontRef idx="minor">
+            <a:schemeClr val="lt1"/>
+          </a:fontRef>
+        </p:style>
+        <p:txBody>
+          <a:bodyPr rtlCol="0" anchor="ctr"/>
+          <a:lstStyle/>
+          <a:p>
+            <a:pPr algn="ctr"/>
+            <a:endParaRPr lang="en-US"/>
+          </a:p>
+        </p:txBody>
+      </p:sp>
+      <p:sp>
+        <p:nvSpPr>
+          <p:cNvPr id="47" name="Oval 46"/>
+          <p:cNvSpPr/>
+          <p:nvPr/>
+        </p:nvSpPr>
+        <p:spPr>
+          <a:xfrm>
+            <a:off x="6666728" y="3029349"/>
+            <a:ext cx="115815" cy="115815"/>
+          </a:xfrm>
+          <a:prstGeom prst="ellipse">
+            <a:avLst/>
+          </a:prstGeom>
+          <a:solidFill>
+            <a:srgbClr val="38F838"/>
+          </a:solidFill>
+          <a:ln w="19050">
+            <a:solidFill>
+              <a:srgbClr val="0000FF"/>
+            </a:solidFill>
+          </a:ln>
+        </p:spPr>
+        <p:style>
+          <a:lnRef idx="2">
+            <a:schemeClr val="accent1">
+              <a:shade val="50000"/>
+            </a:schemeClr>
+          </a:lnRef>
+          <a:fillRef idx="1">
+            <a:schemeClr val="accent1"/>
+          </a:fillRef>
+          <a:effectRef idx="0">
+            <a:schemeClr val="accent1"/>
+          </a:effectRef>
+          <a:fontRef idx="minor">
+            <a:schemeClr val="lt1"/>
+          </a:fontRef>
+        </p:style>
+        <p:txBody>
+          <a:bodyPr rtlCol="0" anchor="ctr"/>
+          <a:lstStyle/>
+          <a:p>
+            <a:pPr algn="ctr"/>
+            <a:endParaRPr lang="en-US"/>
+          </a:p>
+        </p:txBody>
+      </p:sp>
+      <p:sp>
+        <p:nvSpPr>
+          <p:cNvPr id="48" name="Oval 47"/>
+          <p:cNvSpPr/>
+          <p:nvPr/>
+        </p:nvSpPr>
+        <p:spPr>
+          <a:xfrm>
+            <a:off x="6666728" y="4217110"/>
+            <a:ext cx="115815" cy="115815"/>
+          </a:xfrm>
+          <a:prstGeom prst="ellipse">
+            <a:avLst/>
+          </a:prstGeom>
+          <a:solidFill>
+            <a:srgbClr val="38F838"/>
+          </a:solidFill>
+          <a:ln w="19050">
+            <a:solidFill>
+              <a:srgbClr val="0000FF"/>
+            </a:solidFill>
+          </a:ln>
+        </p:spPr>
+        <p:style>
+          <a:lnRef idx="2">
+            <a:schemeClr val="accent1">
+              <a:shade val="50000"/>
+            </a:schemeClr>
+          </a:lnRef>
+          <a:fillRef idx="1">
+            <a:schemeClr val="accent1"/>
+          </a:fillRef>
+          <a:effectRef idx="0">
+            <a:schemeClr val="accent1"/>
+          </a:effectRef>
+          <a:fontRef idx="minor">
+            <a:schemeClr val="lt1"/>
+          </a:fontRef>
+        </p:style>
+        <p:txBody>
+          <a:bodyPr rtlCol="0" anchor="ctr"/>
+          <a:lstStyle/>
+          <a:p>
+            <a:pPr algn="ctr"/>
+            <a:endParaRPr lang="en-US"/>
+          </a:p>
+        </p:txBody>
+      </p:sp>
+      <p:sp>
+        <p:nvSpPr>
+          <p:cNvPr id="49" name="Oval 48"/>
+          <p:cNvSpPr/>
+          <p:nvPr/>
+        </p:nvSpPr>
+        <p:spPr>
+          <a:xfrm>
+            <a:off x="6515606" y="3247861"/>
+            <a:ext cx="115815" cy="115815"/>
+          </a:xfrm>
+          <a:prstGeom prst="ellipse">
+            <a:avLst/>
+          </a:prstGeom>
+          <a:solidFill>
+            <a:srgbClr val="38F838"/>
+          </a:solidFill>
+          <a:ln w="19050">
+            <a:solidFill>
+              <a:srgbClr val="0000FF"/>
+            </a:solidFill>
+          </a:ln>
+        </p:spPr>
+        <p:style>
+          <a:lnRef idx="2">
+            <a:schemeClr val="accent1">
+              <a:shade val="50000"/>
+            </a:schemeClr>
+          </a:lnRef>
+          <a:fillRef idx="1">
+            <a:schemeClr val="accent1"/>
+          </a:fillRef>
+          <a:effectRef idx="0">
+            <a:schemeClr val="accent1"/>
+          </a:effectRef>
+          <a:fontRef idx="minor">
+            <a:schemeClr val="lt1"/>
+          </a:fontRef>
+        </p:style>
+        <p:txBody>
+          <a:bodyPr rtlCol="0" anchor="ctr"/>
+          <a:lstStyle/>
+          <a:p>
+            <a:pPr algn="ctr"/>
+            <a:endParaRPr lang="en-US"/>
+          </a:p>
+        </p:txBody>
+      </p:sp>
+      <p:sp>
+        <p:nvSpPr>
+          <p:cNvPr id="50" name="Oval 49"/>
+          <p:cNvSpPr/>
+          <p:nvPr/>
+        </p:nvSpPr>
+        <p:spPr>
+          <a:xfrm>
+            <a:off x="5711603" y="3741952"/>
+            <a:ext cx="115815" cy="115815"/>
+          </a:xfrm>
+          <a:prstGeom prst="ellipse">
+            <a:avLst/>
+          </a:prstGeom>
+          <a:solidFill>
+            <a:srgbClr val="38F838"/>
+          </a:solidFill>
+          <a:ln w="19050">
+            <a:solidFill>
+              <a:srgbClr val="0000FF"/>
+            </a:solidFill>
+          </a:ln>
+        </p:spPr>
+        <p:style>
+          <a:lnRef idx="2">
+            <a:schemeClr val="accent1">
+              <a:shade val="50000"/>
+            </a:schemeClr>
+          </a:lnRef>
+          <a:fillRef idx="1">
+            <a:schemeClr val="accent1"/>
+          </a:fillRef>
+          <a:effectRef idx="0">
+            <a:schemeClr val="accent1"/>
+          </a:effectRef>
+          <a:fontRef idx="minor">
+            <a:schemeClr val="lt1"/>
+          </a:fontRef>
+        </p:style>
+        <p:txBody>
+          <a:bodyPr rtlCol="0" anchor="ctr"/>
+          <a:lstStyle/>
+          <a:p>
+            <a:pPr algn="ctr"/>
+            <a:endParaRPr lang="en-US"/>
+          </a:p>
+        </p:txBody>
+      </p:sp>
+      <p:sp>
+        <p:nvSpPr>
+          <p:cNvPr id="51" name="Oval 50"/>
+          <p:cNvSpPr/>
+          <p:nvPr/>
+        </p:nvSpPr>
+        <p:spPr>
+          <a:xfrm>
+            <a:off x="6690337" y="3288996"/>
+            <a:ext cx="115815" cy="115815"/>
+          </a:xfrm>
+          <a:prstGeom prst="ellipse">
+            <a:avLst/>
+          </a:prstGeom>
+          <a:solidFill>
+            <a:srgbClr val="38F838"/>
+          </a:solidFill>
+          <a:ln w="19050">
+            <a:solidFill>
+              <a:srgbClr val="0000FF"/>
+            </a:solidFill>
+          </a:ln>
+        </p:spPr>
+        <p:style>
+          <a:lnRef idx="2">
+            <a:schemeClr val="accent1">
+              <a:shade val="50000"/>
+            </a:schemeClr>
+          </a:lnRef>
+          <a:fillRef idx="1">
+            <a:schemeClr val="accent1"/>
+          </a:fillRef>
+          <a:effectRef idx="0">
+            <a:schemeClr val="accent1"/>
+          </a:effectRef>
+          <a:fontRef idx="minor">
+            <a:schemeClr val="lt1"/>
+          </a:fontRef>
+        </p:style>
+        <p:txBody>
+          <a:bodyPr rtlCol="0" anchor="ctr"/>
+          <a:lstStyle/>
+          <a:p>
+            <a:pPr algn="ctr"/>
+            <a:endParaRPr lang="en-US"/>
+          </a:p>
+        </p:txBody>
+      </p:sp>
+      <p:sp>
+        <p:nvSpPr>
+          <p:cNvPr id="52" name="Oval 51"/>
+          <p:cNvSpPr/>
+          <p:nvPr/>
+        </p:nvSpPr>
+        <p:spPr>
+          <a:xfrm>
+            <a:off x="6666728" y="4592572"/>
+            <a:ext cx="115815" cy="115815"/>
+          </a:xfrm>
+          <a:prstGeom prst="ellipse">
+            <a:avLst/>
+          </a:prstGeom>
+          <a:solidFill>
+            <a:srgbClr val="38F838"/>
+          </a:solidFill>
+          <a:ln w="19050">
+            <a:solidFill>
+              <a:srgbClr val="0000FF"/>
+            </a:solidFill>
+          </a:ln>
+        </p:spPr>
+        <p:style>
+          <a:lnRef idx="2">
+            <a:schemeClr val="accent1">
+              <a:shade val="50000"/>
+            </a:schemeClr>
+          </a:lnRef>
+          <a:fillRef idx="1">
+            <a:schemeClr val="accent1"/>
+          </a:fillRef>
+          <a:effectRef idx="0">
+            <a:schemeClr val="accent1"/>
+          </a:effectRef>
+          <a:fontRef idx="minor">
+            <a:schemeClr val="lt1"/>
+          </a:fontRef>
+        </p:style>
+        <p:txBody>
+          <a:bodyPr rtlCol="0" anchor="ctr"/>
+          <a:lstStyle/>
+          <a:p>
+            <a:pPr algn="ctr"/>
+            <a:endParaRPr lang="en-US"/>
+          </a:p>
+        </p:txBody>
+      </p:sp>
+      <p:sp>
+        <p:nvSpPr>
+          <p:cNvPr id="53" name="Oval 52"/>
+          <p:cNvSpPr/>
+          <p:nvPr/>
+        </p:nvSpPr>
+        <p:spPr>
+          <a:xfrm>
+            <a:off x="6550913" y="4650479"/>
+            <a:ext cx="115815" cy="115815"/>
+          </a:xfrm>
+          <a:prstGeom prst="ellipse">
+            <a:avLst/>
+          </a:prstGeom>
+          <a:solidFill>
+            <a:srgbClr val="38F838"/>
+          </a:solidFill>
+          <a:ln w="19050">
+            <a:solidFill>
+              <a:srgbClr val="0000FF"/>
+            </a:solidFill>
+          </a:ln>
+        </p:spPr>
+        <p:style>
+          <a:lnRef idx="2">
+            <a:schemeClr val="accent1">
+              <a:shade val="50000"/>
+            </a:schemeClr>
+          </a:lnRef>
+          <a:fillRef idx="1">
+            <a:schemeClr val="accent1"/>
+          </a:fillRef>
+          <a:effectRef idx="0">
+            <a:schemeClr val="accent1"/>
+          </a:effectRef>
+          <a:fontRef idx="minor">
+            <a:schemeClr val="lt1"/>
+          </a:fontRef>
+        </p:style>
+        <p:txBody>
+          <a:bodyPr rtlCol="0" anchor="ctr"/>
+          <a:lstStyle/>
+          <a:p>
+            <a:pPr algn="ctr"/>
+            <a:endParaRPr lang="en-US"/>
+          </a:p>
+        </p:txBody>
+      </p:sp>
+      <p:sp>
+        <p:nvSpPr>
+          <p:cNvPr id="54" name="Oval 53"/>
+          <p:cNvSpPr/>
+          <p:nvPr/>
+        </p:nvSpPr>
+        <p:spPr>
+          <a:xfrm>
+            <a:off x="6695620" y="4766294"/>
+            <a:ext cx="115815" cy="115815"/>
+          </a:xfrm>
+          <a:prstGeom prst="ellipse">
+            <a:avLst/>
+          </a:prstGeom>
+          <a:solidFill>
+            <a:srgbClr val="38F838"/>
+          </a:solidFill>
+          <a:ln w="19050">
+            <a:solidFill>
+              <a:srgbClr val="0000FF"/>
+            </a:solidFill>
+          </a:ln>
+        </p:spPr>
+        <p:style>
+          <a:lnRef idx="2">
+            <a:schemeClr val="accent1">
+              <a:shade val="50000"/>
+            </a:schemeClr>
+          </a:lnRef>
+          <a:fillRef idx="1">
+            <a:schemeClr val="accent1"/>
+          </a:fillRef>
+          <a:effectRef idx="0">
+            <a:schemeClr val="accent1"/>
+          </a:effectRef>
+          <a:fontRef idx="minor">
+            <a:schemeClr val="lt1"/>
+          </a:fontRef>
+        </p:style>
+        <p:txBody>
+          <a:bodyPr rtlCol="0" anchor="ctr"/>
+          <a:lstStyle/>
+          <a:p>
+            <a:pPr algn="ctr"/>
+            <a:endParaRPr lang="en-US"/>
+          </a:p>
+        </p:txBody>
+      </p:sp>
+      <p:sp>
+        <p:nvSpPr>
+          <p:cNvPr id="55" name="Oval 54"/>
+          <p:cNvSpPr/>
+          <p:nvPr/>
+        </p:nvSpPr>
+        <p:spPr>
+          <a:xfrm>
+            <a:off x="6666066" y="5561820"/>
+            <a:ext cx="115815" cy="115815"/>
+          </a:xfrm>
+          <a:prstGeom prst="ellipse">
+            <a:avLst/>
+          </a:prstGeom>
+          <a:solidFill>
+            <a:srgbClr val="38F838"/>
+          </a:solidFill>
+          <a:ln w="19050">
+            <a:solidFill>
+              <a:srgbClr val="0000FF"/>
+            </a:solidFill>
+          </a:ln>
+        </p:spPr>
+        <p:style>
+          <a:lnRef idx="2">
+            <a:schemeClr val="accent1">
+              <a:shade val="50000"/>
+            </a:schemeClr>
+          </a:lnRef>
+          <a:fillRef idx="1">
+            <a:schemeClr val="accent1"/>
+          </a:fillRef>
+          <a:effectRef idx="0">
+            <a:schemeClr val="accent1"/>
+          </a:effectRef>
+          <a:fontRef idx="minor">
+            <a:schemeClr val="lt1"/>
+          </a:fontRef>
+        </p:style>
+        <p:txBody>
+          <a:bodyPr rtlCol="0" anchor="ctr"/>
+          <a:lstStyle/>
+          <a:p>
+            <a:pPr algn="ctr"/>
+            <a:endParaRPr lang="en-US"/>
+          </a:p>
+        </p:txBody>
+      </p:sp>
+      <p:sp>
+        <p:nvSpPr>
+          <p:cNvPr id="56" name="Oval 55"/>
+          <p:cNvSpPr/>
+          <p:nvPr/>
+        </p:nvSpPr>
+        <p:spPr>
+          <a:xfrm>
+            <a:off x="6666065" y="5437988"/>
+            <a:ext cx="115815" cy="115815"/>
+          </a:xfrm>
+          <a:prstGeom prst="ellipse">
+            <a:avLst/>
+          </a:prstGeom>
+          <a:solidFill>
+            <a:srgbClr val="38F838"/>
+          </a:solidFill>
+          <a:ln w="19050">
+            <a:solidFill>
+              <a:srgbClr val="0000FF"/>
+            </a:solidFill>
+          </a:ln>
+        </p:spPr>
+        <p:style>
+          <a:lnRef idx="2">
+            <a:schemeClr val="accent1">
+              <a:shade val="50000"/>
+            </a:schemeClr>
+          </a:lnRef>
+          <a:fillRef idx="1">
+            <a:schemeClr val="accent1"/>
+          </a:fillRef>
+          <a:effectRef idx="0">
+            <a:schemeClr val="accent1"/>
+          </a:effectRef>
+          <a:fontRef idx="minor">
+            <a:schemeClr val="lt1"/>
+          </a:fontRef>
+        </p:style>
+        <p:txBody>
+          <a:bodyPr rtlCol="0" anchor="ctr"/>
+          <a:lstStyle/>
+          <a:p>
+            <a:pPr algn="ctr"/>
+            <a:endParaRPr lang="en-US"/>
+          </a:p>
+        </p:txBody>
+      </p:sp>
+      <p:sp>
+        <p:nvSpPr>
+          <p:cNvPr id="57" name="Oval 56"/>
+          <p:cNvSpPr/>
+          <p:nvPr/>
+        </p:nvSpPr>
+        <p:spPr>
+          <a:xfrm>
+            <a:off x="6666064" y="5278229"/>
+            <a:ext cx="115815" cy="115815"/>
+          </a:xfrm>
+          <a:prstGeom prst="ellipse">
+            <a:avLst/>
+          </a:prstGeom>
+          <a:solidFill>
+            <a:srgbClr val="38F838"/>
+          </a:solidFill>
+          <a:ln w="19050">
+            <a:solidFill>
+              <a:srgbClr val="0000FF"/>
+            </a:solidFill>
+          </a:ln>
+        </p:spPr>
+        <p:style>
+          <a:lnRef idx="2">
+            <a:schemeClr val="accent1">
+              <a:shade val="50000"/>
+            </a:schemeClr>
+          </a:lnRef>
+          <a:fillRef idx="1">
+            <a:schemeClr val="accent1"/>
+          </a:fillRef>
+          <a:effectRef idx="0">
+            <a:schemeClr val="accent1"/>
+          </a:effectRef>
+          <a:fontRef idx="minor">
+            <a:schemeClr val="lt1"/>
+          </a:fontRef>
+        </p:style>
+        <p:txBody>
+          <a:bodyPr rtlCol="0" anchor="ctr"/>
+          <a:lstStyle/>
+          <a:p>
+            <a:pPr algn="ctr"/>
+            <a:endParaRPr lang="en-US"/>
+          </a:p>
+        </p:txBody>
+      </p:sp>
+      <p:sp>
+        <p:nvSpPr>
+          <p:cNvPr id="58" name="Oval 57"/>
+          <p:cNvSpPr/>
+          <p:nvPr/>
+        </p:nvSpPr>
+        <p:spPr>
+          <a:xfrm>
+            <a:off x="6667678" y="5135198"/>
+            <a:ext cx="115815" cy="115815"/>
+          </a:xfrm>
+          <a:prstGeom prst="ellipse">
+            <a:avLst/>
+          </a:prstGeom>
+          <a:solidFill>
+            <a:srgbClr val="38F838"/>
+          </a:solidFill>
+          <a:ln w="19050">
+            <a:solidFill>
+              <a:srgbClr val="0000FF"/>
+            </a:solidFill>
+          </a:ln>
+        </p:spPr>
+        <p:style>
+          <a:lnRef idx="2">
+            <a:schemeClr val="accent1">
+              <a:shade val="50000"/>
+            </a:schemeClr>
+          </a:lnRef>
+          <a:fillRef idx="1">
+            <a:schemeClr val="accent1"/>
+          </a:fillRef>
+          <a:effectRef idx="0">
+            <a:schemeClr val="accent1"/>
+          </a:effectRef>
+          <a:fontRef idx="minor">
+            <a:schemeClr val="lt1"/>
+          </a:fontRef>
+        </p:style>
+        <p:txBody>
+          <a:bodyPr rtlCol="0" anchor="ctr"/>
+          <a:lstStyle/>
+          <a:p>
+            <a:pPr algn="ctr"/>
+            <a:endParaRPr lang="en-US"/>
+          </a:p>
+        </p:txBody>
+      </p:sp>
+      <p:sp>
+        <p:nvSpPr>
+          <p:cNvPr id="59" name="Oval 58"/>
+          <p:cNvSpPr/>
+          <p:nvPr/>
+        </p:nvSpPr>
+        <p:spPr>
+          <a:xfrm>
+            <a:off x="6667678" y="4986326"/>
+            <a:ext cx="115815" cy="115815"/>
+          </a:xfrm>
+          <a:prstGeom prst="ellipse">
+            <a:avLst/>
+          </a:prstGeom>
+          <a:solidFill>
+            <a:srgbClr val="38F838"/>
+          </a:solidFill>
+          <a:ln w="19050">
+            <a:solidFill>
+              <a:srgbClr val="0000FF"/>
+            </a:solidFill>
+          </a:ln>
+        </p:spPr>
+        <p:style>
+          <a:lnRef idx="2">
+            <a:schemeClr val="accent1">
+              <a:shade val="50000"/>
+            </a:schemeClr>
+          </a:lnRef>
+          <a:fillRef idx="1">
+            <a:schemeClr val="accent1"/>
+          </a:fillRef>
+          <a:effectRef idx="0">
+            <a:schemeClr val="accent1"/>
+          </a:effectRef>
+          <a:fontRef idx="minor">
+            <a:schemeClr val="lt1"/>
+          </a:fontRef>
+        </p:style>
+        <p:txBody>
+          <a:bodyPr rtlCol="0" anchor="ctr"/>
+          <a:lstStyle/>
+          <a:p>
+            <a:pPr algn="ctr"/>
+            <a:endParaRPr lang="en-US"/>
+          </a:p>
+        </p:txBody>
+      </p:sp>
+      <p:sp>
+        <p:nvSpPr>
+          <p:cNvPr id="60" name="Oval 59"/>
+          <p:cNvSpPr/>
+          <p:nvPr/>
+        </p:nvSpPr>
+        <p:spPr>
+          <a:xfrm>
+            <a:off x="6545439" y="5336136"/>
+            <a:ext cx="115815" cy="115815"/>
+          </a:xfrm>
+          <a:prstGeom prst="ellipse">
+            <a:avLst/>
+          </a:prstGeom>
+          <a:solidFill>
+            <a:srgbClr val="38F838"/>
+          </a:solidFill>
+          <a:ln w="19050">
+            <a:solidFill>
+              <a:srgbClr val="0000FF"/>
+            </a:solidFill>
+          </a:ln>
+        </p:spPr>
+        <p:style>
+          <a:lnRef idx="2">
+            <a:schemeClr val="accent1">
+              <a:shade val="50000"/>
+            </a:schemeClr>
+          </a:lnRef>
+          <a:fillRef idx="1">
+            <a:schemeClr val="accent1"/>
+          </a:fillRef>
+          <a:effectRef idx="0">
+            <a:schemeClr val="accent1"/>
+          </a:effectRef>
+          <a:fontRef idx="minor">
+            <a:schemeClr val="lt1"/>
+          </a:fontRef>
+        </p:style>
+        <p:txBody>
+          <a:bodyPr rtlCol="0" anchor="ctr"/>
+          <a:lstStyle/>
+          <a:p>
+            <a:pPr algn="ctr"/>
+            <a:endParaRPr lang="en-US"/>
+          </a:p>
+        </p:txBody>
+      </p:sp>
+      <p:sp>
+        <p:nvSpPr>
+          <p:cNvPr id="61" name="Oval 60"/>
+          <p:cNvSpPr/>
+          <p:nvPr/>
+        </p:nvSpPr>
+        <p:spPr>
+          <a:xfrm>
+            <a:off x="6545439" y="5171493"/>
+            <a:ext cx="115815" cy="115815"/>
+          </a:xfrm>
+          <a:prstGeom prst="ellipse">
+            <a:avLst/>
+          </a:prstGeom>
+          <a:solidFill>
+            <a:srgbClr val="38F838"/>
+          </a:solidFill>
+          <a:ln w="19050">
+            <a:solidFill>
+              <a:srgbClr val="0000FF"/>
+            </a:solidFill>
+          </a:ln>
+        </p:spPr>
+        <p:style>
+          <a:lnRef idx="2">
+            <a:schemeClr val="accent1">
+              <a:shade val="50000"/>
+            </a:schemeClr>
+          </a:lnRef>
+          <a:fillRef idx="1">
+            <a:schemeClr val="accent1"/>
+          </a:fillRef>
+          <a:effectRef idx="0">
+            <a:schemeClr val="accent1"/>
+          </a:effectRef>
+          <a:fontRef idx="minor">
+            <a:schemeClr val="lt1"/>
+          </a:fontRef>
+        </p:style>
+        <p:txBody>
+          <a:bodyPr rtlCol="0" anchor="ctr"/>
+          <a:lstStyle/>
+          <a:p>
+            <a:pPr algn="ctr"/>
+            <a:endParaRPr lang="en-US"/>
+          </a:p>
+        </p:txBody>
+      </p:sp>
+      <p:sp>
+        <p:nvSpPr>
+          <p:cNvPr id="62" name="Oval 61"/>
+          <p:cNvSpPr/>
+          <p:nvPr/>
+        </p:nvSpPr>
+        <p:spPr>
+          <a:xfrm>
+            <a:off x="6551863" y="4789449"/>
+            <a:ext cx="115815" cy="115815"/>
+          </a:xfrm>
+          <a:prstGeom prst="ellipse">
+            <a:avLst/>
+          </a:prstGeom>
+          <a:solidFill>
+            <a:srgbClr val="38F838"/>
+          </a:solidFill>
+          <a:ln w="19050">
+            <a:solidFill>
+              <a:srgbClr val="0000FF"/>
+            </a:solidFill>
+          </a:ln>
+        </p:spPr>
+        <p:style>
+          <a:lnRef idx="2">
+            <a:schemeClr val="accent1">
+              <a:shade val="50000"/>
+            </a:schemeClr>
+          </a:lnRef>
+          <a:fillRef idx="1">
+            <a:schemeClr val="accent1"/>
+          </a:fillRef>
+          <a:effectRef idx="0">
+            <a:schemeClr val="accent1"/>
+          </a:effectRef>
+          <a:fontRef idx="minor">
+            <a:schemeClr val="lt1"/>
+          </a:fontRef>
+        </p:style>
+        <p:txBody>
+          <a:bodyPr rtlCol="0" anchor="ctr"/>
+          <a:lstStyle/>
+          <a:p>
+            <a:pPr algn="ctr"/>
+            <a:endParaRPr lang="en-US"/>
+          </a:p>
+        </p:txBody>
+      </p:sp>
+      <p:sp>
+        <p:nvSpPr>
+          <p:cNvPr id="63" name="Oval 62"/>
+          <p:cNvSpPr/>
+          <p:nvPr/>
+        </p:nvSpPr>
+        <p:spPr>
+          <a:xfrm>
+            <a:off x="6545438" y="4916708"/>
+            <a:ext cx="115815" cy="115815"/>
+          </a:xfrm>
+          <a:prstGeom prst="ellipse">
+            <a:avLst/>
+          </a:prstGeom>
+          <a:solidFill>
+            <a:srgbClr val="38F838"/>
+          </a:solidFill>
+          <a:ln w="19050">
+            <a:solidFill>
+              <a:srgbClr val="0000FF"/>
+            </a:solidFill>
+          </a:ln>
+        </p:spPr>
+        <p:style>
+          <a:lnRef idx="2">
+            <a:schemeClr val="accent1">
+              <a:shade val="50000"/>
+            </a:schemeClr>
+          </a:lnRef>
+          <a:fillRef idx="1">
+            <a:schemeClr val="accent1"/>
+          </a:fillRef>
+          <a:effectRef idx="0">
+            <a:schemeClr val="accent1"/>
+          </a:effectRef>
+          <a:fontRef idx="minor">
+            <a:schemeClr val="lt1"/>
+          </a:fontRef>
+        </p:style>
+        <p:txBody>
+          <a:bodyPr rtlCol="0" anchor="ctr"/>
+          <a:lstStyle/>
+          <a:p>
+            <a:pPr algn="ctr"/>
+            <a:endParaRPr lang="en-US"/>
+          </a:p>
+        </p:txBody>
+      </p:sp>
+      <p:sp>
+        <p:nvSpPr>
+          <p:cNvPr id="64" name="Oval 63"/>
+          <p:cNvSpPr/>
+          <p:nvPr/>
+        </p:nvSpPr>
+        <p:spPr>
+          <a:xfrm>
+            <a:off x="6551863" y="5062792"/>
+            <a:ext cx="115815" cy="115815"/>
+          </a:xfrm>
+          <a:prstGeom prst="ellipse">
+            <a:avLst/>
+          </a:prstGeom>
+          <a:solidFill>
+            <a:srgbClr val="38F838"/>
+          </a:solidFill>
+          <a:ln w="19050">
+            <a:solidFill>
+              <a:srgbClr val="0000FF"/>
+            </a:solidFill>
+          </a:ln>
+        </p:spPr>
+        <p:style>
+          <a:lnRef idx="2">
+            <a:schemeClr val="accent1">
+              <a:shade val="50000"/>
+            </a:schemeClr>
+          </a:lnRef>
+          <a:fillRef idx="1">
+            <a:schemeClr val="accent1"/>
+          </a:fillRef>
+          <a:effectRef idx="0">
+            <a:schemeClr val="accent1"/>
+          </a:effectRef>
+          <a:fontRef idx="minor">
+            <a:schemeClr val="lt1"/>
+          </a:fontRef>
+        </p:style>
+        <p:txBody>
+          <a:bodyPr rtlCol="0" anchor="ctr"/>
+          <a:lstStyle/>
+          <a:p>
+            <a:pPr algn="ctr"/>
+            <a:endParaRPr lang="en-US" dirty="0"/>
+          </a:p>
+        </p:txBody>
+      </p:sp>
+      <p:sp>
+        <p:nvSpPr>
+          <p:cNvPr id="65" name="Oval 64"/>
+          <p:cNvSpPr/>
+          <p:nvPr/>
+        </p:nvSpPr>
+        <p:spPr>
+          <a:xfrm>
+            <a:off x="6399791" y="5120699"/>
+            <a:ext cx="115815" cy="115815"/>
+          </a:xfrm>
+          <a:prstGeom prst="ellipse">
+            <a:avLst/>
+          </a:prstGeom>
+          <a:solidFill>
+            <a:srgbClr val="38F838"/>
+          </a:solidFill>
+          <a:ln w="19050">
+            <a:solidFill>
+              <a:srgbClr val="0000FF"/>
+            </a:solidFill>
+          </a:ln>
+        </p:spPr>
+        <p:style>
+          <a:lnRef idx="2">
+            <a:schemeClr val="accent1">
+              <a:shade val="50000"/>
+            </a:schemeClr>
+          </a:lnRef>
+          <a:fillRef idx="1">
+            <a:schemeClr val="accent1"/>
+          </a:fillRef>
+          <a:effectRef idx="0">
+            <a:schemeClr val="accent1"/>
+          </a:effectRef>
+          <a:fontRef idx="minor">
+            <a:schemeClr val="lt1"/>
+          </a:fontRef>
+        </p:style>
+        <p:txBody>
+          <a:bodyPr rtlCol="0" anchor="ctr"/>
+          <a:lstStyle/>
+          <a:p>
+            <a:pPr algn="ctr"/>
+            <a:endParaRPr lang="en-US"/>
+          </a:p>
+        </p:txBody>
+      </p:sp>
+      <p:sp>
+        <p:nvSpPr>
+          <p:cNvPr id="66" name="Oval 65"/>
+          <p:cNvSpPr/>
+          <p:nvPr/>
+        </p:nvSpPr>
+        <p:spPr>
+          <a:xfrm>
+            <a:off x="6436048" y="4999030"/>
+            <a:ext cx="115815" cy="115815"/>
+          </a:xfrm>
+          <a:prstGeom prst="ellipse">
+            <a:avLst/>
+          </a:prstGeom>
+          <a:solidFill>
+            <a:srgbClr val="38F838"/>
+          </a:solidFill>
+          <a:ln w="19050">
+            <a:solidFill>
+              <a:srgbClr val="0000FF"/>
+            </a:solidFill>
+          </a:ln>
+        </p:spPr>
+        <p:style>
+          <a:lnRef idx="2">
+            <a:schemeClr val="accent1">
+              <a:shade val="50000"/>
+            </a:schemeClr>
+          </a:lnRef>
+          <a:fillRef idx="1">
+            <a:schemeClr val="accent1"/>
+          </a:fillRef>
+          <a:effectRef idx="0">
+            <a:schemeClr val="accent1"/>
+          </a:effectRef>
+          <a:fontRef idx="minor">
+            <a:schemeClr val="lt1"/>
+          </a:fontRef>
+        </p:style>
+        <p:txBody>
+          <a:bodyPr rtlCol="0" anchor="ctr"/>
+          <a:lstStyle/>
+          <a:p>
+            <a:pPr algn="ctr"/>
+            <a:endParaRPr lang="en-US"/>
+          </a:p>
+        </p:txBody>
+      </p:sp>
+      <p:sp>
+        <p:nvSpPr>
+          <p:cNvPr id="67" name="Oval 66"/>
+          <p:cNvSpPr/>
+          <p:nvPr/>
+        </p:nvSpPr>
+        <p:spPr>
+          <a:xfrm>
+            <a:off x="6436048" y="4847355"/>
+            <a:ext cx="115815" cy="115815"/>
+          </a:xfrm>
+          <a:prstGeom prst="ellipse">
+            <a:avLst/>
+          </a:prstGeom>
+          <a:solidFill>
+            <a:srgbClr val="38F838"/>
+          </a:solidFill>
+          <a:ln w="19050">
+            <a:solidFill>
+              <a:srgbClr val="0000FF"/>
+            </a:solidFill>
+          </a:ln>
+        </p:spPr>
+        <p:style>
+          <a:lnRef idx="2">
+            <a:schemeClr val="accent1">
+              <a:shade val="50000"/>
+            </a:schemeClr>
+          </a:lnRef>
+          <a:fillRef idx="1">
+            <a:schemeClr val="accent1"/>
+          </a:fillRef>
+          <a:effectRef idx="0">
+            <a:schemeClr val="accent1"/>
+          </a:effectRef>
+          <a:fontRef idx="minor">
+            <a:schemeClr val="lt1"/>
+          </a:fontRef>
+        </p:style>
+        <p:txBody>
+          <a:bodyPr rtlCol="0" anchor="ctr"/>
+          <a:lstStyle/>
+          <a:p>
+            <a:pPr algn="ctr"/>
+            <a:endParaRPr lang="en-US"/>
+          </a:p>
+        </p:txBody>
+      </p:sp>
+      <p:sp>
+        <p:nvSpPr>
+          <p:cNvPr id="68" name="Oval 67"/>
+          <p:cNvSpPr/>
+          <p:nvPr/>
+        </p:nvSpPr>
+        <p:spPr>
+          <a:xfrm>
+            <a:off x="6429623" y="4719962"/>
+            <a:ext cx="115815" cy="115815"/>
+          </a:xfrm>
+          <a:prstGeom prst="ellipse">
+            <a:avLst/>
+          </a:prstGeom>
+          <a:solidFill>
+            <a:srgbClr val="38F838"/>
+          </a:solidFill>
+          <a:ln w="19050">
+            <a:solidFill>
+              <a:srgbClr val="0000FF"/>
+            </a:solidFill>
+          </a:ln>
+        </p:spPr>
+        <p:style>
+          <a:lnRef idx="2">
+            <a:schemeClr val="accent1">
+              <a:shade val="50000"/>
+            </a:schemeClr>
+          </a:lnRef>
+          <a:fillRef idx="1">
+            <a:schemeClr val="accent1"/>
+          </a:fillRef>
+          <a:effectRef idx="0">
+            <a:schemeClr val="accent1"/>
+          </a:effectRef>
+          <a:fontRef idx="minor">
+            <a:schemeClr val="lt1"/>
+          </a:fontRef>
+        </p:style>
+        <p:txBody>
+          <a:bodyPr rtlCol="0" anchor="ctr"/>
+          <a:lstStyle/>
+          <a:p>
+            <a:pPr algn="ctr"/>
+            <a:endParaRPr lang="en-US"/>
+          </a:p>
+        </p:txBody>
+      </p:sp>
+      <p:sp>
+        <p:nvSpPr>
+          <p:cNvPr id="69" name="Oval 68"/>
+          <p:cNvSpPr/>
+          <p:nvPr/>
+        </p:nvSpPr>
+        <p:spPr>
+          <a:xfrm>
+            <a:off x="6283976" y="5054011"/>
+            <a:ext cx="115815" cy="115815"/>
+          </a:xfrm>
+          <a:prstGeom prst="ellipse">
+            <a:avLst/>
+          </a:prstGeom>
+          <a:solidFill>
+            <a:srgbClr val="38F838"/>
+          </a:solidFill>
+          <a:ln w="19050">
+            <a:solidFill>
+              <a:srgbClr val="0000FF"/>
+            </a:solidFill>
+          </a:ln>
+        </p:spPr>
+        <p:style>
+          <a:lnRef idx="2">
+            <a:schemeClr val="accent1">
+              <a:shade val="50000"/>
+            </a:schemeClr>
+          </a:lnRef>
+          <a:fillRef idx="1">
+            <a:schemeClr val="accent1"/>
+          </a:fillRef>
+          <a:effectRef idx="0">
+            <a:schemeClr val="accent1"/>
+          </a:effectRef>
+          <a:fontRef idx="minor">
+            <a:schemeClr val="lt1"/>
+          </a:fontRef>
+        </p:style>
+        <p:txBody>
+          <a:bodyPr rtlCol="0" anchor="ctr"/>
+          <a:lstStyle/>
+          <a:p>
+            <a:pPr algn="ctr"/>
+            <a:endParaRPr lang="en-US"/>
+          </a:p>
+        </p:txBody>
+      </p:sp>
+      <p:sp>
+        <p:nvSpPr>
+          <p:cNvPr id="70" name="Oval 69"/>
+          <p:cNvSpPr/>
+          <p:nvPr/>
+        </p:nvSpPr>
+        <p:spPr>
+          <a:xfrm>
+            <a:off x="6317020" y="4936106"/>
+            <a:ext cx="115815" cy="115815"/>
+          </a:xfrm>
+          <a:prstGeom prst="ellipse">
+            <a:avLst/>
+          </a:prstGeom>
+          <a:solidFill>
+            <a:srgbClr val="38F838"/>
+          </a:solidFill>
+          <a:ln w="19050">
+            <a:solidFill>
+              <a:srgbClr val="0000FF"/>
+            </a:solidFill>
+          </a:ln>
+        </p:spPr>
+        <p:style>
+          <a:lnRef idx="2">
+            <a:schemeClr val="accent1">
+              <a:shade val="50000"/>
+            </a:schemeClr>
+          </a:lnRef>
+          <a:fillRef idx="1">
+            <a:schemeClr val="accent1"/>
+          </a:fillRef>
+          <a:effectRef idx="0">
+            <a:schemeClr val="accent1"/>
+          </a:effectRef>
+          <a:fontRef idx="minor">
+            <a:schemeClr val="lt1"/>
+          </a:fontRef>
+        </p:style>
+        <p:txBody>
+          <a:bodyPr rtlCol="0" anchor="ctr"/>
+          <a:lstStyle/>
+          <a:p>
+            <a:pPr algn="ctr"/>
+            <a:endParaRPr lang="en-US"/>
+          </a:p>
+        </p:txBody>
+      </p:sp>
+      <p:sp>
+        <p:nvSpPr>
+          <p:cNvPr id="71" name="Oval 70"/>
+          <p:cNvSpPr/>
+          <p:nvPr/>
+        </p:nvSpPr>
+        <p:spPr>
+          <a:xfrm>
+            <a:off x="6322690" y="4790919"/>
+            <a:ext cx="115815" cy="115815"/>
+          </a:xfrm>
+          <a:prstGeom prst="ellipse">
+            <a:avLst/>
+          </a:prstGeom>
+          <a:solidFill>
+            <a:srgbClr val="38F838"/>
+          </a:solidFill>
+          <a:ln w="19050">
+            <a:solidFill>
+              <a:srgbClr val="0000FF"/>
+            </a:solidFill>
+          </a:ln>
+        </p:spPr>
+        <p:style>
+          <a:lnRef idx="2">
+            <a:schemeClr val="accent1">
+              <a:shade val="50000"/>
+            </a:schemeClr>
+          </a:lnRef>
+          <a:fillRef idx="1">
+            <a:schemeClr val="accent1"/>
+          </a:fillRef>
+          <a:effectRef idx="0">
+            <a:schemeClr val="accent1"/>
+          </a:effectRef>
+          <a:fontRef idx="minor">
+            <a:schemeClr val="lt1"/>
+          </a:fontRef>
+        </p:style>
+        <p:txBody>
+          <a:bodyPr rtlCol="0" anchor="ctr"/>
+          <a:lstStyle/>
+          <a:p>
+            <a:pPr algn="ctr"/>
+            <a:endParaRPr lang="en-US"/>
+          </a:p>
+        </p:txBody>
+      </p:sp>
+      <p:sp>
+        <p:nvSpPr>
+          <p:cNvPr id="72" name="Oval 71"/>
+          <p:cNvSpPr/>
+          <p:nvPr/>
+        </p:nvSpPr>
+        <p:spPr>
+          <a:xfrm>
+            <a:off x="6137448" y="4984659"/>
+            <a:ext cx="115815" cy="115815"/>
+          </a:xfrm>
+          <a:prstGeom prst="ellipse">
+            <a:avLst/>
+          </a:prstGeom>
+          <a:solidFill>
+            <a:srgbClr val="38F838"/>
+          </a:solidFill>
+          <a:ln w="19050">
+            <a:solidFill>
+              <a:srgbClr val="0000FF"/>
+            </a:solidFill>
+          </a:ln>
+        </p:spPr>
+        <p:style>
+          <a:lnRef idx="2">
+            <a:schemeClr val="accent1">
+              <a:shade val="50000"/>
+            </a:schemeClr>
+          </a:lnRef>
+          <a:fillRef idx="1">
+            <a:schemeClr val="accent1"/>
+          </a:fillRef>
+          <a:effectRef idx="0">
+            <a:schemeClr val="accent1"/>
+          </a:effectRef>
+          <a:fontRef idx="minor">
+            <a:schemeClr val="lt1"/>
+          </a:fontRef>
+        </p:style>
+        <p:txBody>
+          <a:bodyPr rtlCol="0" anchor="ctr"/>
+          <a:lstStyle/>
+          <a:p>
+            <a:pPr algn="ctr"/>
+            <a:endParaRPr lang="en-US"/>
+          </a:p>
+        </p:txBody>
+      </p:sp>
+      <p:sp>
+        <p:nvSpPr>
+          <p:cNvPr id="73" name="Oval 72"/>
+          <p:cNvSpPr/>
+          <p:nvPr/>
+        </p:nvSpPr>
+        <p:spPr>
+          <a:xfrm>
+            <a:off x="6208270" y="4873182"/>
+            <a:ext cx="115815" cy="115815"/>
+          </a:xfrm>
+          <a:prstGeom prst="ellipse">
+            <a:avLst/>
+          </a:prstGeom>
+          <a:solidFill>
+            <a:srgbClr val="38F838"/>
+          </a:solidFill>
+          <a:ln w="19050">
+            <a:solidFill>
+              <a:srgbClr val="0000FF"/>
+            </a:solidFill>
+          </a:ln>
+        </p:spPr>
+        <p:style>
+          <a:lnRef idx="2">
+            <a:schemeClr val="accent1">
+              <a:shade val="50000"/>
+            </a:schemeClr>
+          </a:lnRef>
+          <a:fillRef idx="1">
+            <a:schemeClr val="accent1"/>
+          </a:fillRef>
+          <a:effectRef idx="0">
+            <a:schemeClr val="accent1"/>
+          </a:effectRef>
+          <a:fontRef idx="minor">
+            <a:schemeClr val="lt1"/>
+          </a:fontRef>
+        </p:style>
+        <p:txBody>
+          <a:bodyPr rtlCol="0" anchor="ctr"/>
+          <a:lstStyle/>
+          <a:p>
+            <a:pPr algn="ctr"/>
+            <a:endParaRPr lang="en-US"/>
+          </a:p>
+        </p:txBody>
+      </p:sp>
+      <p:sp>
+        <p:nvSpPr>
+          <p:cNvPr id="74" name="Oval 73"/>
+          <p:cNvSpPr/>
+          <p:nvPr/>
+        </p:nvSpPr>
+        <p:spPr>
+          <a:xfrm>
+            <a:off x="6074754" y="4815274"/>
+            <a:ext cx="115815" cy="115815"/>
+          </a:xfrm>
+          <a:prstGeom prst="ellipse">
+            <a:avLst/>
+          </a:prstGeom>
+          <a:solidFill>
+            <a:srgbClr val="38F838"/>
+          </a:solidFill>
+          <a:ln w="19050">
+            <a:solidFill>
+              <a:srgbClr val="0000FF"/>
+            </a:solidFill>
+          </a:ln>
+        </p:spPr>
+        <p:style>
+          <a:lnRef idx="2">
+            <a:schemeClr val="accent1">
+              <a:shade val="50000"/>
+            </a:schemeClr>
+          </a:lnRef>
+          <a:fillRef idx="1">
+            <a:schemeClr val="accent1"/>
+          </a:fillRef>
+          <a:effectRef idx="0">
+            <a:schemeClr val="accent1"/>
+          </a:effectRef>
+          <a:fontRef idx="minor">
+            <a:schemeClr val="lt1"/>
+          </a:fontRef>
+        </p:style>
+        <p:txBody>
+          <a:bodyPr rtlCol="0" anchor="ctr"/>
+          <a:lstStyle/>
+          <a:p>
+            <a:pPr algn="ctr"/>
+            <a:endParaRPr lang="en-US"/>
+          </a:p>
+        </p:txBody>
+      </p:sp>
+      <p:sp>
+        <p:nvSpPr>
+          <p:cNvPr id="75" name="Oval 74"/>
+          <p:cNvSpPr/>
+          <p:nvPr/>
+        </p:nvSpPr>
+        <p:spPr>
+          <a:xfrm>
+            <a:off x="5884620" y="4776573"/>
+            <a:ext cx="115815" cy="115815"/>
+          </a:xfrm>
+          <a:prstGeom prst="ellipse">
+            <a:avLst/>
+          </a:prstGeom>
+          <a:solidFill>
+            <a:srgbClr val="38F838"/>
+          </a:solidFill>
+          <a:ln w="19050">
+            <a:solidFill>
+              <a:srgbClr val="0000FF"/>
+            </a:solidFill>
+          </a:ln>
+        </p:spPr>
+        <p:style>
+          <a:lnRef idx="2">
+            <a:schemeClr val="accent1">
+              <a:shade val="50000"/>
+            </a:schemeClr>
+          </a:lnRef>
+          <a:fillRef idx="1">
+            <a:schemeClr val="accent1"/>
+          </a:fillRef>
+          <a:effectRef idx="0">
+            <a:schemeClr val="accent1"/>
+          </a:effectRef>
+          <a:fontRef idx="minor">
+            <a:schemeClr val="lt1"/>
+          </a:fontRef>
+        </p:style>
+        <p:txBody>
+          <a:bodyPr rtlCol="0" anchor="ctr"/>
+          <a:lstStyle/>
+          <a:p>
+            <a:pPr algn="ctr"/>
+            <a:endParaRPr lang="en-US"/>
+          </a:p>
+        </p:txBody>
+      </p:sp>
+      <p:sp>
+        <p:nvSpPr>
+          <p:cNvPr id="76" name="Oval 75"/>
+          <p:cNvSpPr/>
+          <p:nvPr/>
+        </p:nvSpPr>
+        <p:spPr>
+          <a:xfrm>
+            <a:off x="5714859" y="4806396"/>
+            <a:ext cx="115815" cy="115815"/>
+          </a:xfrm>
+          <a:prstGeom prst="ellipse">
+            <a:avLst/>
+          </a:prstGeom>
+          <a:solidFill>
+            <a:srgbClr val="38F838"/>
+          </a:solidFill>
+          <a:ln w="19050">
+            <a:solidFill>
+              <a:srgbClr val="0000FF"/>
+            </a:solidFill>
+          </a:ln>
+        </p:spPr>
+        <p:style>
+          <a:lnRef idx="2">
+            <a:schemeClr val="accent1">
+              <a:shade val="50000"/>
+            </a:schemeClr>
+          </a:lnRef>
+          <a:fillRef idx="1">
+            <a:schemeClr val="accent1"/>
+          </a:fillRef>
+          <a:effectRef idx="0">
+            <a:schemeClr val="accent1"/>
+          </a:effectRef>
+          <a:fontRef idx="minor">
+            <a:schemeClr val="lt1"/>
+          </a:fontRef>
+        </p:style>
+        <p:txBody>
+          <a:bodyPr rtlCol="0" anchor="ctr"/>
+          <a:lstStyle/>
+          <a:p>
+            <a:pPr algn="ctr"/>
+            <a:endParaRPr lang="en-US"/>
+          </a:p>
+        </p:txBody>
+      </p:sp>
+      <p:sp>
+        <p:nvSpPr>
+          <p:cNvPr id="77" name="Oval 76"/>
+          <p:cNvSpPr/>
+          <p:nvPr/>
+        </p:nvSpPr>
+        <p:spPr>
+          <a:xfrm>
+            <a:off x="5711603" y="4676170"/>
+            <a:ext cx="115815" cy="115815"/>
+          </a:xfrm>
+          <a:prstGeom prst="ellipse">
+            <a:avLst/>
+          </a:prstGeom>
+          <a:solidFill>
+            <a:srgbClr val="38F838"/>
+          </a:solidFill>
+          <a:ln w="19050">
+            <a:solidFill>
+              <a:srgbClr val="0000FF"/>
+            </a:solidFill>
+          </a:ln>
+        </p:spPr>
+        <p:style>
+          <a:lnRef idx="2">
+            <a:schemeClr val="accent1">
+              <a:shade val="50000"/>
+            </a:schemeClr>
+          </a:lnRef>
+          <a:fillRef idx="1">
+            <a:schemeClr val="accent1"/>
+          </a:fillRef>
+          <a:effectRef idx="0">
+            <a:schemeClr val="accent1"/>
+          </a:effectRef>
+          <a:fontRef idx="minor">
+            <a:schemeClr val="lt1"/>
+          </a:fontRef>
+        </p:style>
+        <p:txBody>
+          <a:bodyPr rtlCol="0" anchor="ctr"/>
+          <a:lstStyle/>
+          <a:p>
+            <a:pPr algn="ctr"/>
+            <a:endParaRPr lang="en-US"/>
+          </a:p>
+        </p:txBody>
+      </p:sp>
+      <p:sp>
+        <p:nvSpPr>
+          <p:cNvPr id="78" name="Oval 77"/>
+          <p:cNvSpPr/>
+          <p:nvPr/>
+        </p:nvSpPr>
+        <p:spPr>
+          <a:xfrm>
+            <a:off x="5535376" y="4688151"/>
+            <a:ext cx="115815" cy="115815"/>
+          </a:xfrm>
+          <a:prstGeom prst="ellipse">
+            <a:avLst/>
+          </a:prstGeom>
+          <a:solidFill>
+            <a:srgbClr val="38F838"/>
+          </a:solidFill>
+          <a:ln w="19050">
+            <a:solidFill>
+              <a:srgbClr val="0000FF"/>
+            </a:solidFill>
+          </a:ln>
+        </p:spPr>
+        <p:style>
+          <a:lnRef idx="2">
+            <a:schemeClr val="accent1">
+              <a:shade val="50000"/>
+            </a:schemeClr>
+          </a:lnRef>
+          <a:fillRef idx="1">
+            <a:schemeClr val="accent1"/>
+          </a:fillRef>
+          <a:effectRef idx="0">
+            <a:schemeClr val="accent1"/>
+          </a:effectRef>
+          <a:fontRef idx="minor">
+            <a:schemeClr val="lt1"/>
+          </a:fontRef>
+        </p:style>
+        <p:txBody>
+          <a:bodyPr rtlCol="0" anchor="ctr"/>
+          <a:lstStyle/>
+          <a:p>
+            <a:pPr algn="ctr"/>
+            <a:endParaRPr lang="en-US"/>
+          </a:p>
+        </p:txBody>
+      </p:sp>
+      <p:sp>
+        <p:nvSpPr>
+          <p:cNvPr id="79" name="Oval 78"/>
+          <p:cNvSpPr/>
+          <p:nvPr/>
+        </p:nvSpPr>
+        <p:spPr>
+          <a:xfrm>
+            <a:off x="5053642" y="4766294"/>
+            <a:ext cx="115815" cy="115815"/>
+          </a:xfrm>
+          <a:prstGeom prst="ellipse">
+            <a:avLst/>
+          </a:prstGeom>
+          <a:solidFill>
+            <a:srgbClr val="38F838"/>
+          </a:solidFill>
+          <a:ln w="19050">
+            <a:solidFill>
+              <a:srgbClr val="0000FF"/>
+            </a:solidFill>
+          </a:ln>
+        </p:spPr>
+        <p:style>
+          <a:lnRef idx="2">
+            <a:schemeClr val="accent1">
+              <a:shade val="50000"/>
+            </a:schemeClr>
+          </a:lnRef>
+          <a:fillRef idx="1">
+            <a:schemeClr val="accent1"/>
+          </a:fillRef>
+          <a:effectRef idx="0">
+            <a:schemeClr val="accent1"/>
+          </a:effectRef>
+          <a:fontRef idx="minor">
+            <a:schemeClr val="lt1"/>
+          </a:fontRef>
+        </p:style>
+        <p:txBody>
+          <a:bodyPr rtlCol="0" anchor="ctr"/>
+          <a:lstStyle/>
+          <a:p>
+            <a:pPr algn="ctr"/>
+            <a:endParaRPr lang="en-US"/>
+          </a:p>
+        </p:txBody>
+      </p:sp>
+      <p:sp>
+        <p:nvSpPr>
+          <p:cNvPr id="80" name="Oval 79"/>
+          <p:cNvSpPr/>
+          <p:nvPr/>
+        </p:nvSpPr>
+        <p:spPr>
+          <a:xfrm>
+            <a:off x="5204017" y="4783211"/>
+            <a:ext cx="115815" cy="115815"/>
+          </a:xfrm>
+          <a:prstGeom prst="ellipse">
+            <a:avLst/>
+          </a:prstGeom>
+          <a:solidFill>
+            <a:srgbClr val="38F838"/>
+          </a:solidFill>
+          <a:ln w="19050">
+            <a:solidFill>
+              <a:srgbClr val="0000FF"/>
+            </a:solidFill>
+          </a:ln>
+        </p:spPr>
+        <p:style>
+          <a:lnRef idx="2">
+            <a:schemeClr val="accent1">
+              <a:shade val="50000"/>
+            </a:schemeClr>
+          </a:lnRef>
+          <a:fillRef idx="1">
+            <a:schemeClr val="accent1"/>
+          </a:fillRef>
+          <a:effectRef idx="0">
+            <a:schemeClr val="accent1"/>
+          </a:effectRef>
+          <a:fontRef idx="minor">
+            <a:schemeClr val="lt1"/>
+          </a:fontRef>
+        </p:style>
+        <p:txBody>
+          <a:bodyPr rtlCol="0" anchor="ctr"/>
+          <a:lstStyle/>
+          <a:p>
+            <a:pPr algn="ctr"/>
+            <a:endParaRPr lang="en-US"/>
+          </a:p>
+        </p:txBody>
+      </p:sp>
+      <p:sp>
+        <p:nvSpPr>
+          <p:cNvPr id="81" name="Oval 80"/>
+          <p:cNvSpPr/>
+          <p:nvPr/>
+        </p:nvSpPr>
+        <p:spPr>
+          <a:xfrm>
+            <a:off x="5385199" y="4810212"/>
+            <a:ext cx="115815" cy="115815"/>
+          </a:xfrm>
+          <a:prstGeom prst="ellipse">
+            <a:avLst/>
+          </a:prstGeom>
+          <a:solidFill>
+            <a:srgbClr val="38F838"/>
+          </a:solidFill>
+          <a:ln w="19050">
+            <a:solidFill>
+              <a:srgbClr val="0000FF"/>
+            </a:solidFill>
+          </a:ln>
+        </p:spPr>
+        <p:style>
+          <a:lnRef idx="2">
+            <a:schemeClr val="accent1">
+              <a:shade val="50000"/>
+            </a:schemeClr>
+          </a:lnRef>
+          <a:fillRef idx="1">
+            <a:schemeClr val="accent1"/>
+          </a:fillRef>
+          <a:effectRef idx="0">
+            <a:schemeClr val="accent1"/>
+          </a:effectRef>
+          <a:fontRef idx="minor">
+            <a:schemeClr val="lt1"/>
+          </a:fontRef>
+        </p:style>
+        <p:txBody>
+          <a:bodyPr rtlCol="0" anchor="ctr"/>
+          <a:lstStyle/>
+          <a:p>
+            <a:pPr algn="ctr"/>
+            <a:endParaRPr lang="en-US"/>
+          </a:p>
+        </p:txBody>
+      </p:sp>
+      <p:sp>
+        <p:nvSpPr>
+          <p:cNvPr id="82" name="Oval 81"/>
+          <p:cNvSpPr/>
+          <p:nvPr/>
+        </p:nvSpPr>
+        <p:spPr>
+          <a:xfrm>
+            <a:off x="5393017" y="4604147"/>
+            <a:ext cx="115815" cy="115815"/>
+          </a:xfrm>
+          <a:prstGeom prst="ellipse">
+            <a:avLst/>
+          </a:prstGeom>
+          <a:solidFill>
+            <a:srgbClr val="38F838"/>
+          </a:solidFill>
+          <a:ln w="19050">
+            <a:solidFill>
+              <a:srgbClr val="0000FF"/>
+            </a:solidFill>
+          </a:ln>
+        </p:spPr>
+        <p:style>
+          <a:lnRef idx="2">
+            <a:schemeClr val="accent1">
+              <a:shade val="50000"/>
+            </a:schemeClr>
+          </a:lnRef>
+          <a:fillRef idx="1">
+            <a:schemeClr val="accent1"/>
+          </a:fillRef>
+          <a:effectRef idx="0">
+            <a:schemeClr val="accent1"/>
+          </a:effectRef>
+          <a:fontRef idx="minor">
+            <a:schemeClr val="lt1"/>
+          </a:fontRef>
+        </p:style>
+        <p:txBody>
+          <a:bodyPr rtlCol="0" anchor="ctr"/>
+          <a:lstStyle/>
+          <a:p>
+            <a:pPr algn="ctr"/>
+            <a:endParaRPr lang="en-US"/>
+          </a:p>
+        </p:txBody>
+      </p:sp>
+      <p:sp>
+        <p:nvSpPr>
+          <p:cNvPr id="83" name="Oval 82"/>
+          <p:cNvSpPr/>
+          <p:nvPr/>
+        </p:nvSpPr>
+        <p:spPr>
+          <a:xfrm>
+            <a:off x="5595788" y="4476757"/>
+            <a:ext cx="115815" cy="115815"/>
+          </a:xfrm>
+          <a:prstGeom prst="ellipse">
+            <a:avLst/>
+          </a:prstGeom>
+          <a:solidFill>
+            <a:srgbClr val="38F838"/>
+          </a:solidFill>
+          <a:ln w="19050">
+            <a:solidFill>
+              <a:srgbClr val="0000FF"/>
+            </a:solidFill>
+          </a:ln>
+        </p:spPr>
+        <p:style>
+          <a:lnRef idx="2">
+            <a:schemeClr val="accent1">
+              <a:shade val="50000"/>
+            </a:schemeClr>
+          </a:lnRef>
+          <a:fillRef idx="1">
+            <a:schemeClr val="accent1"/>
+          </a:fillRef>
+          <a:effectRef idx="0">
+            <a:schemeClr val="accent1"/>
+          </a:effectRef>
+          <a:fontRef idx="minor">
+            <a:schemeClr val="lt1"/>
+          </a:fontRef>
+        </p:style>
+        <p:txBody>
+          <a:bodyPr rtlCol="0" anchor="ctr"/>
+          <a:lstStyle/>
+          <a:p>
+            <a:pPr algn="ctr"/>
+            <a:endParaRPr lang="en-US"/>
+          </a:p>
+        </p:txBody>
+      </p:sp>
+      <p:sp>
+        <p:nvSpPr>
+          <p:cNvPr id="84" name="Oval 83"/>
+          <p:cNvSpPr/>
+          <p:nvPr/>
+        </p:nvSpPr>
+        <p:spPr>
+          <a:xfrm>
+            <a:off x="4912359" y="4757366"/>
+            <a:ext cx="115815" cy="115815"/>
+          </a:xfrm>
+          <a:prstGeom prst="ellipse">
+            <a:avLst/>
+          </a:prstGeom>
+          <a:solidFill>
+            <a:srgbClr val="38F838"/>
+          </a:solidFill>
+          <a:ln w="19050">
+            <a:solidFill>
+              <a:srgbClr val="0000FF"/>
+            </a:solidFill>
+          </a:ln>
+        </p:spPr>
+        <p:style>
+          <a:lnRef idx="2">
+            <a:schemeClr val="accent1">
+              <a:shade val="50000"/>
+            </a:schemeClr>
+          </a:lnRef>
+          <a:fillRef idx="1">
+            <a:schemeClr val="accent1"/>
+          </a:fillRef>
+          <a:effectRef idx="0">
+            <a:schemeClr val="accent1"/>
+          </a:effectRef>
+          <a:fontRef idx="minor">
+            <a:schemeClr val="lt1"/>
+          </a:fontRef>
+        </p:style>
+        <p:txBody>
+          <a:bodyPr rtlCol="0" anchor="ctr"/>
+          <a:lstStyle/>
+          <a:p>
+            <a:pPr algn="ctr"/>
+            <a:endParaRPr lang="en-US"/>
+          </a:p>
+        </p:txBody>
+      </p:sp>
+      <p:sp>
+        <p:nvSpPr>
+          <p:cNvPr id="85" name="Oval 84"/>
+          <p:cNvSpPr/>
+          <p:nvPr/>
+        </p:nvSpPr>
+        <p:spPr>
+          <a:xfrm>
+            <a:off x="5318579" y="4721141"/>
+            <a:ext cx="115815" cy="115815"/>
+          </a:xfrm>
+          <a:prstGeom prst="ellipse">
+            <a:avLst/>
+          </a:prstGeom>
+          <a:solidFill>
+            <a:srgbClr val="38F838"/>
+          </a:solidFill>
+          <a:ln w="19050">
+            <a:solidFill>
+              <a:srgbClr val="0000FF"/>
+            </a:solidFill>
+          </a:ln>
+        </p:spPr>
+        <p:style>
+          <a:lnRef idx="2">
+            <a:schemeClr val="accent1">
+              <a:shade val="50000"/>
+            </a:schemeClr>
+          </a:lnRef>
+          <a:fillRef idx="1">
+            <a:schemeClr val="accent1"/>
+          </a:fillRef>
+          <a:effectRef idx="0">
+            <a:schemeClr val="accent1"/>
+          </a:effectRef>
+          <a:fontRef idx="minor">
+            <a:schemeClr val="lt1"/>
+          </a:fontRef>
+        </p:style>
+        <p:txBody>
+          <a:bodyPr rtlCol="0" anchor="ctr"/>
+          <a:lstStyle/>
+          <a:p>
+            <a:pPr algn="ctr"/>
+            <a:endParaRPr lang="en-US"/>
+          </a:p>
+        </p:txBody>
+      </p:sp>
+      <p:sp>
+        <p:nvSpPr>
+          <p:cNvPr id="86" name="Oval 85"/>
+          <p:cNvSpPr/>
+          <p:nvPr/>
+        </p:nvSpPr>
+        <p:spPr>
+          <a:xfrm>
+            <a:off x="5450833" y="4359436"/>
+            <a:ext cx="115815" cy="115815"/>
+          </a:xfrm>
+          <a:prstGeom prst="ellipse">
+            <a:avLst/>
+          </a:prstGeom>
+          <a:solidFill>
+            <a:srgbClr val="38F838"/>
+          </a:solidFill>
+          <a:ln w="19050">
+            <a:solidFill>
+              <a:srgbClr val="0000FF"/>
+            </a:solidFill>
+          </a:ln>
+        </p:spPr>
+        <p:style>
+          <a:lnRef idx="2">
+            <a:schemeClr val="accent1">
+              <a:shade val="50000"/>
+            </a:schemeClr>
+          </a:lnRef>
+          <a:fillRef idx="1">
+            <a:schemeClr val="accent1"/>
+          </a:fillRef>
+          <a:effectRef idx="0">
+            <a:schemeClr val="accent1"/>
+          </a:effectRef>
+          <a:fontRef idx="minor">
+            <a:schemeClr val="lt1"/>
+          </a:fontRef>
+        </p:style>
+        <p:txBody>
+          <a:bodyPr rtlCol="0" anchor="ctr"/>
+          <a:lstStyle/>
+          <a:p>
+            <a:pPr algn="ctr"/>
+            <a:endParaRPr lang="en-US"/>
+          </a:p>
+        </p:txBody>
+      </p:sp>
+      <p:sp>
+        <p:nvSpPr>
+          <p:cNvPr id="87" name="Oval 86"/>
+          <p:cNvSpPr/>
+          <p:nvPr/>
+        </p:nvSpPr>
+        <p:spPr>
+          <a:xfrm>
+            <a:off x="5197750" y="4626455"/>
+            <a:ext cx="115815" cy="115815"/>
+          </a:xfrm>
+          <a:prstGeom prst="ellipse">
+            <a:avLst/>
+          </a:prstGeom>
+          <a:solidFill>
+            <a:srgbClr val="38F838"/>
+          </a:solidFill>
+          <a:ln w="19050">
+            <a:solidFill>
+              <a:srgbClr val="0000FF"/>
+            </a:solidFill>
+          </a:ln>
+        </p:spPr>
+        <p:style>
+          <a:lnRef idx="2">
+            <a:schemeClr val="accent1">
+              <a:shade val="50000"/>
+            </a:schemeClr>
+          </a:lnRef>
+          <a:fillRef idx="1">
+            <a:schemeClr val="accent1"/>
+          </a:fillRef>
+          <a:effectRef idx="0">
+            <a:schemeClr val="accent1"/>
+          </a:effectRef>
+          <a:fontRef idx="minor">
+            <a:schemeClr val="lt1"/>
+          </a:fontRef>
+        </p:style>
+        <p:txBody>
+          <a:bodyPr rtlCol="0" anchor="ctr"/>
+          <a:lstStyle/>
+          <a:p>
+            <a:pPr algn="ctr"/>
+            <a:endParaRPr lang="en-US"/>
+          </a:p>
+        </p:txBody>
+      </p:sp>
+      <p:sp>
+        <p:nvSpPr>
+          <p:cNvPr id="88" name="Oval 87"/>
+          <p:cNvSpPr/>
+          <p:nvPr/>
+        </p:nvSpPr>
+        <p:spPr>
+          <a:xfrm>
+            <a:off x="4998017" y="4905262"/>
+            <a:ext cx="115815" cy="115815"/>
+          </a:xfrm>
+          <a:prstGeom prst="ellipse">
+            <a:avLst/>
+          </a:prstGeom>
+          <a:solidFill>
+            <a:srgbClr val="38F838"/>
+          </a:solidFill>
+          <a:ln w="19050">
+            <a:solidFill>
+              <a:srgbClr val="0000FF"/>
+            </a:solidFill>
+          </a:ln>
+        </p:spPr>
+        <p:style>
+          <a:lnRef idx="2">
+            <a:schemeClr val="accent1">
+              <a:shade val="50000"/>
+            </a:schemeClr>
+          </a:lnRef>
+          <a:fillRef idx="1">
+            <a:schemeClr val="accent1"/>
+          </a:fillRef>
+          <a:effectRef idx="0">
+            <a:schemeClr val="accent1"/>
+          </a:effectRef>
+          <a:fontRef idx="minor">
+            <a:schemeClr val="lt1"/>
+          </a:fontRef>
+        </p:style>
+        <p:txBody>
+          <a:bodyPr rtlCol="0" anchor="ctr"/>
+          <a:lstStyle/>
+          <a:p>
+            <a:pPr algn="ctr"/>
+            <a:endParaRPr lang="en-US"/>
+          </a:p>
+        </p:txBody>
+      </p:sp>
+      <p:sp>
+        <p:nvSpPr>
+          <p:cNvPr id="89" name="Oval 88"/>
+          <p:cNvSpPr/>
+          <p:nvPr/>
+        </p:nvSpPr>
+        <p:spPr>
+          <a:xfrm>
+            <a:off x="5036862" y="4618263"/>
+            <a:ext cx="115815" cy="115815"/>
+          </a:xfrm>
+          <a:prstGeom prst="ellipse">
+            <a:avLst/>
+          </a:prstGeom>
+          <a:solidFill>
+            <a:srgbClr val="38F838"/>
+          </a:solidFill>
+          <a:ln w="19050">
+            <a:solidFill>
+              <a:srgbClr val="0000FF"/>
+            </a:solidFill>
+          </a:ln>
+        </p:spPr>
+        <p:style>
+          <a:lnRef idx="2">
+            <a:schemeClr val="accent1">
+              <a:shade val="50000"/>
+            </a:schemeClr>
+          </a:lnRef>
+          <a:fillRef idx="1">
+            <a:schemeClr val="accent1"/>
+          </a:fillRef>
+          <a:effectRef idx="0">
+            <a:schemeClr val="accent1"/>
+          </a:effectRef>
+          <a:fontRef idx="minor">
+            <a:schemeClr val="lt1"/>
+          </a:fontRef>
+        </p:style>
+        <p:txBody>
+          <a:bodyPr rtlCol="0" anchor="ctr"/>
+          <a:lstStyle/>
+          <a:p>
+            <a:pPr algn="ctr"/>
+            <a:endParaRPr lang="en-US"/>
+          </a:p>
+        </p:txBody>
+      </p:sp>
+      <p:sp>
+        <p:nvSpPr>
+          <p:cNvPr id="90" name="Oval 89"/>
+          <p:cNvSpPr/>
+          <p:nvPr/>
+        </p:nvSpPr>
+        <p:spPr>
+          <a:xfrm>
+            <a:off x="4888359" y="4640783"/>
+            <a:ext cx="115815" cy="115815"/>
+          </a:xfrm>
+          <a:prstGeom prst="ellipse">
+            <a:avLst/>
+          </a:prstGeom>
+          <a:solidFill>
+            <a:srgbClr val="38F838"/>
+          </a:solidFill>
+          <a:ln w="19050">
+            <a:solidFill>
+              <a:srgbClr val="0000FF"/>
+            </a:solidFill>
+          </a:ln>
+        </p:spPr>
+        <p:style>
+          <a:lnRef idx="2">
+            <a:schemeClr val="accent1">
+              <a:shade val="50000"/>
+            </a:schemeClr>
+          </a:lnRef>
+          <a:fillRef idx="1">
+            <a:schemeClr val="accent1"/>
+          </a:fillRef>
+          <a:effectRef idx="0">
+            <a:schemeClr val="accent1"/>
+          </a:effectRef>
+          <a:fontRef idx="minor">
+            <a:schemeClr val="lt1"/>
+          </a:fontRef>
+        </p:style>
+        <p:txBody>
+          <a:bodyPr rtlCol="0" anchor="ctr"/>
+          <a:lstStyle/>
+          <a:p>
+            <a:pPr algn="ctr"/>
+            <a:endParaRPr lang="en-US"/>
+          </a:p>
+        </p:txBody>
+      </p:sp>
+      <p:sp>
+        <p:nvSpPr>
+          <p:cNvPr id="91" name="Oval 90"/>
+          <p:cNvSpPr/>
+          <p:nvPr/>
+        </p:nvSpPr>
+        <p:spPr>
+          <a:xfrm>
+            <a:off x="4734395" y="4643094"/>
+            <a:ext cx="115815" cy="115815"/>
+          </a:xfrm>
+          <a:prstGeom prst="ellipse">
+            <a:avLst/>
+          </a:prstGeom>
+          <a:solidFill>
+            <a:srgbClr val="38F838"/>
+          </a:solidFill>
+          <a:ln w="19050">
+            <a:solidFill>
+              <a:srgbClr val="0000FF"/>
+            </a:solidFill>
+          </a:ln>
+        </p:spPr>
+        <p:style>
+          <a:lnRef idx="2">
+            <a:schemeClr val="accent1">
+              <a:shade val="50000"/>
+            </a:schemeClr>
+          </a:lnRef>
+          <a:fillRef idx="1">
+            <a:schemeClr val="accent1"/>
+          </a:fillRef>
+          <a:effectRef idx="0">
+            <a:schemeClr val="accent1"/>
+          </a:effectRef>
+          <a:fontRef idx="minor">
+            <a:schemeClr val="lt1"/>
+          </a:fontRef>
+        </p:style>
+        <p:txBody>
+          <a:bodyPr rtlCol="0" anchor="ctr"/>
+          <a:lstStyle/>
+          <a:p>
+            <a:pPr algn="ctr"/>
+            <a:endParaRPr lang="en-US"/>
+          </a:p>
+        </p:txBody>
+      </p:sp>
+      <p:sp>
+        <p:nvSpPr>
+          <p:cNvPr id="92" name="5-Point Star 91"/>
+          <p:cNvSpPr/>
+          <p:nvPr/>
+        </p:nvSpPr>
+        <p:spPr>
+          <a:xfrm>
+            <a:off x="5866857" y="4786866"/>
+            <a:ext cx="222637" cy="211044"/>
+          </a:xfrm>
+          <a:prstGeom prst="star5">
+            <a:avLst/>
+          </a:prstGeom>
+          <a:solidFill>
+            <a:srgbClr val="FFFF00"/>
+          </a:solidFill>
+          <a:ln w="19050">
+            <a:solidFill>
+              <a:schemeClr val="tx1"/>
+            </a:solidFill>
+          </a:ln>
+        </p:spPr>
+        <p:style>
+          <a:lnRef idx="2">
+            <a:schemeClr val="accent1">
+              <a:shade val="50000"/>
+            </a:schemeClr>
+          </a:lnRef>
+          <a:fillRef idx="1">
+            <a:schemeClr val="accent1"/>
+          </a:fillRef>
+          <a:effectRef idx="0">
+            <a:schemeClr val="accent1"/>
+          </a:effectRef>
+          <a:fontRef idx="minor">
+            <a:schemeClr val="lt1"/>
+          </a:fontRef>
+        </p:style>
+        <p:txBody>
+          <a:bodyPr rtlCol="0" anchor="ctr"/>
+          <a:lstStyle/>
+          <a:p>
+            <a:pPr algn="ctr"/>
+            <a:endParaRPr lang="en-US"/>
+          </a:p>
+        </p:txBody>
+      </p:sp>
     </p:spTree>
     <p:extLst>
       <p:ext uri="{BB962C8B-B14F-4D97-AF65-F5344CB8AC3E}">
@@ -11618,42 +13621,2683 @@
       </p:grpSpPr>
       <p:sp>
         <p:nvSpPr>
-          <p:cNvPr id="2" name="Title 1"/>
-          <p:cNvSpPr>
-            <a:spLocks noGrp="1"/>
-          </p:cNvSpPr>
-          <p:nvPr>
-            <p:ph type="title"/>
-          </p:nvPr>
-        </p:nvSpPr>
-        <p:spPr/>
-        <p:txBody>
-          <a:bodyPr/>
-          <a:lstStyle/>
-          <a:p>
-            <a:endParaRPr lang="en-US"/>
-          </a:p>
-        </p:txBody>
-      </p:sp>
-      <p:sp>
-        <p:nvSpPr>
-          <p:cNvPr id="3" name="Content Placeholder 2"/>
-          <p:cNvSpPr>
-            <a:spLocks noGrp="1"/>
-          </p:cNvSpPr>
-          <p:nvPr>
-            <p:ph idx="1"/>
-          </p:nvPr>
-        </p:nvSpPr>
-        <p:spPr/>
-        <p:txBody>
-          <a:bodyPr/>
-          <a:lstStyle/>
-          <a:p>
-            <a:endParaRPr lang="en-US"/>
-          </a:p>
-        </p:txBody>
-      </p:sp>
+          <p:cNvPr id="5" name="Hexagon 4"/>
+          <p:cNvSpPr/>
+          <p:nvPr/>
+        </p:nvSpPr>
+        <p:spPr>
+          <a:xfrm rot="20837366">
+            <a:off x="5719752" y="3865741"/>
+            <a:ext cx="835556" cy="769189"/>
+          </a:xfrm>
+          <a:prstGeom prst="hexagon">
+            <a:avLst/>
+          </a:prstGeom>
+          <a:solidFill>
+            <a:srgbClr val="38F838"/>
+          </a:solidFill>
+          <a:ln w="57150">
+            <a:solidFill>
+              <a:schemeClr val="tx1"/>
+            </a:solidFill>
+          </a:ln>
+        </p:spPr>
+        <p:style>
+          <a:lnRef idx="2">
+            <a:schemeClr val="accent1">
+              <a:shade val="50000"/>
+            </a:schemeClr>
+          </a:lnRef>
+          <a:fillRef idx="1">
+            <a:schemeClr val="accent1"/>
+          </a:fillRef>
+          <a:effectRef idx="0">
+            <a:schemeClr val="accent1"/>
+          </a:effectRef>
+          <a:fontRef idx="minor">
+            <a:schemeClr val="lt1"/>
+          </a:fontRef>
+        </p:style>
+        <p:txBody>
+          <a:bodyPr rtlCol="0" anchor="ctr"/>
+          <a:lstStyle/>
+          <a:p>
+            <a:pPr algn="ctr"/>
+            <a:endParaRPr lang="en-US" sz="1200" dirty="0">
+              <a:solidFill>
+                <a:sysClr val="windowText" lastClr="000000"/>
+              </a:solidFill>
+            </a:endParaRPr>
+          </a:p>
+        </p:txBody>
+      </p:sp>
+      <p:sp>
+        <p:nvSpPr>
+          <p:cNvPr id="6" name="Oval 5"/>
+          <p:cNvSpPr/>
+          <p:nvPr/>
+        </p:nvSpPr>
+        <p:spPr>
+          <a:xfrm>
+            <a:off x="6480454" y="2410047"/>
+            <a:ext cx="115815" cy="115815"/>
+          </a:xfrm>
+          <a:prstGeom prst="ellipse">
+            <a:avLst/>
+          </a:prstGeom>
+          <a:solidFill>
+            <a:srgbClr val="38F838"/>
+          </a:solidFill>
+          <a:ln w="19050">
+            <a:solidFill>
+              <a:srgbClr val="0000FF"/>
+            </a:solidFill>
+          </a:ln>
+        </p:spPr>
+        <p:style>
+          <a:lnRef idx="2">
+            <a:schemeClr val="accent1">
+              <a:shade val="50000"/>
+            </a:schemeClr>
+          </a:lnRef>
+          <a:fillRef idx="1">
+            <a:schemeClr val="accent1"/>
+          </a:fillRef>
+          <a:effectRef idx="0">
+            <a:schemeClr val="accent1"/>
+          </a:effectRef>
+          <a:fontRef idx="minor">
+            <a:schemeClr val="lt1"/>
+          </a:fontRef>
+        </p:style>
+        <p:txBody>
+          <a:bodyPr rtlCol="0" anchor="ctr"/>
+          <a:lstStyle/>
+          <a:p>
+            <a:pPr algn="ctr"/>
+            <a:endParaRPr lang="en-US"/>
+          </a:p>
+        </p:txBody>
+      </p:sp>
+      <p:sp>
+        <p:nvSpPr>
+          <p:cNvPr id="8" name="5-Point Star 7"/>
+          <p:cNvSpPr/>
+          <p:nvPr/>
+        </p:nvSpPr>
+        <p:spPr>
+          <a:xfrm>
+            <a:off x="6018030" y="4421301"/>
+            <a:ext cx="222637" cy="211044"/>
+          </a:xfrm>
+          <a:prstGeom prst="star5">
+            <a:avLst/>
+          </a:prstGeom>
+          <a:solidFill>
+            <a:srgbClr val="FF9900"/>
+          </a:solidFill>
+          <a:ln w="19050">
+            <a:solidFill>
+              <a:schemeClr val="tx1"/>
+            </a:solidFill>
+          </a:ln>
+        </p:spPr>
+        <p:style>
+          <a:lnRef idx="2">
+            <a:schemeClr val="accent1">
+              <a:shade val="50000"/>
+            </a:schemeClr>
+          </a:lnRef>
+          <a:fillRef idx="1">
+            <a:schemeClr val="accent1"/>
+          </a:fillRef>
+          <a:effectRef idx="0">
+            <a:schemeClr val="accent1"/>
+          </a:effectRef>
+          <a:fontRef idx="minor">
+            <a:schemeClr val="lt1"/>
+          </a:fontRef>
+        </p:style>
+        <p:txBody>
+          <a:bodyPr rtlCol="0" anchor="ctr"/>
+          <a:lstStyle/>
+          <a:p>
+            <a:pPr algn="ctr"/>
+            <a:endParaRPr lang="en-US"/>
+          </a:p>
+        </p:txBody>
+      </p:sp>
+      <p:sp>
+        <p:nvSpPr>
+          <p:cNvPr id="9" name="Oval 8"/>
+          <p:cNvSpPr/>
+          <p:nvPr/>
+        </p:nvSpPr>
+        <p:spPr>
+          <a:xfrm rot="20257552">
+            <a:off x="6123826" y="4139639"/>
+            <a:ext cx="111354" cy="111354"/>
+          </a:xfrm>
+          <a:prstGeom prst="ellipse">
+            <a:avLst/>
+          </a:prstGeom>
+          <a:solidFill>
+            <a:srgbClr val="38F838"/>
+          </a:solidFill>
+          <a:ln w="38100">
+            <a:solidFill>
+              <a:srgbClr val="FFC000"/>
+            </a:solidFill>
+          </a:ln>
+        </p:spPr>
+        <p:style>
+          <a:lnRef idx="2">
+            <a:schemeClr val="accent1">
+              <a:shade val="50000"/>
+            </a:schemeClr>
+          </a:lnRef>
+          <a:fillRef idx="1">
+            <a:schemeClr val="accent1"/>
+          </a:fillRef>
+          <a:effectRef idx="0">
+            <a:schemeClr val="accent1"/>
+          </a:effectRef>
+          <a:fontRef idx="minor">
+            <a:schemeClr val="lt1"/>
+          </a:fontRef>
+        </p:style>
+        <p:txBody>
+          <a:bodyPr rtlCol="0" anchor="ctr"/>
+          <a:lstStyle/>
+          <a:p>
+            <a:pPr algn="ctr"/>
+            <a:endParaRPr lang="en-US"/>
+          </a:p>
+        </p:txBody>
+      </p:sp>
+      <p:sp>
+        <p:nvSpPr>
+          <p:cNvPr id="10" name="Oval 9"/>
+          <p:cNvSpPr/>
+          <p:nvPr/>
+        </p:nvSpPr>
+        <p:spPr>
+          <a:xfrm>
+            <a:off x="6326192" y="2564273"/>
+            <a:ext cx="115815" cy="115815"/>
+          </a:xfrm>
+          <a:prstGeom prst="ellipse">
+            <a:avLst/>
+          </a:prstGeom>
+          <a:solidFill>
+            <a:srgbClr val="38F838"/>
+          </a:solidFill>
+          <a:ln w="19050">
+            <a:solidFill>
+              <a:srgbClr val="0000FF"/>
+            </a:solidFill>
+          </a:ln>
+        </p:spPr>
+        <p:style>
+          <a:lnRef idx="2">
+            <a:schemeClr val="accent1">
+              <a:shade val="50000"/>
+            </a:schemeClr>
+          </a:lnRef>
+          <a:fillRef idx="1">
+            <a:schemeClr val="accent1"/>
+          </a:fillRef>
+          <a:effectRef idx="0">
+            <a:schemeClr val="accent1"/>
+          </a:effectRef>
+          <a:fontRef idx="minor">
+            <a:schemeClr val="lt1"/>
+          </a:fontRef>
+        </p:style>
+        <p:txBody>
+          <a:bodyPr rtlCol="0" anchor="ctr"/>
+          <a:lstStyle/>
+          <a:p>
+            <a:pPr algn="ctr"/>
+            <a:endParaRPr lang="en-US"/>
+          </a:p>
+        </p:txBody>
+      </p:sp>
+      <p:sp>
+        <p:nvSpPr>
+          <p:cNvPr id="11" name="Oval 10"/>
+          <p:cNvSpPr/>
+          <p:nvPr/>
+        </p:nvSpPr>
+        <p:spPr>
+          <a:xfrm>
+            <a:off x="6483145" y="2610511"/>
+            <a:ext cx="115815" cy="115815"/>
+          </a:xfrm>
+          <a:prstGeom prst="ellipse">
+            <a:avLst/>
+          </a:prstGeom>
+          <a:solidFill>
+            <a:srgbClr val="38F838"/>
+          </a:solidFill>
+          <a:ln w="19050">
+            <a:solidFill>
+              <a:srgbClr val="0000FF"/>
+            </a:solidFill>
+          </a:ln>
+        </p:spPr>
+        <p:style>
+          <a:lnRef idx="2">
+            <a:schemeClr val="accent1">
+              <a:shade val="50000"/>
+            </a:schemeClr>
+          </a:lnRef>
+          <a:fillRef idx="1">
+            <a:schemeClr val="accent1"/>
+          </a:fillRef>
+          <a:effectRef idx="0">
+            <a:schemeClr val="accent1"/>
+          </a:effectRef>
+          <a:fontRef idx="minor">
+            <a:schemeClr val="lt1"/>
+          </a:fontRef>
+        </p:style>
+        <p:txBody>
+          <a:bodyPr rtlCol="0" anchor="ctr"/>
+          <a:lstStyle/>
+          <a:p>
+            <a:pPr algn="ctr"/>
+            <a:endParaRPr lang="en-US"/>
+          </a:p>
+        </p:txBody>
+      </p:sp>
+      <p:sp>
+        <p:nvSpPr>
+          <p:cNvPr id="12" name="Oval 11"/>
+          <p:cNvSpPr/>
+          <p:nvPr/>
+        </p:nvSpPr>
+        <p:spPr>
+          <a:xfrm>
+            <a:off x="6632854" y="2562447"/>
+            <a:ext cx="115815" cy="115815"/>
+          </a:xfrm>
+          <a:prstGeom prst="ellipse">
+            <a:avLst/>
+          </a:prstGeom>
+          <a:solidFill>
+            <a:srgbClr val="38F838"/>
+          </a:solidFill>
+          <a:ln w="19050">
+            <a:solidFill>
+              <a:srgbClr val="0000FF"/>
+            </a:solidFill>
+          </a:ln>
+        </p:spPr>
+        <p:style>
+          <a:lnRef idx="2">
+            <a:schemeClr val="accent1">
+              <a:shade val="50000"/>
+            </a:schemeClr>
+          </a:lnRef>
+          <a:fillRef idx="1">
+            <a:schemeClr val="accent1"/>
+          </a:fillRef>
+          <a:effectRef idx="0">
+            <a:schemeClr val="accent1"/>
+          </a:effectRef>
+          <a:fontRef idx="minor">
+            <a:schemeClr val="lt1"/>
+          </a:fontRef>
+        </p:style>
+        <p:txBody>
+          <a:bodyPr rtlCol="0" anchor="ctr"/>
+          <a:lstStyle/>
+          <a:p>
+            <a:pPr algn="ctr"/>
+            <a:endParaRPr lang="en-US"/>
+          </a:p>
+        </p:txBody>
+      </p:sp>
+      <p:sp>
+        <p:nvSpPr>
+          <p:cNvPr id="13" name="Oval 12"/>
+          <p:cNvSpPr/>
+          <p:nvPr/>
+        </p:nvSpPr>
+        <p:spPr>
+          <a:xfrm>
+            <a:off x="6464068" y="3013865"/>
+            <a:ext cx="115815" cy="115815"/>
+          </a:xfrm>
+          <a:prstGeom prst="ellipse">
+            <a:avLst/>
+          </a:prstGeom>
+          <a:solidFill>
+            <a:srgbClr val="38F838"/>
+          </a:solidFill>
+          <a:ln w="19050">
+            <a:solidFill>
+              <a:srgbClr val="0000FF"/>
+            </a:solidFill>
+          </a:ln>
+        </p:spPr>
+        <p:style>
+          <a:lnRef idx="2">
+            <a:schemeClr val="accent1">
+              <a:shade val="50000"/>
+            </a:schemeClr>
+          </a:lnRef>
+          <a:fillRef idx="1">
+            <a:schemeClr val="accent1"/>
+          </a:fillRef>
+          <a:effectRef idx="0">
+            <a:schemeClr val="accent1"/>
+          </a:effectRef>
+          <a:fontRef idx="minor">
+            <a:schemeClr val="lt1"/>
+          </a:fontRef>
+        </p:style>
+        <p:txBody>
+          <a:bodyPr rtlCol="0" anchor="ctr"/>
+          <a:lstStyle/>
+          <a:p>
+            <a:pPr algn="ctr"/>
+            <a:endParaRPr lang="en-US"/>
+          </a:p>
+        </p:txBody>
+      </p:sp>
+      <p:sp>
+        <p:nvSpPr>
+          <p:cNvPr id="14" name="Oval 13"/>
+          <p:cNvSpPr/>
+          <p:nvPr/>
+        </p:nvSpPr>
+        <p:spPr>
+          <a:xfrm>
+            <a:off x="5581912" y="4125669"/>
+            <a:ext cx="115815" cy="115815"/>
+          </a:xfrm>
+          <a:prstGeom prst="ellipse">
+            <a:avLst/>
+          </a:prstGeom>
+          <a:solidFill>
+            <a:srgbClr val="38F838"/>
+          </a:solidFill>
+          <a:ln w="19050">
+            <a:solidFill>
+              <a:srgbClr val="0000FF"/>
+            </a:solidFill>
+          </a:ln>
+        </p:spPr>
+        <p:style>
+          <a:lnRef idx="2">
+            <a:schemeClr val="accent1">
+              <a:shade val="50000"/>
+            </a:schemeClr>
+          </a:lnRef>
+          <a:fillRef idx="1">
+            <a:schemeClr val="accent1"/>
+          </a:fillRef>
+          <a:effectRef idx="0">
+            <a:schemeClr val="accent1"/>
+          </a:effectRef>
+          <a:fontRef idx="minor">
+            <a:schemeClr val="lt1"/>
+          </a:fontRef>
+        </p:style>
+        <p:txBody>
+          <a:bodyPr rtlCol="0" anchor="ctr"/>
+          <a:lstStyle/>
+          <a:p>
+            <a:pPr algn="ctr"/>
+            <a:endParaRPr lang="en-US"/>
+          </a:p>
+        </p:txBody>
+      </p:sp>
+      <p:sp>
+        <p:nvSpPr>
+          <p:cNvPr id="15" name="Oval 14"/>
+          <p:cNvSpPr/>
+          <p:nvPr/>
+        </p:nvSpPr>
+        <p:spPr>
+          <a:xfrm>
+            <a:off x="6613328" y="2937909"/>
+            <a:ext cx="115815" cy="115815"/>
+          </a:xfrm>
+          <a:prstGeom prst="ellipse">
+            <a:avLst/>
+          </a:prstGeom>
+          <a:solidFill>
+            <a:srgbClr val="38F838"/>
+          </a:solidFill>
+          <a:ln w="19050">
+            <a:solidFill>
+              <a:srgbClr val="0000FF"/>
+            </a:solidFill>
+          </a:ln>
+        </p:spPr>
+        <p:style>
+          <a:lnRef idx="2">
+            <a:schemeClr val="accent1">
+              <a:shade val="50000"/>
+            </a:schemeClr>
+          </a:lnRef>
+          <a:fillRef idx="1">
+            <a:schemeClr val="accent1"/>
+          </a:fillRef>
+          <a:effectRef idx="0">
+            <a:schemeClr val="accent1"/>
+          </a:effectRef>
+          <a:fontRef idx="minor">
+            <a:schemeClr val="lt1"/>
+          </a:fontRef>
+        </p:style>
+        <p:txBody>
+          <a:bodyPr rtlCol="0" anchor="ctr"/>
+          <a:lstStyle/>
+          <a:p>
+            <a:pPr algn="ctr"/>
+            <a:endParaRPr lang="en-US"/>
+          </a:p>
+        </p:txBody>
+      </p:sp>
+      <p:sp>
+        <p:nvSpPr>
+          <p:cNvPr id="16" name="Oval 15"/>
+          <p:cNvSpPr/>
+          <p:nvPr/>
+        </p:nvSpPr>
+        <p:spPr>
+          <a:xfrm>
+            <a:off x="6613328" y="4125670"/>
+            <a:ext cx="115815" cy="115815"/>
+          </a:xfrm>
+          <a:prstGeom prst="ellipse">
+            <a:avLst/>
+          </a:prstGeom>
+          <a:solidFill>
+            <a:srgbClr val="38F838"/>
+          </a:solidFill>
+          <a:ln w="19050">
+            <a:solidFill>
+              <a:srgbClr val="0000FF"/>
+            </a:solidFill>
+          </a:ln>
+        </p:spPr>
+        <p:style>
+          <a:lnRef idx="2">
+            <a:schemeClr val="accent1">
+              <a:shade val="50000"/>
+            </a:schemeClr>
+          </a:lnRef>
+          <a:fillRef idx="1">
+            <a:schemeClr val="accent1"/>
+          </a:fillRef>
+          <a:effectRef idx="0">
+            <a:schemeClr val="accent1"/>
+          </a:effectRef>
+          <a:fontRef idx="minor">
+            <a:schemeClr val="lt1"/>
+          </a:fontRef>
+        </p:style>
+        <p:txBody>
+          <a:bodyPr rtlCol="0" anchor="ctr"/>
+          <a:lstStyle/>
+          <a:p>
+            <a:pPr algn="ctr"/>
+            <a:endParaRPr lang="en-US"/>
+          </a:p>
+        </p:txBody>
+      </p:sp>
+      <p:sp>
+        <p:nvSpPr>
+          <p:cNvPr id="17" name="Oval 16"/>
+          <p:cNvSpPr/>
+          <p:nvPr/>
+        </p:nvSpPr>
+        <p:spPr>
+          <a:xfrm>
+            <a:off x="6462206" y="3156421"/>
+            <a:ext cx="115815" cy="115815"/>
+          </a:xfrm>
+          <a:prstGeom prst="ellipse">
+            <a:avLst/>
+          </a:prstGeom>
+          <a:solidFill>
+            <a:srgbClr val="38F838"/>
+          </a:solidFill>
+          <a:ln w="19050">
+            <a:solidFill>
+              <a:srgbClr val="0000FF"/>
+            </a:solidFill>
+          </a:ln>
+        </p:spPr>
+        <p:style>
+          <a:lnRef idx="2">
+            <a:schemeClr val="accent1">
+              <a:shade val="50000"/>
+            </a:schemeClr>
+          </a:lnRef>
+          <a:fillRef idx="1">
+            <a:schemeClr val="accent1"/>
+          </a:fillRef>
+          <a:effectRef idx="0">
+            <a:schemeClr val="accent1"/>
+          </a:effectRef>
+          <a:fontRef idx="minor">
+            <a:schemeClr val="lt1"/>
+          </a:fontRef>
+        </p:style>
+        <p:txBody>
+          <a:bodyPr rtlCol="0" anchor="ctr"/>
+          <a:lstStyle/>
+          <a:p>
+            <a:pPr algn="ctr"/>
+            <a:endParaRPr lang="en-US"/>
+          </a:p>
+        </p:txBody>
+      </p:sp>
+      <p:sp>
+        <p:nvSpPr>
+          <p:cNvPr id="18" name="Oval 17"/>
+          <p:cNvSpPr/>
+          <p:nvPr/>
+        </p:nvSpPr>
+        <p:spPr>
+          <a:xfrm>
+            <a:off x="5658203" y="3650512"/>
+            <a:ext cx="115815" cy="115815"/>
+          </a:xfrm>
+          <a:prstGeom prst="ellipse">
+            <a:avLst/>
+          </a:prstGeom>
+          <a:solidFill>
+            <a:srgbClr val="38F838"/>
+          </a:solidFill>
+          <a:ln w="19050">
+            <a:solidFill>
+              <a:srgbClr val="0000FF"/>
+            </a:solidFill>
+          </a:ln>
+        </p:spPr>
+        <p:style>
+          <a:lnRef idx="2">
+            <a:schemeClr val="accent1">
+              <a:shade val="50000"/>
+            </a:schemeClr>
+          </a:lnRef>
+          <a:fillRef idx="1">
+            <a:schemeClr val="accent1"/>
+          </a:fillRef>
+          <a:effectRef idx="0">
+            <a:schemeClr val="accent1"/>
+          </a:effectRef>
+          <a:fontRef idx="minor">
+            <a:schemeClr val="lt1"/>
+          </a:fontRef>
+        </p:style>
+        <p:txBody>
+          <a:bodyPr rtlCol="0" anchor="ctr"/>
+          <a:lstStyle/>
+          <a:p>
+            <a:pPr algn="ctr"/>
+            <a:endParaRPr lang="en-US"/>
+          </a:p>
+        </p:txBody>
+      </p:sp>
+      <p:sp>
+        <p:nvSpPr>
+          <p:cNvPr id="19" name="Oval 18"/>
+          <p:cNvSpPr/>
+          <p:nvPr/>
+        </p:nvSpPr>
+        <p:spPr>
+          <a:xfrm>
+            <a:off x="6636937" y="3197556"/>
+            <a:ext cx="115815" cy="115815"/>
+          </a:xfrm>
+          <a:prstGeom prst="ellipse">
+            <a:avLst/>
+          </a:prstGeom>
+          <a:solidFill>
+            <a:srgbClr val="38F838"/>
+          </a:solidFill>
+          <a:ln w="19050">
+            <a:solidFill>
+              <a:srgbClr val="0000FF"/>
+            </a:solidFill>
+          </a:ln>
+        </p:spPr>
+        <p:style>
+          <a:lnRef idx="2">
+            <a:schemeClr val="accent1">
+              <a:shade val="50000"/>
+            </a:schemeClr>
+          </a:lnRef>
+          <a:fillRef idx="1">
+            <a:schemeClr val="accent1"/>
+          </a:fillRef>
+          <a:effectRef idx="0">
+            <a:schemeClr val="accent1"/>
+          </a:effectRef>
+          <a:fontRef idx="minor">
+            <a:schemeClr val="lt1"/>
+          </a:fontRef>
+        </p:style>
+        <p:txBody>
+          <a:bodyPr rtlCol="0" anchor="ctr"/>
+          <a:lstStyle/>
+          <a:p>
+            <a:pPr algn="ctr"/>
+            <a:endParaRPr lang="en-US"/>
+          </a:p>
+        </p:txBody>
+      </p:sp>
+      <p:sp>
+        <p:nvSpPr>
+          <p:cNvPr id="20" name="Oval 19"/>
+          <p:cNvSpPr/>
+          <p:nvPr/>
+        </p:nvSpPr>
+        <p:spPr>
+          <a:xfrm>
+            <a:off x="6613328" y="4501132"/>
+            <a:ext cx="115815" cy="115815"/>
+          </a:xfrm>
+          <a:prstGeom prst="ellipse">
+            <a:avLst/>
+          </a:prstGeom>
+          <a:solidFill>
+            <a:srgbClr val="38F838"/>
+          </a:solidFill>
+          <a:ln w="19050">
+            <a:solidFill>
+              <a:srgbClr val="0000FF"/>
+            </a:solidFill>
+          </a:ln>
+        </p:spPr>
+        <p:style>
+          <a:lnRef idx="2">
+            <a:schemeClr val="accent1">
+              <a:shade val="50000"/>
+            </a:schemeClr>
+          </a:lnRef>
+          <a:fillRef idx="1">
+            <a:schemeClr val="accent1"/>
+          </a:fillRef>
+          <a:effectRef idx="0">
+            <a:schemeClr val="accent1"/>
+          </a:effectRef>
+          <a:fontRef idx="minor">
+            <a:schemeClr val="lt1"/>
+          </a:fontRef>
+        </p:style>
+        <p:txBody>
+          <a:bodyPr rtlCol="0" anchor="ctr"/>
+          <a:lstStyle/>
+          <a:p>
+            <a:pPr algn="ctr"/>
+            <a:endParaRPr lang="en-US"/>
+          </a:p>
+        </p:txBody>
+      </p:sp>
+      <p:sp>
+        <p:nvSpPr>
+          <p:cNvPr id="21" name="Oval 20"/>
+          <p:cNvSpPr/>
+          <p:nvPr/>
+        </p:nvSpPr>
+        <p:spPr>
+          <a:xfrm>
+            <a:off x="6497513" y="4559039"/>
+            <a:ext cx="115815" cy="115815"/>
+          </a:xfrm>
+          <a:prstGeom prst="ellipse">
+            <a:avLst/>
+          </a:prstGeom>
+          <a:solidFill>
+            <a:srgbClr val="38F838"/>
+          </a:solidFill>
+          <a:ln w="19050">
+            <a:solidFill>
+              <a:srgbClr val="0000FF"/>
+            </a:solidFill>
+          </a:ln>
+        </p:spPr>
+        <p:style>
+          <a:lnRef idx="2">
+            <a:schemeClr val="accent1">
+              <a:shade val="50000"/>
+            </a:schemeClr>
+          </a:lnRef>
+          <a:fillRef idx="1">
+            <a:schemeClr val="accent1"/>
+          </a:fillRef>
+          <a:effectRef idx="0">
+            <a:schemeClr val="accent1"/>
+          </a:effectRef>
+          <a:fontRef idx="minor">
+            <a:schemeClr val="lt1"/>
+          </a:fontRef>
+        </p:style>
+        <p:txBody>
+          <a:bodyPr rtlCol="0" anchor="ctr"/>
+          <a:lstStyle/>
+          <a:p>
+            <a:pPr algn="ctr"/>
+            <a:endParaRPr lang="en-US"/>
+          </a:p>
+        </p:txBody>
+      </p:sp>
+      <p:sp>
+        <p:nvSpPr>
+          <p:cNvPr id="22" name="Oval 21"/>
+          <p:cNvSpPr/>
+          <p:nvPr/>
+        </p:nvSpPr>
+        <p:spPr>
+          <a:xfrm>
+            <a:off x="6642220" y="4674854"/>
+            <a:ext cx="115815" cy="115815"/>
+          </a:xfrm>
+          <a:prstGeom prst="ellipse">
+            <a:avLst/>
+          </a:prstGeom>
+          <a:solidFill>
+            <a:srgbClr val="38F838"/>
+          </a:solidFill>
+          <a:ln w="19050">
+            <a:solidFill>
+              <a:srgbClr val="0000FF"/>
+            </a:solidFill>
+          </a:ln>
+        </p:spPr>
+        <p:style>
+          <a:lnRef idx="2">
+            <a:schemeClr val="accent1">
+              <a:shade val="50000"/>
+            </a:schemeClr>
+          </a:lnRef>
+          <a:fillRef idx="1">
+            <a:schemeClr val="accent1"/>
+          </a:fillRef>
+          <a:effectRef idx="0">
+            <a:schemeClr val="accent1"/>
+          </a:effectRef>
+          <a:fontRef idx="minor">
+            <a:schemeClr val="lt1"/>
+          </a:fontRef>
+        </p:style>
+        <p:txBody>
+          <a:bodyPr rtlCol="0" anchor="ctr"/>
+          <a:lstStyle/>
+          <a:p>
+            <a:pPr algn="ctr"/>
+            <a:endParaRPr lang="en-US"/>
+          </a:p>
+        </p:txBody>
+      </p:sp>
+      <p:sp>
+        <p:nvSpPr>
+          <p:cNvPr id="23" name="Oval 22"/>
+          <p:cNvSpPr/>
+          <p:nvPr/>
+        </p:nvSpPr>
+        <p:spPr>
+          <a:xfrm>
+            <a:off x="6612666" y="5470380"/>
+            <a:ext cx="115815" cy="115815"/>
+          </a:xfrm>
+          <a:prstGeom prst="ellipse">
+            <a:avLst/>
+          </a:prstGeom>
+          <a:solidFill>
+            <a:srgbClr val="38F838"/>
+          </a:solidFill>
+          <a:ln w="19050">
+            <a:solidFill>
+              <a:srgbClr val="0000FF"/>
+            </a:solidFill>
+          </a:ln>
+        </p:spPr>
+        <p:style>
+          <a:lnRef idx="2">
+            <a:schemeClr val="accent1">
+              <a:shade val="50000"/>
+            </a:schemeClr>
+          </a:lnRef>
+          <a:fillRef idx="1">
+            <a:schemeClr val="accent1"/>
+          </a:fillRef>
+          <a:effectRef idx="0">
+            <a:schemeClr val="accent1"/>
+          </a:effectRef>
+          <a:fontRef idx="minor">
+            <a:schemeClr val="lt1"/>
+          </a:fontRef>
+        </p:style>
+        <p:txBody>
+          <a:bodyPr rtlCol="0" anchor="ctr"/>
+          <a:lstStyle/>
+          <a:p>
+            <a:pPr algn="ctr"/>
+            <a:endParaRPr lang="en-US"/>
+          </a:p>
+        </p:txBody>
+      </p:sp>
+      <p:sp>
+        <p:nvSpPr>
+          <p:cNvPr id="24" name="Oval 23"/>
+          <p:cNvSpPr/>
+          <p:nvPr/>
+        </p:nvSpPr>
+        <p:spPr>
+          <a:xfrm>
+            <a:off x="6612665" y="5346548"/>
+            <a:ext cx="115815" cy="115815"/>
+          </a:xfrm>
+          <a:prstGeom prst="ellipse">
+            <a:avLst/>
+          </a:prstGeom>
+          <a:solidFill>
+            <a:srgbClr val="38F838"/>
+          </a:solidFill>
+          <a:ln w="19050">
+            <a:solidFill>
+              <a:srgbClr val="0000FF"/>
+            </a:solidFill>
+          </a:ln>
+        </p:spPr>
+        <p:style>
+          <a:lnRef idx="2">
+            <a:schemeClr val="accent1">
+              <a:shade val="50000"/>
+            </a:schemeClr>
+          </a:lnRef>
+          <a:fillRef idx="1">
+            <a:schemeClr val="accent1"/>
+          </a:fillRef>
+          <a:effectRef idx="0">
+            <a:schemeClr val="accent1"/>
+          </a:effectRef>
+          <a:fontRef idx="minor">
+            <a:schemeClr val="lt1"/>
+          </a:fontRef>
+        </p:style>
+        <p:txBody>
+          <a:bodyPr rtlCol="0" anchor="ctr"/>
+          <a:lstStyle/>
+          <a:p>
+            <a:pPr algn="ctr"/>
+            <a:endParaRPr lang="en-US"/>
+          </a:p>
+        </p:txBody>
+      </p:sp>
+      <p:sp>
+        <p:nvSpPr>
+          <p:cNvPr id="25" name="Oval 24"/>
+          <p:cNvSpPr/>
+          <p:nvPr/>
+        </p:nvSpPr>
+        <p:spPr>
+          <a:xfrm>
+            <a:off x="6612664" y="5186789"/>
+            <a:ext cx="115815" cy="115815"/>
+          </a:xfrm>
+          <a:prstGeom prst="ellipse">
+            <a:avLst/>
+          </a:prstGeom>
+          <a:solidFill>
+            <a:srgbClr val="38F838"/>
+          </a:solidFill>
+          <a:ln w="19050">
+            <a:solidFill>
+              <a:srgbClr val="0000FF"/>
+            </a:solidFill>
+          </a:ln>
+        </p:spPr>
+        <p:style>
+          <a:lnRef idx="2">
+            <a:schemeClr val="accent1">
+              <a:shade val="50000"/>
+            </a:schemeClr>
+          </a:lnRef>
+          <a:fillRef idx="1">
+            <a:schemeClr val="accent1"/>
+          </a:fillRef>
+          <a:effectRef idx="0">
+            <a:schemeClr val="accent1"/>
+          </a:effectRef>
+          <a:fontRef idx="minor">
+            <a:schemeClr val="lt1"/>
+          </a:fontRef>
+        </p:style>
+        <p:txBody>
+          <a:bodyPr rtlCol="0" anchor="ctr"/>
+          <a:lstStyle/>
+          <a:p>
+            <a:pPr algn="ctr"/>
+            <a:endParaRPr lang="en-US"/>
+          </a:p>
+        </p:txBody>
+      </p:sp>
+      <p:sp>
+        <p:nvSpPr>
+          <p:cNvPr id="26" name="Oval 25"/>
+          <p:cNvSpPr/>
+          <p:nvPr/>
+        </p:nvSpPr>
+        <p:spPr>
+          <a:xfrm>
+            <a:off x="6614278" y="5043758"/>
+            <a:ext cx="115815" cy="115815"/>
+          </a:xfrm>
+          <a:prstGeom prst="ellipse">
+            <a:avLst/>
+          </a:prstGeom>
+          <a:solidFill>
+            <a:srgbClr val="38F838"/>
+          </a:solidFill>
+          <a:ln w="19050">
+            <a:solidFill>
+              <a:srgbClr val="0000FF"/>
+            </a:solidFill>
+          </a:ln>
+        </p:spPr>
+        <p:style>
+          <a:lnRef idx="2">
+            <a:schemeClr val="accent1">
+              <a:shade val="50000"/>
+            </a:schemeClr>
+          </a:lnRef>
+          <a:fillRef idx="1">
+            <a:schemeClr val="accent1"/>
+          </a:fillRef>
+          <a:effectRef idx="0">
+            <a:schemeClr val="accent1"/>
+          </a:effectRef>
+          <a:fontRef idx="minor">
+            <a:schemeClr val="lt1"/>
+          </a:fontRef>
+        </p:style>
+        <p:txBody>
+          <a:bodyPr rtlCol="0" anchor="ctr"/>
+          <a:lstStyle/>
+          <a:p>
+            <a:pPr algn="ctr"/>
+            <a:endParaRPr lang="en-US"/>
+          </a:p>
+        </p:txBody>
+      </p:sp>
+      <p:sp>
+        <p:nvSpPr>
+          <p:cNvPr id="27" name="Oval 26"/>
+          <p:cNvSpPr/>
+          <p:nvPr/>
+        </p:nvSpPr>
+        <p:spPr>
+          <a:xfrm>
+            <a:off x="6614278" y="4894886"/>
+            <a:ext cx="115815" cy="115815"/>
+          </a:xfrm>
+          <a:prstGeom prst="ellipse">
+            <a:avLst/>
+          </a:prstGeom>
+          <a:solidFill>
+            <a:srgbClr val="38F838"/>
+          </a:solidFill>
+          <a:ln w="19050">
+            <a:solidFill>
+              <a:srgbClr val="0000FF"/>
+            </a:solidFill>
+          </a:ln>
+        </p:spPr>
+        <p:style>
+          <a:lnRef idx="2">
+            <a:schemeClr val="accent1">
+              <a:shade val="50000"/>
+            </a:schemeClr>
+          </a:lnRef>
+          <a:fillRef idx="1">
+            <a:schemeClr val="accent1"/>
+          </a:fillRef>
+          <a:effectRef idx="0">
+            <a:schemeClr val="accent1"/>
+          </a:effectRef>
+          <a:fontRef idx="minor">
+            <a:schemeClr val="lt1"/>
+          </a:fontRef>
+        </p:style>
+        <p:txBody>
+          <a:bodyPr rtlCol="0" anchor="ctr"/>
+          <a:lstStyle/>
+          <a:p>
+            <a:pPr algn="ctr"/>
+            <a:endParaRPr lang="en-US"/>
+          </a:p>
+        </p:txBody>
+      </p:sp>
+      <p:sp>
+        <p:nvSpPr>
+          <p:cNvPr id="28" name="Oval 27"/>
+          <p:cNvSpPr/>
+          <p:nvPr/>
+        </p:nvSpPr>
+        <p:spPr>
+          <a:xfrm>
+            <a:off x="6492039" y="5244696"/>
+            <a:ext cx="115815" cy="115815"/>
+          </a:xfrm>
+          <a:prstGeom prst="ellipse">
+            <a:avLst/>
+          </a:prstGeom>
+          <a:solidFill>
+            <a:srgbClr val="38F838"/>
+          </a:solidFill>
+          <a:ln w="19050">
+            <a:solidFill>
+              <a:srgbClr val="0000FF"/>
+            </a:solidFill>
+          </a:ln>
+        </p:spPr>
+        <p:style>
+          <a:lnRef idx="2">
+            <a:schemeClr val="accent1">
+              <a:shade val="50000"/>
+            </a:schemeClr>
+          </a:lnRef>
+          <a:fillRef idx="1">
+            <a:schemeClr val="accent1"/>
+          </a:fillRef>
+          <a:effectRef idx="0">
+            <a:schemeClr val="accent1"/>
+          </a:effectRef>
+          <a:fontRef idx="minor">
+            <a:schemeClr val="lt1"/>
+          </a:fontRef>
+        </p:style>
+        <p:txBody>
+          <a:bodyPr rtlCol="0" anchor="ctr"/>
+          <a:lstStyle/>
+          <a:p>
+            <a:pPr algn="ctr"/>
+            <a:endParaRPr lang="en-US"/>
+          </a:p>
+        </p:txBody>
+      </p:sp>
+      <p:sp>
+        <p:nvSpPr>
+          <p:cNvPr id="29" name="Oval 28"/>
+          <p:cNvSpPr/>
+          <p:nvPr/>
+        </p:nvSpPr>
+        <p:spPr>
+          <a:xfrm>
+            <a:off x="6492039" y="5080053"/>
+            <a:ext cx="115815" cy="115815"/>
+          </a:xfrm>
+          <a:prstGeom prst="ellipse">
+            <a:avLst/>
+          </a:prstGeom>
+          <a:solidFill>
+            <a:srgbClr val="38F838"/>
+          </a:solidFill>
+          <a:ln w="19050">
+            <a:solidFill>
+              <a:srgbClr val="0000FF"/>
+            </a:solidFill>
+          </a:ln>
+        </p:spPr>
+        <p:style>
+          <a:lnRef idx="2">
+            <a:schemeClr val="accent1">
+              <a:shade val="50000"/>
+            </a:schemeClr>
+          </a:lnRef>
+          <a:fillRef idx="1">
+            <a:schemeClr val="accent1"/>
+          </a:fillRef>
+          <a:effectRef idx="0">
+            <a:schemeClr val="accent1"/>
+          </a:effectRef>
+          <a:fontRef idx="minor">
+            <a:schemeClr val="lt1"/>
+          </a:fontRef>
+        </p:style>
+        <p:txBody>
+          <a:bodyPr rtlCol="0" anchor="ctr"/>
+          <a:lstStyle/>
+          <a:p>
+            <a:pPr algn="ctr"/>
+            <a:endParaRPr lang="en-US"/>
+          </a:p>
+        </p:txBody>
+      </p:sp>
+      <p:sp>
+        <p:nvSpPr>
+          <p:cNvPr id="30" name="Oval 29"/>
+          <p:cNvSpPr/>
+          <p:nvPr/>
+        </p:nvSpPr>
+        <p:spPr>
+          <a:xfrm>
+            <a:off x="6498463" y="4698009"/>
+            <a:ext cx="115815" cy="115815"/>
+          </a:xfrm>
+          <a:prstGeom prst="ellipse">
+            <a:avLst/>
+          </a:prstGeom>
+          <a:solidFill>
+            <a:srgbClr val="38F838"/>
+          </a:solidFill>
+          <a:ln w="19050">
+            <a:solidFill>
+              <a:srgbClr val="0000FF"/>
+            </a:solidFill>
+          </a:ln>
+        </p:spPr>
+        <p:style>
+          <a:lnRef idx="2">
+            <a:schemeClr val="accent1">
+              <a:shade val="50000"/>
+            </a:schemeClr>
+          </a:lnRef>
+          <a:fillRef idx="1">
+            <a:schemeClr val="accent1"/>
+          </a:fillRef>
+          <a:effectRef idx="0">
+            <a:schemeClr val="accent1"/>
+          </a:effectRef>
+          <a:fontRef idx="minor">
+            <a:schemeClr val="lt1"/>
+          </a:fontRef>
+        </p:style>
+        <p:txBody>
+          <a:bodyPr rtlCol="0" anchor="ctr"/>
+          <a:lstStyle/>
+          <a:p>
+            <a:pPr algn="ctr"/>
+            <a:endParaRPr lang="en-US"/>
+          </a:p>
+        </p:txBody>
+      </p:sp>
+      <p:sp>
+        <p:nvSpPr>
+          <p:cNvPr id="31" name="Oval 30"/>
+          <p:cNvSpPr/>
+          <p:nvPr/>
+        </p:nvSpPr>
+        <p:spPr>
+          <a:xfrm>
+            <a:off x="6492038" y="4825268"/>
+            <a:ext cx="115815" cy="115815"/>
+          </a:xfrm>
+          <a:prstGeom prst="ellipse">
+            <a:avLst/>
+          </a:prstGeom>
+          <a:solidFill>
+            <a:srgbClr val="38F838"/>
+          </a:solidFill>
+          <a:ln w="19050">
+            <a:solidFill>
+              <a:srgbClr val="0000FF"/>
+            </a:solidFill>
+          </a:ln>
+        </p:spPr>
+        <p:style>
+          <a:lnRef idx="2">
+            <a:schemeClr val="accent1">
+              <a:shade val="50000"/>
+            </a:schemeClr>
+          </a:lnRef>
+          <a:fillRef idx="1">
+            <a:schemeClr val="accent1"/>
+          </a:fillRef>
+          <a:effectRef idx="0">
+            <a:schemeClr val="accent1"/>
+          </a:effectRef>
+          <a:fontRef idx="minor">
+            <a:schemeClr val="lt1"/>
+          </a:fontRef>
+        </p:style>
+        <p:txBody>
+          <a:bodyPr rtlCol="0" anchor="ctr"/>
+          <a:lstStyle/>
+          <a:p>
+            <a:pPr algn="ctr"/>
+            <a:endParaRPr lang="en-US"/>
+          </a:p>
+        </p:txBody>
+      </p:sp>
+      <p:sp>
+        <p:nvSpPr>
+          <p:cNvPr id="32" name="Oval 31"/>
+          <p:cNvSpPr/>
+          <p:nvPr/>
+        </p:nvSpPr>
+        <p:spPr>
+          <a:xfrm>
+            <a:off x="6498463" y="4971352"/>
+            <a:ext cx="115815" cy="115815"/>
+          </a:xfrm>
+          <a:prstGeom prst="ellipse">
+            <a:avLst/>
+          </a:prstGeom>
+          <a:solidFill>
+            <a:srgbClr val="38F838"/>
+          </a:solidFill>
+          <a:ln w="19050">
+            <a:solidFill>
+              <a:srgbClr val="0000FF"/>
+            </a:solidFill>
+          </a:ln>
+        </p:spPr>
+        <p:style>
+          <a:lnRef idx="2">
+            <a:schemeClr val="accent1">
+              <a:shade val="50000"/>
+            </a:schemeClr>
+          </a:lnRef>
+          <a:fillRef idx="1">
+            <a:schemeClr val="accent1"/>
+          </a:fillRef>
+          <a:effectRef idx="0">
+            <a:schemeClr val="accent1"/>
+          </a:effectRef>
+          <a:fontRef idx="minor">
+            <a:schemeClr val="lt1"/>
+          </a:fontRef>
+        </p:style>
+        <p:txBody>
+          <a:bodyPr rtlCol="0" anchor="ctr"/>
+          <a:lstStyle/>
+          <a:p>
+            <a:pPr algn="ctr"/>
+            <a:endParaRPr lang="en-US" dirty="0"/>
+          </a:p>
+        </p:txBody>
+      </p:sp>
+      <p:sp>
+        <p:nvSpPr>
+          <p:cNvPr id="33" name="Oval 32"/>
+          <p:cNvSpPr/>
+          <p:nvPr/>
+        </p:nvSpPr>
+        <p:spPr>
+          <a:xfrm>
+            <a:off x="6346391" y="5029259"/>
+            <a:ext cx="115815" cy="115815"/>
+          </a:xfrm>
+          <a:prstGeom prst="ellipse">
+            <a:avLst/>
+          </a:prstGeom>
+          <a:solidFill>
+            <a:srgbClr val="38F838"/>
+          </a:solidFill>
+          <a:ln w="19050">
+            <a:solidFill>
+              <a:srgbClr val="0000FF"/>
+            </a:solidFill>
+          </a:ln>
+        </p:spPr>
+        <p:style>
+          <a:lnRef idx="2">
+            <a:schemeClr val="accent1">
+              <a:shade val="50000"/>
+            </a:schemeClr>
+          </a:lnRef>
+          <a:fillRef idx="1">
+            <a:schemeClr val="accent1"/>
+          </a:fillRef>
+          <a:effectRef idx="0">
+            <a:schemeClr val="accent1"/>
+          </a:effectRef>
+          <a:fontRef idx="minor">
+            <a:schemeClr val="lt1"/>
+          </a:fontRef>
+        </p:style>
+        <p:txBody>
+          <a:bodyPr rtlCol="0" anchor="ctr"/>
+          <a:lstStyle/>
+          <a:p>
+            <a:pPr algn="ctr"/>
+            <a:endParaRPr lang="en-US"/>
+          </a:p>
+        </p:txBody>
+      </p:sp>
+      <p:sp>
+        <p:nvSpPr>
+          <p:cNvPr id="34" name="Oval 33"/>
+          <p:cNvSpPr/>
+          <p:nvPr/>
+        </p:nvSpPr>
+        <p:spPr>
+          <a:xfrm>
+            <a:off x="6382648" y="4907590"/>
+            <a:ext cx="115815" cy="115815"/>
+          </a:xfrm>
+          <a:prstGeom prst="ellipse">
+            <a:avLst/>
+          </a:prstGeom>
+          <a:solidFill>
+            <a:srgbClr val="38F838"/>
+          </a:solidFill>
+          <a:ln w="19050">
+            <a:solidFill>
+              <a:srgbClr val="0000FF"/>
+            </a:solidFill>
+          </a:ln>
+        </p:spPr>
+        <p:style>
+          <a:lnRef idx="2">
+            <a:schemeClr val="accent1">
+              <a:shade val="50000"/>
+            </a:schemeClr>
+          </a:lnRef>
+          <a:fillRef idx="1">
+            <a:schemeClr val="accent1"/>
+          </a:fillRef>
+          <a:effectRef idx="0">
+            <a:schemeClr val="accent1"/>
+          </a:effectRef>
+          <a:fontRef idx="minor">
+            <a:schemeClr val="lt1"/>
+          </a:fontRef>
+        </p:style>
+        <p:txBody>
+          <a:bodyPr rtlCol="0" anchor="ctr"/>
+          <a:lstStyle/>
+          <a:p>
+            <a:pPr algn="ctr"/>
+            <a:endParaRPr lang="en-US"/>
+          </a:p>
+        </p:txBody>
+      </p:sp>
+      <p:sp>
+        <p:nvSpPr>
+          <p:cNvPr id="35" name="Oval 34"/>
+          <p:cNvSpPr/>
+          <p:nvPr/>
+        </p:nvSpPr>
+        <p:spPr>
+          <a:xfrm>
+            <a:off x="6382648" y="4755915"/>
+            <a:ext cx="115815" cy="115815"/>
+          </a:xfrm>
+          <a:prstGeom prst="ellipse">
+            <a:avLst/>
+          </a:prstGeom>
+          <a:solidFill>
+            <a:srgbClr val="38F838"/>
+          </a:solidFill>
+          <a:ln w="19050">
+            <a:solidFill>
+              <a:srgbClr val="0000FF"/>
+            </a:solidFill>
+          </a:ln>
+        </p:spPr>
+        <p:style>
+          <a:lnRef idx="2">
+            <a:schemeClr val="accent1">
+              <a:shade val="50000"/>
+            </a:schemeClr>
+          </a:lnRef>
+          <a:fillRef idx="1">
+            <a:schemeClr val="accent1"/>
+          </a:fillRef>
+          <a:effectRef idx="0">
+            <a:schemeClr val="accent1"/>
+          </a:effectRef>
+          <a:fontRef idx="minor">
+            <a:schemeClr val="lt1"/>
+          </a:fontRef>
+        </p:style>
+        <p:txBody>
+          <a:bodyPr rtlCol="0" anchor="ctr"/>
+          <a:lstStyle/>
+          <a:p>
+            <a:pPr algn="ctr"/>
+            <a:endParaRPr lang="en-US"/>
+          </a:p>
+        </p:txBody>
+      </p:sp>
+      <p:sp>
+        <p:nvSpPr>
+          <p:cNvPr id="36" name="Oval 35"/>
+          <p:cNvSpPr/>
+          <p:nvPr/>
+        </p:nvSpPr>
+        <p:spPr>
+          <a:xfrm>
+            <a:off x="6376223" y="4628522"/>
+            <a:ext cx="115815" cy="115815"/>
+          </a:xfrm>
+          <a:prstGeom prst="ellipse">
+            <a:avLst/>
+          </a:prstGeom>
+          <a:solidFill>
+            <a:srgbClr val="38F838"/>
+          </a:solidFill>
+          <a:ln w="19050">
+            <a:solidFill>
+              <a:srgbClr val="0000FF"/>
+            </a:solidFill>
+          </a:ln>
+        </p:spPr>
+        <p:style>
+          <a:lnRef idx="2">
+            <a:schemeClr val="accent1">
+              <a:shade val="50000"/>
+            </a:schemeClr>
+          </a:lnRef>
+          <a:fillRef idx="1">
+            <a:schemeClr val="accent1"/>
+          </a:fillRef>
+          <a:effectRef idx="0">
+            <a:schemeClr val="accent1"/>
+          </a:effectRef>
+          <a:fontRef idx="minor">
+            <a:schemeClr val="lt1"/>
+          </a:fontRef>
+        </p:style>
+        <p:txBody>
+          <a:bodyPr rtlCol="0" anchor="ctr"/>
+          <a:lstStyle/>
+          <a:p>
+            <a:pPr algn="ctr"/>
+            <a:endParaRPr lang="en-US"/>
+          </a:p>
+        </p:txBody>
+      </p:sp>
+      <p:sp>
+        <p:nvSpPr>
+          <p:cNvPr id="37" name="Oval 36"/>
+          <p:cNvSpPr/>
+          <p:nvPr/>
+        </p:nvSpPr>
+        <p:spPr>
+          <a:xfrm>
+            <a:off x="6230576" y="4962571"/>
+            <a:ext cx="115815" cy="115815"/>
+          </a:xfrm>
+          <a:prstGeom prst="ellipse">
+            <a:avLst/>
+          </a:prstGeom>
+          <a:solidFill>
+            <a:srgbClr val="38F838"/>
+          </a:solidFill>
+          <a:ln w="19050">
+            <a:solidFill>
+              <a:srgbClr val="0000FF"/>
+            </a:solidFill>
+          </a:ln>
+        </p:spPr>
+        <p:style>
+          <a:lnRef idx="2">
+            <a:schemeClr val="accent1">
+              <a:shade val="50000"/>
+            </a:schemeClr>
+          </a:lnRef>
+          <a:fillRef idx="1">
+            <a:schemeClr val="accent1"/>
+          </a:fillRef>
+          <a:effectRef idx="0">
+            <a:schemeClr val="accent1"/>
+          </a:effectRef>
+          <a:fontRef idx="minor">
+            <a:schemeClr val="lt1"/>
+          </a:fontRef>
+        </p:style>
+        <p:txBody>
+          <a:bodyPr rtlCol="0" anchor="ctr"/>
+          <a:lstStyle/>
+          <a:p>
+            <a:pPr algn="ctr"/>
+            <a:endParaRPr lang="en-US"/>
+          </a:p>
+        </p:txBody>
+      </p:sp>
+      <p:sp>
+        <p:nvSpPr>
+          <p:cNvPr id="38" name="Oval 37"/>
+          <p:cNvSpPr/>
+          <p:nvPr/>
+        </p:nvSpPr>
+        <p:spPr>
+          <a:xfrm>
+            <a:off x="6263620" y="4844666"/>
+            <a:ext cx="115815" cy="115815"/>
+          </a:xfrm>
+          <a:prstGeom prst="ellipse">
+            <a:avLst/>
+          </a:prstGeom>
+          <a:solidFill>
+            <a:srgbClr val="38F838"/>
+          </a:solidFill>
+          <a:ln w="19050">
+            <a:solidFill>
+              <a:srgbClr val="0000FF"/>
+            </a:solidFill>
+          </a:ln>
+        </p:spPr>
+        <p:style>
+          <a:lnRef idx="2">
+            <a:schemeClr val="accent1">
+              <a:shade val="50000"/>
+            </a:schemeClr>
+          </a:lnRef>
+          <a:fillRef idx="1">
+            <a:schemeClr val="accent1"/>
+          </a:fillRef>
+          <a:effectRef idx="0">
+            <a:schemeClr val="accent1"/>
+          </a:effectRef>
+          <a:fontRef idx="minor">
+            <a:schemeClr val="lt1"/>
+          </a:fontRef>
+        </p:style>
+        <p:txBody>
+          <a:bodyPr rtlCol="0" anchor="ctr"/>
+          <a:lstStyle/>
+          <a:p>
+            <a:pPr algn="ctr"/>
+            <a:endParaRPr lang="en-US"/>
+          </a:p>
+        </p:txBody>
+      </p:sp>
+      <p:sp>
+        <p:nvSpPr>
+          <p:cNvPr id="39" name="Oval 38"/>
+          <p:cNvSpPr/>
+          <p:nvPr/>
+        </p:nvSpPr>
+        <p:spPr>
+          <a:xfrm>
+            <a:off x="6269290" y="4699479"/>
+            <a:ext cx="115815" cy="115815"/>
+          </a:xfrm>
+          <a:prstGeom prst="ellipse">
+            <a:avLst/>
+          </a:prstGeom>
+          <a:solidFill>
+            <a:srgbClr val="38F838"/>
+          </a:solidFill>
+          <a:ln w="19050">
+            <a:solidFill>
+              <a:srgbClr val="0000FF"/>
+            </a:solidFill>
+          </a:ln>
+        </p:spPr>
+        <p:style>
+          <a:lnRef idx="2">
+            <a:schemeClr val="accent1">
+              <a:shade val="50000"/>
+            </a:schemeClr>
+          </a:lnRef>
+          <a:fillRef idx="1">
+            <a:schemeClr val="accent1"/>
+          </a:fillRef>
+          <a:effectRef idx="0">
+            <a:schemeClr val="accent1"/>
+          </a:effectRef>
+          <a:fontRef idx="minor">
+            <a:schemeClr val="lt1"/>
+          </a:fontRef>
+        </p:style>
+        <p:txBody>
+          <a:bodyPr rtlCol="0" anchor="ctr"/>
+          <a:lstStyle/>
+          <a:p>
+            <a:pPr algn="ctr"/>
+            <a:endParaRPr lang="en-US"/>
+          </a:p>
+        </p:txBody>
+      </p:sp>
+      <p:sp>
+        <p:nvSpPr>
+          <p:cNvPr id="40" name="Oval 39"/>
+          <p:cNvSpPr/>
+          <p:nvPr/>
+        </p:nvSpPr>
+        <p:spPr>
+          <a:xfrm>
+            <a:off x="6084048" y="4893219"/>
+            <a:ext cx="115815" cy="115815"/>
+          </a:xfrm>
+          <a:prstGeom prst="ellipse">
+            <a:avLst/>
+          </a:prstGeom>
+          <a:solidFill>
+            <a:srgbClr val="38F838"/>
+          </a:solidFill>
+          <a:ln w="19050">
+            <a:solidFill>
+              <a:srgbClr val="0000FF"/>
+            </a:solidFill>
+          </a:ln>
+        </p:spPr>
+        <p:style>
+          <a:lnRef idx="2">
+            <a:schemeClr val="accent1">
+              <a:shade val="50000"/>
+            </a:schemeClr>
+          </a:lnRef>
+          <a:fillRef idx="1">
+            <a:schemeClr val="accent1"/>
+          </a:fillRef>
+          <a:effectRef idx="0">
+            <a:schemeClr val="accent1"/>
+          </a:effectRef>
+          <a:fontRef idx="minor">
+            <a:schemeClr val="lt1"/>
+          </a:fontRef>
+        </p:style>
+        <p:txBody>
+          <a:bodyPr rtlCol="0" anchor="ctr"/>
+          <a:lstStyle/>
+          <a:p>
+            <a:pPr algn="ctr"/>
+            <a:endParaRPr lang="en-US"/>
+          </a:p>
+        </p:txBody>
+      </p:sp>
+      <p:sp>
+        <p:nvSpPr>
+          <p:cNvPr id="41" name="Oval 40"/>
+          <p:cNvSpPr/>
+          <p:nvPr/>
+        </p:nvSpPr>
+        <p:spPr>
+          <a:xfrm>
+            <a:off x="6154870" y="4781742"/>
+            <a:ext cx="115815" cy="115815"/>
+          </a:xfrm>
+          <a:prstGeom prst="ellipse">
+            <a:avLst/>
+          </a:prstGeom>
+          <a:solidFill>
+            <a:srgbClr val="38F838"/>
+          </a:solidFill>
+          <a:ln w="19050">
+            <a:solidFill>
+              <a:srgbClr val="0000FF"/>
+            </a:solidFill>
+          </a:ln>
+        </p:spPr>
+        <p:style>
+          <a:lnRef idx="2">
+            <a:schemeClr val="accent1">
+              <a:shade val="50000"/>
+            </a:schemeClr>
+          </a:lnRef>
+          <a:fillRef idx="1">
+            <a:schemeClr val="accent1"/>
+          </a:fillRef>
+          <a:effectRef idx="0">
+            <a:schemeClr val="accent1"/>
+          </a:effectRef>
+          <a:fontRef idx="minor">
+            <a:schemeClr val="lt1"/>
+          </a:fontRef>
+        </p:style>
+        <p:txBody>
+          <a:bodyPr rtlCol="0" anchor="ctr"/>
+          <a:lstStyle/>
+          <a:p>
+            <a:pPr algn="ctr"/>
+            <a:endParaRPr lang="en-US"/>
+          </a:p>
+        </p:txBody>
+      </p:sp>
+      <p:sp>
+        <p:nvSpPr>
+          <p:cNvPr id="42" name="Oval 41"/>
+          <p:cNvSpPr/>
+          <p:nvPr/>
+        </p:nvSpPr>
+        <p:spPr>
+          <a:xfrm>
+            <a:off x="6021354" y="4723834"/>
+            <a:ext cx="115815" cy="115815"/>
+          </a:xfrm>
+          <a:prstGeom prst="ellipse">
+            <a:avLst/>
+          </a:prstGeom>
+          <a:solidFill>
+            <a:srgbClr val="38F838"/>
+          </a:solidFill>
+          <a:ln w="19050">
+            <a:solidFill>
+              <a:srgbClr val="0000FF"/>
+            </a:solidFill>
+          </a:ln>
+        </p:spPr>
+        <p:style>
+          <a:lnRef idx="2">
+            <a:schemeClr val="accent1">
+              <a:shade val="50000"/>
+            </a:schemeClr>
+          </a:lnRef>
+          <a:fillRef idx="1">
+            <a:schemeClr val="accent1"/>
+          </a:fillRef>
+          <a:effectRef idx="0">
+            <a:schemeClr val="accent1"/>
+          </a:effectRef>
+          <a:fontRef idx="minor">
+            <a:schemeClr val="lt1"/>
+          </a:fontRef>
+        </p:style>
+        <p:txBody>
+          <a:bodyPr rtlCol="0" anchor="ctr"/>
+          <a:lstStyle/>
+          <a:p>
+            <a:pPr algn="ctr"/>
+            <a:endParaRPr lang="en-US"/>
+          </a:p>
+        </p:txBody>
+      </p:sp>
+      <p:sp>
+        <p:nvSpPr>
+          <p:cNvPr id="43" name="Oval 42"/>
+          <p:cNvSpPr/>
+          <p:nvPr/>
+        </p:nvSpPr>
+        <p:spPr>
+          <a:xfrm>
+            <a:off x="5895060" y="4696340"/>
+            <a:ext cx="115815" cy="115815"/>
+          </a:xfrm>
+          <a:prstGeom prst="ellipse">
+            <a:avLst/>
+          </a:prstGeom>
+          <a:solidFill>
+            <a:srgbClr val="38F838"/>
+          </a:solidFill>
+          <a:ln w="19050">
+            <a:solidFill>
+              <a:srgbClr val="0000FF"/>
+            </a:solidFill>
+          </a:ln>
+        </p:spPr>
+        <p:style>
+          <a:lnRef idx="2">
+            <a:schemeClr val="accent1">
+              <a:shade val="50000"/>
+            </a:schemeClr>
+          </a:lnRef>
+          <a:fillRef idx="1">
+            <a:schemeClr val="accent1"/>
+          </a:fillRef>
+          <a:effectRef idx="0">
+            <a:schemeClr val="accent1"/>
+          </a:effectRef>
+          <a:fontRef idx="minor">
+            <a:schemeClr val="lt1"/>
+          </a:fontRef>
+        </p:style>
+        <p:txBody>
+          <a:bodyPr rtlCol="0" anchor="ctr"/>
+          <a:lstStyle/>
+          <a:p>
+            <a:pPr algn="ctr"/>
+            <a:endParaRPr lang="en-US"/>
+          </a:p>
+        </p:txBody>
+      </p:sp>
+      <p:sp>
+        <p:nvSpPr>
+          <p:cNvPr id="44" name="Oval 43"/>
+          <p:cNvSpPr/>
+          <p:nvPr/>
+        </p:nvSpPr>
+        <p:spPr>
+          <a:xfrm>
+            <a:off x="5798726" y="4798808"/>
+            <a:ext cx="115815" cy="115815"/>
+          </a:xfrm>
+          <a:prstGeom prst="ellipse">
+            <a:avLst/>
+          </a:prstGeom>
+          <a:solidFill>
+            <a:srgbClr val="38F838"/>
+          </a:solidFill>
+          <a:ln w="19050">
+            <a:solidFill>
+              <a:srgbClr val="0000FF"/>
+            </a:solidFill>
+          </a:ln>
+        </p:spPr>
+        <p:style>
+          <a:lnRef idx="2">
+            <a:schemeClr val="accent1">
+              <a:shade val="50000"/>
+            </a:schemeClr>
+          </a:lnRef>
+          <a:fillRef idx="1">
+            <a:schemeClr val="accent1"/>
+          </a:fillRef>
+          <a:effectRef idx="0">
+            <a:schemeClr val="accent1"/>
+          </a:effectRef>
+          <a:fontRef idx="minor">
+            <a:schemeClr val="lt1"/>
+          </a:fontRef>
+        </p:style>
+        <p:txBody>
+          <a:bodyPr rtlCol="0" anchor="ctr"/>
+          <a:lstStyle/>
+          <a:p>
+            <a:pPr algn="ctr"/>
+            <a:endParaRPr lang="en-US"/>
+          </a:p>
+        </p:txBody>
+      </p:sp>
+      <p:sp>
+        <p:nvSpPr>
+          <p:cNvPr id="45" name="Oval 44"/>
+          <p:cNvSpPr/>
+          <p:nvPr/>
+        </p:nvSpPr>
+        <p:spPr>
+          <a:xfrm>
+            <a:off x="5704154" y="4709453"/>
+            <a:ext cx="115815" cy="115815"/>
+          </a:xfrm>
+          <a:prstGeom prst="ellipse">
+            <a:avLst/>
+          </a:prstGeom>
+          <a:solidFill>
+            <a:srgbClr val="38F838"/>
+          </a:solidFill>
+          <a:ln w="19050">
+            <a:solidFill>
+              <a:srgbClr val="0000FF"/>
+            </a:solidFill>
+          </a:ln>
+        </p:spPr>
+        <p:style>
+          <a:lnRef idx="2">
+            <a:schemeClr val="accent1">
+              <a:shade val="50000"/>
+            </a:schemeClr>
+          </a:lnRef>
+          <a:fillRef idx="1">
+            <a:schemeClr val="accent1"/>
+          </a:fillRef>
+          <a:effectRef idx="0">
+            <a:schemeClr val="accent1"/>
+          </a:effectRef>
+          <a:fontRef idx="minor">
+            <a:schemeClr val="lt1"/>
+          </a:fontRef>
+        </p:style>
+        <p:txBody>
+          <a:bodyPr rtlCol="0" anchor="ctr"/>
+          <a:lstStyle/>
+          <a:p>
+            <a:pPr algn="ctr"/>
+            <a:endParaRPr lang="en-US"/>
+          </a:p>
+        </p:txBody>
+      </p:sp>
+      <p:sp>
+        <p:nvSpPr>
+          <p:cNvPr id="46" name="Oval 45"/>
+          <p:cNvSpPr/>
+          <p:nvPr/>
+        </p:nvSpPr>
+        <p:spPr>
+          <a:xfrm>
+            <a:off x="5646246" y="4559039"/>
+            <a:ext cx="115815" cy="115815"/>
+          </a:xfrm>
+          <a:prstGeom prst="ellipse">
+            <a:avLst/>
+          </a:prstGeom>
+          <a:solidFill>
+            <a:srgbClr val="38F838"/>
+          </a:solidFill>
+          <a:ln w="19050">
+            <a:solidFill>
+              <a:srgbClr val="0000FF"/>
+            </a:solidFill>
+          </a:ln>
+        </p:spPr>
+        <p:style>
+          <a:lnRef idx="2">
+            <a:schemeClr val="accent1">
+              <a:shade val="50000"/>
+            </a:schemeClr>
+          </a:lnRef>
+          <a:fillRef idx="1">
+            <a:schemeClr val="accent1"/>
+          </a:fillRef>
+          <a:effectRef idx="0">
+            <a:schemeClr val="accent1"/>
+          </a:effectRef>
+          <a:fontRef idx="minor">
+            <a:schemeClr val="lt1"/>
+          </a:fontRef>
+        </p:style>
+        <p:txBody>
+          <a:bodyPr rtlCol="0" anchor="ctr"/>
+          <a:lstStyle/>
+          <a:p>
+            <a:pPr algn="ctr"/>
+            <a:endParaRPr lang="en-US"/>
+          </a:p>
+        </p:txBody>
+      </p:sp>
+      <p:sp>
+        <p:nvSpPr>
+          <p:cNvPr id="47" name="Oval 46"/>
+          <p:cNvSpPr/>
+          <p:nvPr/>
+        </p:nvSpPr>
+        <p:spPr>
+          <a:xfrm>
+            <a:off x="5384311" y="4914623"/>
+            <a:ext cx="115815" cy="115815"/>
+          </a:xfrm>
+          <a:prstGeom prst="ellipse">
+            <a:avLst/>
+          </a:prstGeom>
+          <a:solidFill>
+            <a:srgbClr val="38F838"/>
+          </a:solidFill>
+          <a:ln w="19050">
+            <a:solidFill>
+              <a:srgbClr val="0000FF"/>
+            </a:solidFill>
+          </a:ln>
+        </p:spPr>
+        <p:style>
+          <a:lnRef idx="2">
+            <a:schemeClr val="accent1">
+              <a:shade val="50000"/>
+            </a:schemeClr>
+          </a:lnRef>
+          <a:fillRef idx="1">
+            <a:schemeClr val="accent1"/>
+          </a:fillRef>
+          <a:effectRef idx="0">
+            <a:schemeClr val="accent1"/>
+          </a:effectRef>
+          <a:fontRef idx="minor">
+            <a:schemeClr val="lt1"/>
+          </a:fontRef>
+        </p:style>
+        <p:txBody>
+          <a:bodyPr rtlCol="0" anchor="ctr"/>
+          <a:lstStyle/>
+          <a:p>
+            <a:pPr algn="ctr"/>
+            <a:endParaRPr lang="en-US"/>
+          </a:p>
+        </p:txBody>
+      </p:sp>
+      <p:sp>
+        <p:nvSpPr>
+          <p:cNvPr id="48" name="Oval 47"/>
+          <p:cNvSpPr/>
+          <p:nvPr/>
+        </p:nvSpPr>
+        <p:spPr>
+          <a:xfrm>
+            <a:off x="5479826" y="4792458"/>
+            <a:ext cx="115815" cy="115815"/>
+          </a:xfrm>
+          <a:prstGeom prst="ellipse">
+            <a:avLst/>
+          </a:prstGeom>
+          <a:solidFill>
+            <a:srgbClr val="38F838"/>
+          </a:solidFill>
+          <a:ln w="19050">
+            <a:solidFill>
+              <a:srgbClr val="0000FF"/>
+            </a:solidFill>
+          </a:ln>
+        </p:spPr>
+        <p:style>
+          <a:lnRef idx="2">
+            <a:schemeClr val="accent1">
+              <a:shade val="50000"/>
+            </a:schemeClr>
+          </a:lnRef>
+          <a:fillRef idx="1">
+            <a:schemeClr val="accent1"/>
+          </a:fillRef>
+          <a:effectRef idx="0">
+            <a:schemeClr val="accent1"/>
+          </a:effectRef>
+          <a:fontRef idx="minor">
+            <a:schemeClr val="lt1"/>
+          </a:fontRef>
+        </p:style>
+        <p:txBody>
+          <a:bodyPr rtlCol="0" anchor="ctr"/>
+          <a:lstStyle/>
+          <a:p>
+            <a:pPr algn="ctr"/>
+            <a:endParaRPr lang="en-US"/>
+          </a:p>
+        </p:txBody>
+      </p:sp>
+      <p:sp>
+        <p:nvSpPr>
+          <p:cNvPr id="49" name="Oval 48"/>
+          <p:cNvSpPr/>
+          <p:nvPr/>
+        </p:nvSpPr>
+        <p:spPr>
+          <a:xfrm>
+            <a:off x="5570157" y="4691771"/>
+            <a:ext cx="115815" cy="115815"/>
+          </a:xfrm>
+          <a:prstGeom prst="ellipse">
+            <a:avLst/>
+          </a:prstGeom>
+          <a:solidFill>
+            <a:srgbClr val="38F838"/>
+          </a:solidFill>
+          <a:ln w="19050">
+            <a:solidFill>
+              <a:srgbClr val="0000FF"/>
+            </a:solidFill>
+          </a:ln>
+        </p:spPr>
+        <p:style>
+          <a:lnRef idx="2">
+            <a:schemeClr val="accent1">
+              <a:shade val="50000"/>
+            </a:schemeClr>
+          </a:lnRef>
+          <a:fillRef idx="1">
+            <a:schemeClr val="accent1"/>
+          </a:fillRef>
+          <a:effectRef idx="0">
+            <a:schemeClr val="accent1"/>
+          </a:effectRef>
+          <a:fontRef idx="minor">
+            <a:schemeClr val="lt1"/>
+          </a:fontRef>
+        </p:style>
+        <p:txBody>
+          <a:bodyPr rtlCol="0" anchor="ctr"/>
+          <a:lstStyle/>
+          <a:p>
+            <a:pPr algn="ctr"/>
+            <a:endParaRPr lang="en-US"/>
+          </a:p>
+        </p:txBody>
+      </p:sp>
+      <p:sp>
+        <p:nvSpPr>
+          <p:cNvPr id="50" name="Oval 49"/>
+          <p:cNvSpPr/>
+          <p:nvPr/>
+        </p:nvSpPr>
+        <p:spPr>
+          <a:xfrm>
+            <a:off x="5513248" y="4559039"/>
+            <a:ext cx="115815" cy="115815"/>
+          </a:xfrm>
+          <a:prstGeom prst="ellipse">
+            <a:avLst/>
+          </a:prstGeom>
+          <a:solidFill>
+            <a:srgbClr val="38F838"/>
+          </a:solidFill>
+          <a:ln w="19050">
+            <a:solidFill>
+              <a:srgbClr val="0000FF"/>
+            </a:solidFill>
+          </a:ln>
+        </p:spPr>
+        <p:style>
+          <a:lnRef idx="2">
+            <a:schemeClr val="accent1">
+              <a:shade val="50000"/>
+            </a:schemeClr>
+          </a:lnRef>
+          <a:fillRef idx="1">
+            <a:schemeClr val="accent1"/>
+          </a:fillRef>
+          <a:effectRef idx="0">
+            <a:schemeClr val="accent1"/>
+          </a:effectRef>
+          <a:fontRef idx="minor">
+            <a:schemeClr val="lt1"/>
+          </a:fontRef>
+        </p:style>
+        <p:txBody>
+          <a:bodyPr rtlCol="0" anchor="ctr"/>
+          <a:lstStyle/>
+          <a:p>
+            <a:pPr algn="ctr"/>
+            <a:endParaRPr lang="en-US"/>
+          </a:p>
+        </p:txBody>
+      </p:sp>
+      <p:sp>
+        <p:nvSpPr>
+          <p:cNvPr id="51" name="Oval 50"/>
+          <p:cNvSpPr/>
+          <p:nvPr/>
+        </p:nvSpPr>
+        <p:spPr>
+          <a:xfrm>
+            <a:off x="5542388" y="4385317"/>
+            <a:ext cx="115815" cy="115815"/>
+          </a:xfrm>
+          <a:prstGeom prst="ellipse">
+            <a:avLst/>
+          </a:prstGeom>
+          <a:solidFill>
+            <a:srgbClr val="38F838"/>
+          </a:solidFill>
+          <a:ln w="19050">
+            <a:solidFill>
+              <a:srgbClr val="0000FF"/>
+            </a:solidFill>
+          </a:ln>
+        </p:spPr>
+        <p:style>
+          <a:lnRef idx="2">
+            <a:schemeClr val="accent1">
+              <a:shade val="50000"/>
+            </a:schemeClr>
+          </a:lnRef>
+          <a:fillRef idx="1">
+            <a:schemeClr val="accent1"/>
+          </a:fillRef>
+          <a:effectRef idx="0">
+            <a:schemeClr val="accent1"/>
+          </a:effectRef>
+          <a:fontRef idx="minor">
+            <a:schemeClr val="lt1"/>
+          </a:fontRef>
+        </p:style>
+        <p:txBody>
+          <a:bodyPr rtlCol="0" anchor="ctr"/>
+          <a:lstStyle/>
+          <a:p>
+            <a:pPr algn="ctr"/>
+            <a:endParaRPr lang="en-US"/>
+          </a:p>
+        </p:txBody>
+      </p:sp>
+      <p:sp>
+        <p:nvSpPr>
+          <p:cNvPr id="52" name="Oval 51"/>
+          <p:cNvSpPr/>
+          <p:nvPr/>
+        </p:nvSpPr>
+        <p:spPr>
+          <a:xfrm>
+            <a:off x="5297013" y="4821240"/>
+            <a:ext cx="115815" cy="115815"/>
+          </a:xfrm>
+          <a:prstGeom prst="ellipse">
+            <a:avLst/>
+          </a:prstGeom>
+          <a:solidFill>
+            <a:srgbClr val="38F838"/>
+          </a:solidFill>
+          <a:ln w="19050">
+            <a:solidFill>
+              <a:srgbClr val="0000FF"/>
+            </a:solidFill>
+          </a:ln>
+        </p:spPr>
+        <p:style>
+          <a:lnRef idx="2">
+            <a:schemeClr val="accent1">
+              <a:shade val="50000"/>
+            </a:schemeClr>
+          </a:lnRef>
+          <a:fillRef idx="1">
+            <a:schemeClr val="accent1"/>
+          </a:fillRef>
+          <a:effectRef idx="0">
+            <a:schemeClr val="accent1"/>
+          </a:effectRef>
+          <a:fontRef idx="minor">
+            <a:schemeClr val="lt1"/>
+          </a:fontRef>
+        </p:style>
+        <p:txBody>
+          <a:bodyPr rtlCol="0" anchor="ctr"/>
+          <a:lstStyle/>
+          <a:p>
+            <a:pPr algn="ctr"/>
+            <a:endParaRPr lang="en-US"/>
+          </a:p>
+        </p:txBody>
+      </p:sp>
+      <p:sp>
+        <p:nvSpPr>
+          <p:cNvPr id="53" name="Oval 52"/>
+          <p:cNvSpPr/>
+          <p:nvPr/>
+        </p:nvSpPr>
+        <p:spPr>
+          <a:xfrm>
+            <a:off x="5428874" y="4686220"/>
+            <a:ext cx="115815" cy="115815"/>
+          </a:xfrm>
+          <a:prstGeom prst="ellipse">
+            <a:avLst/>
+          </a:prstGeom>
+          <a:solidFill>
+            <a:srgbClr val="38F838"/>
+          </a:solidFill>
+          <a:ln w="19050">
+            <a:solidFill>
+              <a:srgbClr val="0000FF"/>
+            </a:solidFill>
+          </a:ln>
+        </p:spPr>
+        <p:style>
+          <a:lnRef idx="2">
+            <a:schemeClr val="accent1">
+              <a:shade val="50000"/>
+            </a:schemeClr>
+          </a:lnRef>
+          <a:fillRef idx="1">
+            <a:schemeClr val="accent1"/>
+          </a:fillRef>
+          <a:effectRef idx="0">
+            <a:schemeClr val="accent1"/>
+          </a:effectRef>
+          <a:fontRef idx="minor">
+            <a:schemeClr val="lt1"/>
+          </a:fontRef>
+        </p:style>
+        <p:txBody>
+          <a:bodyPr rtlCol="0" anchor="ctr"/>
+          <a:lstStyle/>
+          <a:p>
+            <a:pPr algn="ctr"/>
+            <a:endParaRPr lang="en-US"/>
+          </a:p>
+        </p:txBody>
+      </p:sp>
+      <p:sp>
+        <p:nvSpPr>
+          <p:cNvPr id="54" name="Oval 53"/>
+          <p:cNvSpPr/>
+          <p:nvPr/>
+        </p:nvSpPr>
+        <p:spPr>
+          <a:xfrm>
+            <a:off x="5380249" y="4558635"/>
+            <a:ext cx="115815" cy="115815"/>
+          </a:xfrm>
+          <a:prstGeom prst="ellipse">
+            <a:avLst/>
+          </a:prstGeom>
+          <a:solidFill>
+            <a:srgbClr val="38F838"/>
+          </a:solidFill>
+          <a:ln w="19050">
+            <a:solidFill>
+              <a:srgbClr val="0000FF"/>
+            </a:solidFill>
+          </a:ln>
+        </p:spPr>
+        <p:style>
+          <a:lnRef idx="2">
+            <a:schemeClr val="accent1">
+              <a:shade val="50000"/>
+            </a:schemeClr>
+          </a:lnRef>
+          <a:fillRef idx="1">
+            <a:schemeClr val="accent1"/>
+          </a:fillRef>
+          <a:effectRef idx="0">
+            <a:schemeClr val="accent1"/>
+          </a:effectRef>
+          <a:fontRef idx="minor">
+            <a:schemeClr val="lt1"/>
+          </a:fontRef>
+        </p:style>
+        <p:txBody>
+          <a:bodyPr rtlCol="0" anchor="ctr"/>
+          <a:lstStyle/>
+          <a:p>
+            <a:pPr algn="ctr"/>
+            <a:endParaRPr lang="en-US"/>
+          </a:p>
+        </p:txBody>
+      </p:sp>
+      <p:sp>
+        <p:nvSpPr>
+          <p:cNvPr id="55" name="Oval 54"/>
+          <p:cNvSpPr/>
+          <p:nvPr/>
+        </p:nvSpPr>
+        <p:spPr>
+          <a:xfrm>
+            <a:off x="5272016" y="4691771"/>
+            <a:ext cx="115815" cy="115815"/>
+          </a:xfrm>
+          <a:prstGeom prst="ellipse">
+            <a:avLst/>
+          </a:prstGeom>
+          <a:solidFill>
+            <a:srgbClr val="38F838"/>
+          </a:solidFill>
+          <a:ln w="19050">
+            <a:solidFill>
+              <a:srgbClr val="0000FF"/>
+            </a:solidFill>
+          </a:ln>
+        </p:spPr>
+        <p:style>
+          <a:lnRef idx="2">
+            <a:schemeClr val="accent1">
+              <a:shade val="50000"/>
+            </a:schemeClr>
+          </a:lnRef>
+          <a:fillRef idx="1">
+            <a:schemeClr val="accent1"/>
+          </a:fillRef>
+          <a:effectRef idx="0">
+            <a:schemeClr val="accent1"/>
+          </a:effectRef>
+          <a:fontRef idx="minor">
+            <a:schemeClr val="lt1"/>
+          </a:fontRef>
+        </p:style>
+        <p:txBody>
+          <a:bodyPr rtlCol="0" anchor="ctr"/>
+          <a:lstStyle/>
+          <a:p>
+            <a:pPr algn="ctr"/>
+            <a:endParaRPr lang="en-US"/>
+          </a:p>
+        </p:txBody>
+      </p:sp>
+      <p:sp>
+        <p:nvSpPr>
+          <p:cNvPr id="56" name="Oval 55"/>
+          <p:cNvSpPr/>
+          <p:nvPr/>
+        </p:nvSpPr>
+        <p:spPr>
+          <a:xfrm>
+            <a:off x="5235542" y="4564581"/>
+            <a:ext cx="115815" cy="115815"/>
+          </a:xfrm>
+          <a:prstGeom prst="ellipse">
+            <a:avLst/>
+          </a:prstGeom>
+          <a:solidFill>
+            <a:srgbClr val="38F838"/>
+          </a:solidFill>
+          <a:ln w="19050">
+            <a:solidFill>
+              <a:srgbClr val="0000FF"/>
+            </a:solidFill>
+          </a:ln>
+        </p:spPr>
+        <p:style>
+          <a:lnRef idx="2">
+            <a:schemeClr val="accent1">
+              <a:shade val="50000"/>
+            </a:schemeClr>
+          </a:lnRef>
+          <a:fillRef idx="1">
+            <a:schemeClr val="accent1"/>
+          </a:fillRef>
+          <a:effectRef idx="0">
+            <a:schemeClr val="accent1"/>
+          </a:effectRef>
+          <a:fontRef idx="minor">
+            <a:schemeClr val="lt1"/>
+          </a:fontRef>
+        </p:style>
+        <p:txBody>
+          <a:bodyPr rtlCol="0" anchor="ctr"/>
+          <a:lstStyle/>
+          <a:p>
+            <a:pPr algn="ctr"/>
+            <a:endParaRPr lang="en-US"/>
+          </a:p>
+        </p:txBody>
+      </p:sp>
+      <p:sp>
+        <p:nvSpPr>
+          <p:cNvPr id="57" name="Oval 56"/>
+          <p:cNvSpPr/>
+          <p:nvPr/>
+        </p:nvSpPr>
+        <p:spPr>
+          <a:xfrm>
+            <a:off x="5145761" y="4680069"/>
+            <a:ext cx="115815" cy="115815"/>
+          </a:xfrm>
+          <a:prstGeom prst="ellipse">
+            <a:avLst/>
+          </a:prstGeom>
+          <a:solidFill>
+            <a:srgbClr val="38F838"/>
+          </a:solidFill>
+          <a:ln w="19050">
+            <a:solidFill>
+              <a:srgbClr val="0000FF"/>
+            </a:solidFill>
+          </a:ln>
+        </p:spPr>
+        <p:style>
+          <a:lnRef idx="2">
+            <a:schemeClr val="accent1">
+              <a:shade val="50000"/>
+            </a:schemeClr>
+          </a:lnRef>
+          <a:fillRef idx="1">
+            <a:schemeClr val="accent1"/>
+          </a:fillRef>
+          <a:effectRef idx="0">
+            <a:schemeClr val="accent1"/>
+          </a:effectRef>
+          <a:fontRef idx="minor">
+            <a:schemeClr val="lt1"/>
+          </a:fontRef>
+        </p:style>
+        <p:txBody>
+          <a:bodyPr rtlCol="0" anchor="ctr"/>
+          <a:lstStyle/>
+          <a:p>
+            <a:pPr algn="ctr"/>
+            <a:endParaRPr lang="en-US"/>
+          </a:p>
+        </p:txBody>
+      </p:sp>
+      <p:sp>
+        <p:nvSpPr>
+          <p:cNvPr id="58" name="Oval 57"/>
+          <p:cNvSpPr/>
+          <p:nvPr/>
+        </p:nvSpPr>
+        <p:spPr>
+          <a:xfrm>
+            <a:off x="5063886" y="4564581"/>
+            <a:ext cx="115815" cy="115815"/>
+          </a:xfrm>
+          <a:prstGeom prst="ellipse">
+            <a:avLst/>
+          </a:prstGeom>
+          <a:solidFill>
+            <a:srgbClr val="38F838"/>
+          </a:solidFill>
+          <a:ln w="19050">
+            <a:solidFill>
+              <a:srgbClr val="0000FF"/>
+            </a:solidFill>
+          </a:ln>
+        </p:spPr>
+        <p:style>
+          <a:lnRef idx="2">
+            <a:schemeClr val="accent1">
+              <a:shade val="50000"/>
+            </a:schemeClr>
+          </a:lnRef>
+          <a:fillRef idx="1">
+            <a:schemeClr val="accent1"/>
+          </a:fillRef>
+          <a:effectRef idx="0">
+            <a:schemeClr val="accent1"/>
+          </a:effectRef>
+          <a:fontRef idx="minor">
+            <a:schemeClr val="lt1"/>
+          </a:fontRef>
+        </p:style>
+        <p:txBody>
+          <a:bodyPr rtlCol="0" anchor="ctr"/>
+          <a:lstStyle/>
+          <a:p>
+            <a:pPr algn="ctr"/>
+            <a:endParaRPr lang="en-US"/>
+          </a:p>
+        </p:txBody>
+      </p:sp>
+      <p:sp>
+        <p:nvSpPr>
+          <p:cNvPr id="59" name="Oval 58"/>
+          <p:cNvSpPr/>
+          <p:nvPr/>
+        </p:nvSpPr>
+        <p:spPr>
+          <a:xfrm>
+            <a:off x="4917677" y="4593234"/>
+            <a:ext cx="115815" cy="115815"/>
+          </a:xfrm>
+          <a:prstGeom prst="ellipse">
+            <a:avLst/>
+          </a:prstGeom>
+          <a:solidFill>
+            <a:srgbClr val="38F838"/>
+          </a:solidFill>
+          <a:ln w="19050">
+            <a:solidFill>
+              <a:srgbClr val="0000FF"/>
+            </a:solidFill>
+          </a:ln>
+        </p:spPr>
+        <p:style>
+          <a:lnRef idx="2">
+            <a:schemeClr val="accent1">
+              <a:shade val="50000"/>
+            </a:schemeClr>
+          </a:lnRef>
+          <a:fillRef idx="1">
+            <a:schemeClr val="accent1"/>
+          </a:fillRef>
+          <a:effectRef idx="0">
+            <a:schemeClr val="accent1"/>
+          </a:effectRef>
+          <a:fontRef idx="minor">
+            <a:schemeClr val="lt1"/>
+          </a:fontRef>
+        </p:style>
+        <p:txBody>
+          <a:bodyPr rtlCol="0" anchor="ctr"/>
+          <a:lstStyle/>
+          <a:p>
+            <a:pPr algn="ctr"/>
+            <a:endParaRPr lang="en-US"/>
+          </a:p>
+        </p:txBody>
+      </p:sp>
+      <p:sp>
+        <p:nvSpPr>
+          <p:cNvPr id="7" name="5-Point Star 6"/>
+          <p:cNvSpPr/>
+          <p:nvPr/>
+        </p:nvSpPr>
+        <p:spPr>
+          <a:xfrm>
+            <a:off x="5950798" y="4751193"/>
+            <a:ext cx="222637" cy="211044"/>
+          </a:xfrm>
+          <a:prstGeom prst="star5">
+            <a:avLst/>
+          </a:prstGeom>
+          <a:solidFill>
+            <a:srgbClr val="FFFF00"/>
+          </a:solidFill>
+          <a:ln w="19050">
+            <a:solidFill>
+              <a:schemeClr val="tx1"/>
+            </a:solidFill>
+          </a:ln>
+        </p:spPr>
+        <p:style>
+          <a:lnRef idx="2">
+            <a:schemeClr val="accent1">
+              <a:shade val="50000"/>
+            </a:schemeClr>
+          </a:lnRef>
+          <a:fillRef idx="1">
+            <a:schemeClr val="accent1"/>
+          </a:fillRef>
+          <a:effectRef idx="0">
+            <a:schemeClr val="accent1"/>
+          </a:effectRef>
+          <a:fontRef idx="minor">
+            <a:schemeClr val="lt1"/>
+          </a:fontRef>
+        </p:style>
+        <p:txBody>
+          <a:bodyPr rtlCol="0" anchor="ctr"/>
+          <a:lstStyle/>
+          <a:p>
+            <a:pPr algn="ctr"/>
+            <a:endParaRPr lang="en-US"/>
+          </a:p>
+        </p:txBody>
+      </p:sp>
+      <p:pic>
+        <p:nvPicPr>
+          <p:cNvPr id="60" name="Picture 59"/>
+          <p:cNvPicPr>
+            <a:picLocks noChangeAspect="1"/>
+          </p:cNvPicPr>
+          <p:nvPr/>
+        </p:nvPicPr>
+        <p:blipFill>
+          <a:blip r:embed="rId2">
+            <a:clrChange>
+              <a:clrFrom>
+                <a:srgbClr val="EEEEEE"/>
+              </a:clrFrom>
+              <a:clrTo>
+                <a:srgbClr val="EEEEEE">
+                  <a:alpha val="0"/>
+                </a:srgbClr>
+              </a:clrTo>
+            </a:clrChange>
+          </a:blip>
+          <a:stretch>
+            <a:fillRect/>
+          </a:stretch>
+        </p:blipFill>
+        <p:spPr>
+          <a:xfrm>
+            <a:off x="1732645" y="1311851"/>
+            <a:ext cx="5260127" cy="4908951"/>
+          </a:xfrm>
+          <a:prstGeom prst="rect">
+            <a:avLst/>
+          </a:prstGeom>
+        </p:spPr>
+      </p:pic>
     </p:spTree>
     <p:extLst>
       <p:ext uri="{BB962C8B-B14F-4D97-AF65-F5344CB8AC3E}">
